--- a/content/Azure Fundamentals/1. Understand cloud concepts/3. The differences between Public, Private and Hybrid cloud models.pptx
+++ b/content/Azure Fundamentals/1. Understand cloud concepts/3. The differences between Public, Private and Hybrid cloud models.pptx
@@ -4,9 +4,16 @@
   <p:sldMasterIdLst>
     <p:sldMasterId id="2147483648" r:id="rId1"/>
   </p:sldMasterIdLst>
+  <p:notesMasterIdLst>
+    <p:notesMasterId r:id="rId8"/>
+  </p:notesMasterIdLst>
   <p:sldIdLst>
     <p:sldId id="256" r:id="rId2"/>
     <p:sldId id="257" r:id="rId3"/>
+    <p:sldId id="258" r:id="rId4"/>
+    <p:sldId id="259" r:id="rId5"/>
+    <p:sldId id="260" r:id="rId6"/>
+    <p:sldId id="261" r:id="rId7"/>
   </p:sldIdLst>
   <p:sldSz cx="12192000" cy="6858000"/>
   <p:notesSz cx="6858000" cy="9144000"/>
@@ -105,7 +112,4141 @@
       </a:defRPr>
     </a:lvl9pPr>
   </p:defaultTextStyle>
+  <p:extLst>
+    <p:ext uri="{EFAFB233-063F-42B5-8137-9DF3F51BA10A}">
+      <p15:sldGuideLst xmlns:p15="http://schemas.microsoft.com/office/powerpoint/2012/main"/>
+    </p:ext>
+  </p:extLst>
 </p:presentation>
+</file>
+
+<file path=ppt/diagrams/colors1.xml><?xml version="1.0" encoding="utf-8"?>
+<dgm:colorsDef xmlns:dgm="http://schemas.openxmlformats.org/drawingml/2006/diagram" xmlns:a="http://schemas.openxmlformats.org/drawingml/2006/main" uniqueId="urn:microsoft.com/office/officeart/2005/8/colors/accent1_2">
+  <dgm:title val=""/>
+  <dgm:desc val=""/>
+  <dgm:catLst>
+    <dgm:cat type="accent1" pri="11200"/>
+  </dgm:catLst>
+  <dgm:styleLbl name="node0">
+    <dgm:fillClrLst meth="repeat">
+      <a:schemeClr val="accent1"/>
+    </dgm:fillClrLst>
+    <dgm:linClrLst meth="repeat">
+      <a:schemeClr val="lt1"/>
+    </dgm:linClrLst>
+    <dgm:effectClrLst/>
+    <dgm:txLinClrLst/>
+    <dgm:txFillClrLst/>
+    <dgm:txEffectClrLst/>
+  </dgm:styleLbl>
+  <dgm:styleLbl name="alignNode1">
+    <dgm:fillClrLst meth="repeat">
+      <a:schemeClr val="accent1"/>
+    </dgm:fillClrLst>
+    <dgm:linClrLst meth="repeat">
+      <a:schemeClr val="accent1"/>
+    </dgm:linClrLst>
+    <dgm:effectClrLst/>
+    <dgm:txLinClrLst/>
+    <dgm:txFillClrLst/>
+    <dgm:txEffectClrLst/>
+  </dgm:styleLbl>
+  <dgm:styleLbl name="node1">
+    <dgm:fillClrLst meth="repeat">
+      <a:schemeClr val="accent1"/>
+    </dgm:fillClrLst>
+    <dgm:linClrLst meth="repeat">
+      <a:schemeClr val="lt1"/>
+    </dgm:linClrLst>
+    <dgm:effectClrLst/>
+    <dgm:txLinClrLst/>
+    <dgm:txFillClrLst/>
+    <dgm:txEffectClrLst/>
+  </dgm:styleLbl>
+  <dgm:styleLbl name="lnNode1">
+    <dgm:fillClrLst meth="repeat">
+      <a:schemeClr val="accent1"/>
+    </dgm:fillClrLst>
+    <dgm:linClrLst meth="repeat">
+      <a:schemeClr val="lt1"/>
+    </dgm:linClrLst>
+    <dgm:effectClrLst/>
+    <dgm:txLinClrLst/>
+    <dgm:txFillClrLst/>
+    <dgm:txEffectClrLst/>
+  </dgm:styleLbl>
+  <dgm:styleLbl name="vennNode1">
+    <dgm:fillClrLst meth="repeat">
+      <a:schemeClr val="accent1">
+        <a:alpha val="50000"/>
+      </a:schemeClr>
+    </dgm:fillClrLst>
+    <dgm:linClrLst meth="repeat">
+      <a:schemeClr val="lt1"/>
+    </dgm:linClrLst>
+    <dgm:effectClrLst/>
+    <dgm:txLinClrLst/>
+    <dgm:txFillClrLst/>
+    <dgm:txEffectClrLst/>
+  </dgm:styleLbl>
+  <dgm:styleLbl name="node2">
+    <dgm:fillClrLst meth="repeat">
+      <a:schemeClr val="accent1"/>
+    </dgm:fillClrLst>
+    <dgm:linClrLst meth="repeat">
+      <a:schemeClr val="lt1"/>
+    </dgm:linClrLst>
+    <dgm:effectClrLst/>
+    <dgm:txLinClrLst/>
+    <dgm:txFillClrLst/>
+    <dgm:txEffectClrLst/>
+  </dgm:styleLbl>
+  <dgm:styleLbl name="node3">
+    <dgm:fillClrLst meth="repeat">
+      <a:schemeClr val="accent1"/>
+    </dgm:fillClrLst>
+    <dgm:linClrLst meth="repeat">
+      <a:schemeClr val="lt1"/>
+    </dgm:linClrLst>
+    <dgm:effectClrLst/>
+    <dgm:txLinClrLst/>
+    <dgm:txFillClrLst/>
+    <dgm:txEffectClrLst/>
+  </dgm:styleLbl>
+  <dgm:styleLbl name="node4">
+    <dgm:fillClrLst meth="repeat">
+      <a:schemeClr val="accent1"/>
+    </dgm:fillClrLst>
+    <dgm:linClrLst meth="repeat">
+      <a:schemeClr val="lt1"/>
+    </dgm:linClrLst>
+    <dgm:effectClrLst/>
+    <dgm:txLinClrLst/>
+    <dgm:txFillClrLst/>
+    <dgm:txEffectClrLst/>
+  </dgm:styleLbl>
+  <dgm:styleLbl name="fgImgPlace1">
+    <dgm:fillClrLst meth="repeat">
+      <a:schemeClr val="accent1">
+        <a:tint val="50000"/>
+      </a:schemeClr>
+    </dgm:fillClrLst>
+    <dgm:linClrLst meth="repeat">
+      <a:schemeClr val="lt1"/>
+    </dgm:linClrLst>
+    <dgm:effectClrLst/>
+    <dgm:txLinClrLst/>
+    <dgm:txFillClrLst meth="repeat">
+      <a:schemeClr val="lt1"/>
+    </dgm:txFillClrLst>
+    <dgm:txEffectClrLst/>
+  </dgm:styleLbl>
+  <dgm:styleLbl name="alignImgPlace1">
+    <dgm:fillClrLst meth="repeat">
+      <a:schemeClr val="accent1">
+        <a:tint val="50000"/>
+      </a:schemeClr>
+    </dgm:fillClrLst>
+    <dgm:linClrLst meth="repeat">
+      <a:schemeClr val="lt1"/>
+    </dgm:linClrLst>
+    <dgm:effectClrLst/>
+    <dgm:txLinClrLst/>
+    <dgm:txFillClrLst meth="repeat">
+      <a:schemeClr val="lt1"/>
+    </dgm:txFillClrLst>
+    <dgm:txEffectClrLst/>
+  </dgm:styleLbl>
+  <dgm:styleLbl name="bgImgPlace1">
+    <dgm:fillClrLst meth="repeat">
+      <a:schemeClr val="accent1">
+        <a:tint val="50000"/>
+      </a:schemeClr>
+    </dgm:fillClrLst>
+    <dgm:linClrLst meth="repeat">
+      <a:schemeClr val="lt1"/>
+    </dgm:linClrLst>
+    <dgm:effectClrLst/>
+    <dgm:txLinClrLst/>
+    <dgm:txFillClrLst meth="repeat">
+      <a:schemeClr val="lt1"/>
+    </dgm:txFillClrLst>
+    <dgm:txEffectClrLst/>
+  </dgm:styleLbl>
+  <dgm:styleLbl name="sibTrans2D1">
+    <dgm:fillClrLst meth="repeat">
+      <a:schemeClr val="accent1">
+        <a:tint val="60000"/>
+      </a:schemeClr>
+    </dgm:fillClrLst>
+    <dgm:linClrLst meth="repeat">
+      <a:schemeClr val="accent1">
+        <a:tint val="60000"/>
+      </a:schemeClr>
+    </dgm:linClrLst>
+    <dgm:effectClrLst/>
+    <dgm:txLinClrLst/>
+    <dgm:txFillClrLst/>
+    <dgm:txEffectClrLst/>
+  </dgm:styleLbl>
+  <dgm:styleLbl name="fgSibTrans2D1">
+    <dgm:fillClrLst meth="repeat">
+      <a:schemeClr val="accent1">
+        <a:tint val="60000"/>
+      </a:schemeClr>
+    </dgm:fillClrLst>
+    <dgm:linClrLst meth="repeat">
+      <a:schemeClr val="accent1">
+        <a:tint val="60000"/>
+      </a:schemeClr>
+    </dgm:linClrLst>
+    <dgm:effectClrLst/>
+    <dgm:txLinClrLst/>
+    <dgm:txFillClrLst/>
+    <dgm:txEffectClrLst/>
+  </dgm:styleLbl>
+  <dgm:styleLbl name="bgSibTrans2D1">
+    <dgm:fillClrLst meth="repeat">
+      <a:schemeClr val="accent1">
+        <a:tint val="60000"/>
+      </a:schemeClr>
+    </dgm:fillClrLst>
+    <dgm:linClrLst meth="repeat">
+      <a:schemeClr val="accent1">
+        <a:tint val="60000"/>
+      </a:schemeClr>
+    </dgm:linClrLst>
+    <dgm:effectClrLst/>
+    <dgm:txLinClrLst/>
+    <dgm:txFillClrLst/>
+    <dgm:txEffectClrLst/>
+  </dgm:styleLbl>
+  <dgm:styleLbl name="sibTrans1D1">
+    <dgm:fillClrLst meth="repeat">
+      <a:schemeClr val="accent1"/>
+    </dgm:fillClrLst>
+    <dgm:linClrLst meth="repeat">
+      <a:schemeClr val="accent1"/>
+    </dgm:linClrLst>
+    <dgm:effectClrLst/>
+    <dgm:txLinClrLst/>
+    <dgm:txFillClrLst meth="repeat">
+      <a:schemeClr val="tx1"/>
+    </dgm:txFillClrLst>
+    <dgm:txEffectClrLst/>
+  </dgm:styleLbl>
+  <dgm:styleLbl name="callout">
+    <dgm:fillClrLst meth="repeat">
+      <a:schemeClr val="accent1"/>
+    </dgm:fillClrLst>
+    <dgm:linClrLst meth="repeat">
+      <a:schemeClr val="accent1">
+        <a:tint val="50000"/>
+      </a:schemeClr>
+    </dgm:linClrLst>
+    <dgm:effectClrLst/>
+    <dgm:txLinClrLst/>
+    <dgm:txFillClrLst meth="repeat">
+      <a:schemeClr val="tx1"/>
+    </dgm:txFillClrLst>
+    <dgm:txEffectClrLst/>
+  </dgm:styleLbl>
+  <dgm:styleLbl name="asst0">
+    <dgm:fillClrLst meth="repeat">
+      <a:schemeClr val="accent1"/>
+    </dgm:fillClrLst>
+    <dgm:linClrLst meth="repeat">
+      <a:schemeClr val="lt1"/>
+    </dgm:linClrLst>
+    <dgm:effectClrLst/>
+    <dgm:txLinClrLst/>
+    <dgm:txFillClrLst/>
+    <dgm:txEffectClrLst/>
+  </dgm:styleLbl>
+  <dgm:styleLbl name="asst1">
+    <dgm:fillClrLst meth="repeat">
+      <a:schemeClr val="accent1"/>
+    </dgm:fillClrLst>
+    <dgm:linClrLst meth="repeat">
+      <a:schemeClr val="lt1"/>
+    </dgm:linClrLst>
+    <dgm:effectClrLst/>
+    <dgm:txLinClrLst/>
+    <dgm:txFillClrLst/>
+    <dgm:txEffectClrLst/>
+  </dgm:styleLbl>
+  <dgm:styleLbl name="asst2">
+    <dgm:fillClrLst meth="repeat">
+      <a:schemeClr val="accent1"/>
+    </dgm:fillClrLst>
+    <dgm:linClrLst meth="repeat">
+      <a:schemeClr val="lt1"/>
+    </dgm:linClrLst>
+    <dgm:effectClrLst/>
+    <dgm:txLinClrLst/>
+    <dgm:txFillClrLst/>
+    <dgm:txEffectClrLst/>
+  </dgm:styleLbl>
+  <dgm:styleLbl name="asst3">
+    <dgm:fillClrLst meth="repeat">
+      <a:schemeClr val="accent1"/>
+    </dgm:fillClrLst>
+    <dgm:linClrLst meth="repeat">
+      <a:schemeClr val="lt1"/>
+    </dgm:linClrLst>
+    <dgm:effectClrLst/>
+    <dgm:txLinClrLst/>
+    <dgm:txFillClrLst/>
+    <dgm:txEffectClrLst/>
+  </dgm:styleLbl>
+  <dgm:styleLbl name="asst4">
+    <dgm:fillClrLst meth="repeat">
+      <a:schemeClr val="accent1"/>
+    </dgm:fillClrLst>
+    <dgm:linClrLst meth="repeat">
+      <a:schemeClr val="lt1"/>
+    </dgm:linClrLst>
+    <dgm:effectClrLst/>
+    <dgm:txLinClrLst/>
+    <dgm:txFillClrLst/>
+    <dgm:txEffectClrLst/>
+  </dgm:styleLbl>
+  <dgm:styleLbl name="parChTrans2D1">
+    <dgm:fillClrLst meth="repeat">
+      <a:schemeClr val="accent1">
+        <a:tint val="60000"/>
+      </a:schemeClr>
+    </dgm:fillClrLst>
+    <dgm:linClrLst meth="repeat">
+      <a:schemeClr val="accent1">
+        <a:tint val="60000"/>
+      </a:schemeClr>
+    </dgm:linClrLst>
+    <dgm:effectClrLst/>
+    <dgm:txLinClrLst/>
+    <dgm:txFillClrLst meth="repeat">
+      <a:schemeClr val="lt1"/>
+    </dgm:txFillClrLst>
+    <dgm:txEffectClrLst/>
+  </dgm:styleLbl>
+  <dgm:styleLbl name="parChTrans2D2">
+    <dgm:fillClrLst meth="repeat">
+      <a:schemeClr val="accent1"/>
+    </dgm:fillClrLst>
+    <dgm:linClrLst meth="repeat">
+      <a:schemeClr val="accent1"/>
+    </dgm:linClrLst>
+    <dgm:effectClrLst/>
+    <dgm:txLinClrLst/>
+    <dgm:txFillClrLst meth="repeat">
+      <a:schemeClr val="lt1"/>
+    </dgm:txFillClrLst>
+    <dgm:txEffectClrLst/>
+  </dgm:styleLbl>
+  <dgm:styleLbl name="parChTrans2D3">
+    <dgm:fillClrLst meth="repeat">
+      <a:schemeClr val="accent1"/>
+    </dgm:fillClrLst>
+    <dgm:linClrLst meth="repeat">
+      <a:schemeClr val="accent1"/>
+    </dgm:linClrLst>
+    <dgm:effectClrLst/>
+    <dgm:txLinClrLst/>
+    <dgm:txFillClrLst meth="repeat">
+      <a:schemeClr val="lt1"/>
+    </dgm:txFillClrLst>
+    <dgm:txEffectClrLst/>
+  </dgm:styleLbl>
+  <dgm:styleLbl name="parChTrans2D4">
+    <dgm:fillClrLst meth="repeat">
+      <a:schemeClr val="accent1"/>
+    </dgm:fillClrLst>
+    <dgm:linClrLst meth="repeat">
+      <a:schemeClr val="accent1"/>
+    </dgm:linClrLst>
+    <dgm:effectClrLst/>
+    <dgm:txLinClrLst/>
+    <dgm:txFillClrLst meth="repeat">
+      <a:schemeClr val="lt1"/>
+    </dgm:txFillClrLst>
+    <dgm:txEffectClrLst/>
+  </dgm:styleLbl>
+  <dgm:styleLbl name="parChTrans1D1">
+    <dgm:fillClrLst meth="repeat">
+      <a:schemeClr val="accent1"/>
+    </dgm:fillClrLst>
+    <dgm:linClrLst meth="repeat">
+      <a:schemeClr val="accent1">
+        <a:shade val="60000"/>
+      </a:schemeClr>
+    </dgm:linClrLst>
+    <dgm:effectClrLst/>
+    <dgm:txLinClrLst/>
+    <dgm:txFillClrLst meth="repeat">
+      <a:schemeClr val="tx1"/>
+    </dgm:txFillClrLst>
+    <dgm:txEffectClrLst/>
+  </dgm:styleLbl>
+  <dgm:styleLbl name="parChTrans1D2">
+    <dgm:fillClrLst meth="repeat">
+      <a:schemeClr val="accent1"/>
+    </dgm:fillClrLst>
+    <dgm:linClrLst meth="repeat">
+      <a:schemeClr val="accent1">
+        <a:shade val="60000"/>
+      </a:schemeClr>
+    </dgm:linClrLst>
+    <dgm:effectClrLst/>
+    <dgm:txLinClrLst/>
+    <dgm:txFillClrLst meth="repeat">
+      <a:schemeClr val="tx1"/>
+    </dgm:txFillClrLst>
+    <dgm:txEffectClrLst/>
+  </dgm:styleLbl>
+  <dgm:styleLbl name="parChTrans1D3">
+    <dgm:fillClrLst meth="repeat">
+      <a:schemeClr val="accent1"/>
+    </dgm:fillClrLst>
+    <dgm:linClrLst meth="repeat">
+      <a:schemeClr val="accent1">
+        <a:shade val="80000"/>
+      </a:schemeClr>
+    </dgm:linClrLst>
+    <dgm:effectClrLst/>
+    <dgm:txLinClrLst/>
+    <dgm:txFillClrLst meth="repeat">
+      <a:schemeClr val="tx1"/>
+    </dgm:txFillClrLst>
+    <dgm:txEffectClrLst/>
+  </dgm:styleLbl>
+  <dgm:styleLbl name="parChTrans1D4">
+    <dgm:fillClrLst meth="repeat">
+      <a:schemeClr val="accent1"/>
+    </dgm:fillClrLst>
+    <dgm:linClrLst meth="repeat">
+      <a:schemeClr val="accent1">
+        <a:shade val="80000"/>
+      </a:schemeClr>
+    </dgm:linClrLst>
+    <dgm:effectClrLst/>
+    <dgm:txLinClrLst/>
+    <dgm:txFillClrLst meth="repeat">
+      <a:schemeClr val="tx1"/>
+    </dgm:txFillClrLst>
+    <dgm:txEffectClrLst/>
+  </dgm:styleLbl>
+  <dgm:styleLbl name="fgAcc1">
+    <dgm:fillClrLst meth="repeat">
+      <a:schemeClr val="lt1">
+        <a:alpha val="90000"/>
+      </a:schemeClr>
+    </dgm:fillClrLst>
+    <dgm:linClrLst meth="repeat">
+      <a:schemeClr val="accent1"/>
+    </dgm:linClrLst>
+    <dgm:effectClrLst/>
+    <dgm:txLinClrLst/>
+    <dgm:txFillClrLst meth="repeat">
+      <a:schemeClr val="dk1"/>
+    </dgm:txFillClrLst>
+    <dgm:txEffectClrLst/>
+  </dgm:styleLbl>
+  <dgm:styleLbl name="conFgAcc1">
+    <dgm:fillClrLst meth="repeat">
+      <a:schemeClr val="lt1">
+        <a:alpha val="90000"/>
+      </a:schemeClr>
+    </dgm:fillClrLst>
+    <dgm:linClrLst meth="repeat">
+      <a:schemeClr val="accent1"/>
+    </dgm:linClrLst>
+    <dgm:effectClrLst/>
+    <dgm:txLinClrLst/>
+    <dgm:txFillClrLst meth="repeat">
+      <a:schemeClr val="dk1"/>
+    </dgm:txFillClrLst>
+    <dgm:txEffectClrLst/>
+  </dgm:styleLbl>
+  <dgm:styleLbl name="alignAcc1">
+    <dgm:fillClrLst meth="repeat">
+      <a:schemeClr val="lt1">
+        <a:alpha val="90000"/>
+      </a:schemeClr>
+    </dgm:fillClrLst>
+    <dgm:linClrLst meth="repeat">
+      <a:schemeClr val="accent1"/>
+    </dgm:linClrLst>
+    <dgm:effectClrLst/>
+    <dgm:txLinClrLst/>
+    <dgm:txFillClrLst meth="repeat">
+      <a:schemeClr val="dk1"/>
+    </dgm:txFillClrLst>
+    <dgm:txEffectClrLst/>
+  </dgm:styleLbl>
+  <dgm:styleLbl name="trAlignAcc1">
+    <dgm:fillClrLst meth="repeat">
+      <a:schemeClr val="lt1">
+        <a:alpha val="40000"/>
+      </a:schemeClr>
+    </dgm:fillClrLst>
+    <dgm:linClrLst meth="repeat">
+      <a:schemeClr val="accent1"/>
+    </dgm:linClrLst>
+    <dgm:effectClrLst/>
+    <dgm:txLinClrLst/>
+    <dgm:txFillClrLst meth="repeat">
+      <a:schemeClr val="dk1"/>
+    </dgm:txFillClrLst>
+    <dgm:txEffectClrLst/>
+  </dgm:styleLbl>
+  <dgm:styleLbl name="bgAcc1">
+    <dgm:fillClrLst meth="repeat">
+      <a:schemeClr val="lt1">
+        <a:alpha val="90000"/>
+      </a:schemeClr>
+    </dgm:fillClrLst>
+    <dgm:linClrLst meth="repeat">
+      <a:schemeClr val="accent1"/>
+    </dgm:linClrLst>
+    <dgm:effectClrLst/>
+    <dgm:txLinClrLst/>
+    <dgm:txFillClrLst meth="repeat">
+      <a:schemeClr val="dk1"/>
+    </dgm:txFillClrLst>
+    <dgm:txEffectClrLst/>
+  </dgm:styleLbl>
+  <dgm:styleLbl name="solidFgAcc1">
+    <dgm:fillClrLst meth="repeat">
+      <a:schemeClr val="lt1"/>
+    </dgm:fillClrLst>
+    <dgm:linClrLst meth="repeat">
+      <a:schemeClr val="accent1"/>
+    </dgm:linClrLst>
+    <dgm:effectClrLst/>
+    <dgm:txLinClrLst/>
+    <dgm:txFillClrLst meth="repeat">
+      <a:schemeClr val="dk1"/>
+    </dgm:txFillClrLst>
+    <dgm:txEffectClrLst/>
+  </dgm:styleLbl>
+  <dgm:styleLbl name="solidAlignAcc1">
+    <dgm:fillClrLst meth="repeat">
+      <a:schemeClr val="lt1"/>
+    </dgm:fillClrLst>
+    <dgm:linClrLst meth="repeat">
+      <a:schemeClr val="accent1"/>
+    </dgm:linClrLst>
+    <dgm:effectClrLst/>
+    <dgm:txLinClrLst/>
+    <dgm:txFillClrLst meth="repeat">
+      <a:schemeClr val="dk1"/>
+    </dgm:txFillClrLst>
+    <dgm:txEffectClrLst/>
+  </dgm:styleLbl>
+  <dgm:styleLbl name="solidBgAcc1">
+    <dgm:fillClrLst meth="repeat">
+      <a:schemeClr val="lt1"/>
+    </dgm:fillClrLst>
+    <dgm:linClrLst meth="repeat">
+      <a:schemeClr val="accent1"/>
+    </dgm:linClrLst>
+    <dgm:effectClrLst/>
+    <dgm:txLinClrLst/>
+    <dgm:txFillClrLst meth="repeat">
+      <a:schemeClr val="dk1"/>
+    </dgm:txFillClrLst>
+    <dgm:txEffectClrLst/>
+  </dgm:styleLbl>
+  <dgm:styleLbl name="fgAccFollowNode1">
+    <dgm:fillClrLst meth="repeat">
+      <a:schemeClr val="accent1">
+        <a:alpha val="90000"/>
+        <a:tint val="40000"/>
+      </a:schemeClr>
+    </dgm:fillClrLst>
+    <dgm:linClrLst meth="repeat">
+      <a:schemeClr val="accent1">
+        <a:alpha val="90000"/>
+        <a:tint val="40000"/>
+      </a:schemeClr>
+    </dgm:linClrLst>
+    <dgm:effectClrLst/>
+    <dgm:txLinClrLst/>
+    <dgm:txFillClrLst meth="repeat">
+      <a:schemeClr val="dk1"/>
+    </dgm:txFillClrLst>
+    <dgm:txEffectClrLst/>
+  </dgm:styleLbl>
+  <dgm:styleLbl name="alignAccFollowNode1">
+    <dgm:fillClrLst meth="repeat">
+      <a:schemeClr val="accent1">
+        <a:alpha val="90000"/>
+        <a:tint val="40000"/>
+      </a:schemeClr>
+    </dgm:fillClrLst>
+    <dgm:linClrLst meth="repeat">
+      <a:schemeClr val="accent1">
+        <a:alpha val="90000"/>
+        <a:tint val="40000"/>
+      </a:schemeClr>
+    </dgm:linClrLst>
+    <dgm:effectClrLst/>
+    <dgm:txLinClrLst/>
+    <dgm:txFillClrLst meth="repeat">
+      <a:schemeClr val="dk1"/>
+    </dgm:txFillClrLst>
+    <dgm:txEffectClrLst/>
+  </dgm:styleLbl>
+  <dgm:styleLbl name="bgAccFollowNode1">
+    <dgm:fillClrLst meth="repeat">
+      <a:schemeClr val="accent1">
+        <a:alpha val="90000"/>
+        <a:tint val="40000"/>
+      </a:schemeClr>
+    </dgm:fillClrLst>
+    <dgm:linClrLst meth="repeat">
+      <a:schemeClr val="accent1">
+        <a:alpha val="90000"/>
+        <a:tint val="40000"/>
+      </a:schemeClr>
+    </dgm:linClrLst>
+    <dgm:effectClrLst/>
+    <dgm:txLinClrLst/>
+    <dgm:txFillClrLst meth="repeat">
+      <a:schemeClr val="dk1"/>
+    </dgm:txFillClrLst>
+    <dgm:txEffectClrLst/>
+  </dgm:styleLbl>
+  <dgm:styleLbl name="fgAcc0">
+    <dgm:fillClrLst meth="repeat">
+      <a:schemeClr val="lt1">
+        <a:alpha val="90000"/>
+      </a:schemeClr>
+    </dgm:fillClrLst>
+    <dgm:linClrLst meth="repeat">
+      <a:schemeClr val="accent1"/>
+    </dgm:linClrLst>
+    <dgm:effectClrLst/>
+    <dgm:txLinClrLst/>
+    <dgm:txFillClrLst meth="repeat">
+      <a:schemeClr val="dk1"/>
+    </dgm:txFillClrLst>
+    <dgm:txEffectClrLst/>
+  </dgm:styleLbl>
+  <dgm:styleLbl name="fgAcc2">
+    <dgm:fillClrLst meth="repeat">
+      <a:schemeClr val="lt1">
+        <a:alpha val="90000"/>
+      </a:schemeClr>
+    </dgm:fillClrLst>
+    <dgm:linClrLst meth="repeat">
+      <a:schemeClr val="accent1"/>
+    </dgm:linClrLst>
+    <dgm:effectClrLst/>
+    <dgm:txLinClrLst/>
+    <dgm:txFillClrLst meth="repeat">
+      <a:schemeClr val="dk1"/>
+    </dgm:txFillClrLst>
+    <dgm:txEffectClrLst/>
+  </dgm:styleLbl>
+  <dgm:styleLbl name="fgAcc3">
+    <dgm:fillClrLst meth="repeat">
+      <a:schemeClr val="lt1">
+        <a:alpha val="90000"/>
+      </a:schemeClr>
+    </dgm:fillClrLst>
+    <dgm:linClrLst meth="repeat">
+      <a:schemeClr val="accent1"/>
+    </dgm:linClrLst>
+    <dgm:effectClrLst/>
+    <dgm:txLinClrLst/>
+    <dgm:txFillClrLst meth="repeat">
+      <a:schemeClr val="dk1"/>
+    </dgm:txFillClrLst>
+    <dgm:txEffectClrLst/>
+  </dgm:styleLbl>
+  <dgm:styleLbl name="fgAcc4">
+    <dgm:fillClrLst meth="repeat">
+      <a:schemeClr val="lt1">
+        <a:alpha val="90000"/>
+      </a:schemeClr>
+    </dgm:fillClrLst>
+    <dgm:linClrLst meth="repeat">
+      <a:schemeClr val="accent1"/>
+    </dgm:linClrLst>
+    <dgm:effectClrLst/>
+    <dgm:txLinClrLst/>
+    <dgm:txFillClrLst meth="repeat">
+      <a:schemeClr val="dk1"/>
+    </dgm:txFillClrLst>
+    <dgm:txEffectClrLst/>
+  </dgm:styleLbl>
+  <dgm:styleLbl name="bgShp">
+    <dgm:fillClrLst meth="repeat">
+      <a:schemeClr val="accent1">
+        <a:tint val="40000"/>
+      </a:schemeClr>
+    </dgm:fillClrLst>
+    <dgm:linClrLst meth="repeat">
+      <a:schemeClr val="accent1"/>
+    </dgm:linClrLst>
+    <dgm:effectClrLst/>
+    <dgm:txLinClrLst/>
+    <dgm:txFillClrLst meth="repeat">
+      <a:schemeClr val="dk1"/>
+    </dgm:txFillClrLst>
+    <dgm:txEffectClrLst/>
+  </dgm:styleLbl>
+  <dgm:styleLbl name="dkBgShp">
+    <dgm:fillClrLst meth="repeat">
+      <a:schemeClr val="accent1">
+        <a:shade val="80000"/>
+      </a:schemeClr>
+    </dgm:fillClrLst>
+    <dgm:linClrLst meth="repeat">
+      <a:schemeClr val="accent1"/>
+    </dgm:linClrLst>
+    <dgm:effectClrLst/>
+    <dgm:txLinClrLst/>
+    <dgm:txFillClrLst meth="repeat">
+      <a:schemeClr val="lt1"/>
+    </dgm:txFillClrLst>
+    <dgm:txEffectClrLst/>
+  </dgm:styleLbl>
+  <dgm:styleLbl name="trBgShp">
+    <dgm:fillClrLst meth="repeat">
+      <a:schemeClr val="accent1">
+        <a:tint val="50000"/>
+        <a:alpha val="40000"/>
+      </a:schemeClr>
+    </dgm:fillClrLst>
+    <dgm:linClrLst meth="repeat">
+      <a:schemeClr val="accent1"/>
+    </dgm:linClrLst>
+    <dgm:effectClrLst/>
+    <dgm:txLinClrLst/>
+    <dgm:txFillClrLst meth="repeat">
+      <a:schemeClr val="lt1"/>
+    </dgm:txFillClrLst>
+    <dgm:txEffectClrLst/>
+  </dgm:styleLbl>
+  <dgm:styleLbl name="fgShp">
+    <dgm:fillClrLst meth="repeat">
+      <a:schemeClr val="accent1">
+        <a:tint val="60000"/>
+      </a:schemeClr>
+    </dgm:fillClrLst>
+    <dgm:linClrLst meth="repeat">
+      <a:schemeClr val="lt1"/>
+    </dgm:linClrLst>
+    <dgm:effectClrLst/>
+    <dgm:txLinClrLst/>
+    <dgm:txFillClrLst meth="repeat">
+      <a:schemeClr val="dk1"/>
+    </dgm:txFillClrLst>
+    <dgm:txEffectClrLst/>
+  </dgm:styleLbl>
+  <dgm:styleLbl name="revTx">
+    <dgm:fillClrLst meth="repeat">
+      <a:schemeClr val="lt1">
+        <a:alpha val="0"/>
+      </a:schemeClr>
+    </dgm:fillClrLst>
+    <dgm:linClrLst meth="repeat">
+      <a:schemeClr val="dk1">
+        <a:alpha val="0"/>
+      </a:schemeClr>
+    </dgm:linClrLst>
+    <dgm:effectClrLst/>
+    <dgm:txLinClrLst/>
+    <dgm:txFillClrLst meth="repeat">
+      <a:schemeClr val="tx1"/>
+    </dgm:txFillClrLst>
+    <dgm:txEffectClrLst/>
+  </dgm:styleLbl>
+</dgm:colorsDef>
+</file>
+
+<file path=ppt/diagrams/data1.xml><?xml version="1.0" encoding="utf-8"?>
+<dgm:dataModel xmlns:dgm="http://schemas.openxmlformats.org/drawingml/2006/diagram" xmlns:a="http://schemas.openxmlformats.org/drawingml/2006/main">
+  <dgm:ptLst>
+    <dgm:pt modelId="{9E49D31C-7FDA-4129-A2F4-1CCEF549F863}" type="doc">
+      <dgm:prSet loTypeId="urn:microsoft.com/office/officeart/2005/8/layout/radial2" loCatId="relationship" qsTypeId="urn:microsoft.com/office/officeart/2005/8/quickstyle/simple1" qsCatId="simple" csTypeId="urn:microsoft.com/office/officeart/2005/8/colors/accent1_2" csCatId="accent1" phldr="1"/>
+      <dgm:spPr/>
+      <dgm:t>
+        <a:bodyPr/>
+        <a:lstStyle/>
+        <a:p>
+          <a:endParaRPr lang="en-ZA"/>
+        </a:p>
+      </dgm:t>
+    </dgm:pt>
+    <dgm:pt modelId="{D598C16A-8864-45B1-90A0-E57960DF66CF}">
+      <dgm:prSet/>
+      <dgm:spPr/>
+      <dgm:t>
+        <a:bodyPr/>
+        <a:lstStyle/>
+        <a:p>
+          <a:r>
+            <a:rPr lang="en-US"/>
+            <a:t>Service</a:t>
+          </a:r>
+          <a:endParaRPr lang="en-ZA"/>
+        </a:p>
+      </dgm:t>
+    </dgm:pt>
+    <dgm:pt modelId="{2B1A39D6-189B-4C58-8F37-3F107D289CBA}" type="parTrans" cxnId="{9CC8D47A-E264-437F-8FCB-51DCA31B1082}">
+      <dgm:prSet/>
+      <dgm:spPr/>
+      <dgm:t>
+        <a:bodyPr/>
+        <a:lstStyle/>
+        <a:p>
+          <a:endParaRPr lang="en-ZA"/>
+        </a:p>
+      </dgm:t>
+    </dgm:pt>
+    <dgm:pt modelId="{97ADE3F0-1C02-404D-8926-6733ED42D486}" type="sibTrans" cxnId="{9CC8D47A-E264-437F-8FCB-51DCA31B1082}">
+      <dgm:prSet/>
+      <dgm:spPr/>
+      <dgm:t>
+        <a:bodyPr/>
+        <a:lstStyle/>
+        <a:p>
+          <a:endParaRPr lang="en-ZA"/>
+        </a:p>
+      </dgm:t>
+    </dgm:pt>
+    <dgm:pt modelId="{67799B78-5F8A-4A1F-952B-B38911E0FDEB}">
+      <dgm:prSet/>
+      <dgm:spPr/>
+      <dgm:t>
+        <a:bodyPr/>
+        <a:lstStyle/>
+        <a:p>
+          <a:r>
+            <a:rPr lang="en-US"/>
+            <a:t>Servers</a:t>
+          </a:r>
+          <a:endParaRPr lang="en-ZA"/>
+        </a:p>
+      </dgm:t>
+    </dgm:pt>
+    <dgm:pt modelId="{8EF3A589-CDBB-4BE5-9F7F-253876BFDA78}" type="parTrans" cxnId="{DA28E199-CFA9-4F4A-ADD0-27DCA957E3AF}">
+      <dgm:prSet/>
+      <dgm:spPr/>
+      <dgm:t>
+        <a:bodyPr/>
+        <a:lstStyle/>
+        <a:p>
+          <a:endParaRPr lang="en-ZA"/>
+        </a:p>
+      </dgm:t>
+    </dgm:pt>
+    <dgm:pt modelId="{E4A079CF-71FD-44FE-BA69-621CA6C3EB34}" type="sibTrans" cxnId="{DA28E199-CFA9-4F4A-ADD0-27DCA957E3AF}">
+      <dgm:prSet/>
+      <dgm:spPr/>
+      <dgm:t>
+        <a:bodyPr/>
+        <a:lstStyle/>
+        <a:p>
+          <a:endParaRPr lang="en-ZA"/>
+        </a:p>
+      </dgm:t>
+    </dgm:pt>
+    <dgm:pt modelId="{528E406F-BEA9-4BA4-8C21-5281AC05EB4A}">
+      <dgm:prSet/>
+      <dgm:spPr/>
+      <dgm:t>
+        <a:bodyPr/>
+        <a:lstStyle/>
+        <a:p>
+          <a:r>
+            <a:rPr lang="en-US"/>
+            <a:t>Storage</a:t>
+          </a:r>
+          <a:endParaRPr lang="en-ZA"/>
+        </a:p>
+      </dgm:t>
+    </dgm:pt>
+    <dgm:pt modelId="{C39C2F16-9428-4419-A861-6BF35C8C3208}" type="parTrans" cxnId="{A5F97694-E89A-4AC4-B68A-69A31047DF3E}">
+      <dgm:prSet/>
+      <dgm:spPr/>
+      <dgm:t>
+        <a:bodyPr/>
+        <a:lstStyle/>
+        <a:p>
+          <a:endParaRPr lang="en-ZA"/>
+        </a:p>
+      </dgm:t>
+    </dgm:pt>
+    <dgm:pt modelId="{052DC501-E7B3-4D4F-9AF7-77CBE14AFA2E}" type="sibTrans" cxnId="{A5F97694-E89A-4AC4-B68A-69A31047DF3E}">
+      <dgm:prSet/>
+      <dgm:spPr/>
+      <dgm:t>
+        <a:bodyPr/>
+        <a:lstStyle/>
+        <a:p>
+          <a:endParaRPr lang="en-ZA"/>
+        </a:p>
+      </dgm:t>
+    </dgm:pt>
+    <dgm:pt modelId="{C7885F59-0B94-4330-AF6C-77C8D496D771}">
+      <dgm:prSet/>
+      <dgm:spPr/>
+      <dgm:t>
+        <a:bodyPr/>
+        <a:lstStyle/>
+        <a:p>
+          <a:r>
+            <a:rPr lang="en-US"/>
+            <a:t>Databases</a:t>
+          </a:r>
+          <a:endParaRPr lang="en-ZA"/>
+        </a:p>
+      </dgm:t>
+    </dgm:pt>
+    <dgm:pt modelId="{64EB3DA0-6C1D-4272-A163-EF51BDE84B17}" type="parTrans" cxnId="{784951E3-6732-4457-AC44-111DB35D49AF}">
+      <dgm:prSet/>
+      <dgm:spPr/>
+      <dgm:t>
+        <a:bodyPr/>
+        <a:lstStyle/>
+        <a:p>
+          <a:endParaRPr lang="en-ZA"/>
+        </a:p>
+      </dgm:t>
+    </dgm:pt>
+    <dgm:pt modelId="{0127DAD9-8266-4D2C-8F11-48458B4D07A3}" type="sibTrans" cxnId="{784951E3-6732-4457-AC44-111DB35D49AF}">
+      <dgm:prSet/>
+      <dgm:spPr/>
+      <dgm:t>
+        <a:bodyPr/>
+        <a:lstStyle/>
+        <a:p>
+          <a:endParaRPr lang="en-ZA"/>
+        </a:p>
+      </dgm:t>
+    </dgm:pt>
+    <dgm:pt modelId="{FD615EFB-A5F1-4507-965B-5006DB7C3F4C}">
+      <dgm:prSet/>
+      <dgm:spPr/>
+      <dgm:t>
+        <a:bodyPr/>
+        <a:lstStyle/>
+        <a:p>
+          <a:r>
+            <a:rPr lang="en-US"/>
+            <a:t>Networking</a:t>
+          </a:r>
+          <a:endParaRPr lang="en-ZA"/>
+        </a:p>
+      </dgm:t>
+    </dgm:pt>
+    <dgm:pt modelId="{B2901500-6E78-4E12-99DE-752E64867B15}" type="parTrans" cxnId="{155B7F8F-E6FF-4A03-8E1F-6E8EEA3C8129}">
+      <dgm:prSet/>
+      <dgm:spPr/>
+      <dgm:t>
+        <a:bodyPr/>
+        <a:lstStyle/>
+        <a:p>
+          <a:endParaRPr lang="en-ZA"/>
+        </a:p>
+      </dgm:t>
+    </dgm:pt>
+    <dgm:pt modelId="{C5EC6800-C262-4970-B3E7-86BF163B624D}" type="sibTrans" cxnId="{155B7F8F-E6FF-4A03-8E1F-6E8EEA3C8129}">
+      <dgm:prSet/>
+      <dgm:spPr/>
+      <dgm:t>
+        <a:bodyPr/>
+        <a:lstStyle/>
+        <a:p>
+          <a:endParaRPr lang="en-ZA"/>
+        </a:p>
+      </dgm:t>
+    </dgm:pt>
+    <dgm:pt modelId="{2609E2DE-D143-4EFE-967F-D4C19DF22378}">
+      <dgm:prSet/>
+      <dgm:spPr/>
+      <dgm:t>
+        <a:bodyPr/>
+        <a:lstStyle/>
+        <a:p>
+          <a:r>
+            <a:rPr lang="en-US"/>
+            <a:t>Software</a:t>
+          </a:r>
+          <a:endParaRPr lang="en-ZA"/>
+        </a:p>
+      </dgm:t>
+    </dgm:pt>
+    <dgm:pt modelId="{13E1D5E9-70D1-4EC2-BC63-B51ADAD5DBCE}" type="parTrans" cxnId="{2A818F73-10F2-47B5-8BAC-105E5211DEC4}">
+      <dgm:prSet/>
+      <dgm:spPr/>
+      <dgm:t>
+        <a:bodyPr/>
+        <a:lstStyle/>
+        <a:p>
+          <a:endParaRPr lang="en-ZA"/>
+        </a:p>
+      </dgm:t>
+    </dgm:pt>
+    <dgm:pt modelId="{8A804F43-9F85-4EBD-9D3C-FC45108920C6}" type="sibTrans" cxnId="{2A818F73-10F2-47B5-8BAC-105E5211DEC4}">
+      <dgm:prSet/>
+      <dgm:spPr/>
+      <dgm:t>
+        <a:bodyPr/>
+        <a:lstStyle/>
+        <a:p>
+          <a:endParaRPr lang="en-ZA"/>
+        </a:p>
+      </dgm:t>
+    </dgm:pt>
+    <dgm:pt modelId="{80A853B0-99F6-499F-B3DA-37E110CC63B0}">
+      <dgm:prSet/>
+      <dgm:spPr/>
+      <dgm:t>
+        <a:bodyPr/>
+        <a:lstStyle/>
+        <a:p>
+          <a:r>
+            <a:rPr lang="en-US"/>
+            <a:t>Analytics</a:t>
+          </a:r>
+          <a:endParaRPr lang="en-ZA"/>
+        </a:p>
+      </dgm:t>
+    </dgm:pt>
+    <dgm:pt modelId="{D7DF99FA-AD84-4347-8524-BA3DD0A89B53}" type="parTrans" cxnId="{574C9F30-DA0F-4C77-A670-61847BECAAB1}">
+      <dgm:prSet/>
+      <dgm:spPr/>
+      <dgm:t>
+        <a:bodyPr/>
+        <a:lstStyle/>
+        <a:p>
+          <a:endParaRPr lang="en-ZA"/>
+        </a:p>
+      </dgm:t>
+    </dgm:pt>
+    <dgm:pt modelId="{2542CBF9-2726-44B7-BCDD-7CF207D7DB8A}" type="sibTrans" cxnId="{574C9F30-DA0F-4C77-A670-61847BECAAB1}">
+      <dgm:prSet/>
+      <dgm:spPr/>
+      <dgm:t>
+        <a:bodyPr/>
+        <a:lstStyle/>
+        <a:p>
+          <a:endParaRPr lang="en-ZA"/>
+        </a:p>
+      </dgm:t>
+    </dgm:pt>
+    <dgm:pt modelId="{64C8F5BB-C565-40FC-AF5B-2E26114425D5}">
+      <dgm:prSet/>
+      <dgm:spPr/>
+      <dgm:t>
+        <a:bodyPr/>
+        <a:lstStyle/>
+        <a:p>
+          <a:r>
+            <a:rPr lang="en-US" dirty="0"/>
+            <a:t>AI</a:t>
+          </a:r>
+          <a:endParaRPr lang="en-ZA" dirty="0"/>
+        </a:p>
+      </dgm:t>
+    </dgm:pt>
+    <dgm:pt modelId="{D3064F54-055B-4BCD-A0ED-A09804F5928A}" type="parTrans" cxnId="{84710BB4-220A-4929-980D-2AA323087973}">
+      <dgm:prSet/>
+      <dgm:spPr/>
+      <dgm:t>
+        <a:bodyPr/>
+        <a:lstStyle/>
+        <a:p>
+          <a:endParaRPr lang="en-ZA"/>
+        </a:p>
+      </dgm:t>
+    </dgm:pt>
+    <dgm:pt modelId="{0749595A-8A33-4447-869D-A0EDD8A3FFAC}" type="sibTrans" cxnId="{84710BB4-220A-4929-980D-2AA323087973}">
+      <dgm:prSet/>
+      <dgm:spPr/>
+      <dgm:t>
+        <a:bodyPr/>
+        <a:lstStyle/>
+        <a:p>
+          <a:endParaRPr lang="en-ZA"/>
+        </a:p>
+      </dgm:t>
+    </dgm:pt>
+    <dgm:pt modelId="{CD2AD84E-A31D-45CC-A15F-7FFDCBE4B60B}">
+      <dgm:prSet/>
+      <dgm:spPr/>
+      <dgm:t>
+        <a:bodyPr/>
+        <a:lstStyle/>
+        <a:p>
+          <a:r>
+            <a:rPr lang="en-US" dirty="0"/>
+            <a:t>Features</a:t>
+          </a:r>
+          <a:endParaRPr lang="en-ZA" dirty="0"/>
+        </a:p>
+      </dgm:t>
+    </dgm:pt>
+    <dgm:pt modelId="{30979201-EF6B-4B1F-9CDB-28BCFB46442E}" type="parTrans" cxnId="{5D3DAF35-7AFB-4002-B1D9-3956076F1217}">
+      <dgm:prSet/>
+      <dgm:spPr/>
+      <dgm:t>
+        <a:bodyPr/>
+        <a:lstStyle/>
+        <a:p>
+          <a:endParaRPr lang="en-ZA"/>
+        </a:p>
+      </dgm:t>
+    </dgm:pt>
+    <dgm:pt modelId="{6D8B955A-C4F1-48B5-B3C2-3A5F8D249652}" type="sibTrans" cxnId="{5D3DAF35-7AFB-4002-B1D9-3956076F1217}">
+      <dgm:prSet/>
+      <dgm:spPr/>
+      <dgm:t>
+        <a:bodyPr/>
+        <a:lstStyle/>
+        <a:p>
+          <a:endParaRPr lang="en-ZA"/>
+        </a:p>
+      </dgm:t>
+    </dgm:pt>
+    <dgm:pt modelId="{6457173C-D8D9-42A2-A9C6-2C64A42DCE83}">
+      <dgm:prSet/>
+      <dgm:spPr/>
+      <dgm:t>
+        <a:bodyPr/>
+        <a:lstStyle/>
+        <a:p>
+          <a:r>
+            <a:rPr lang="en-US" dirty="0"/>
+            <a:t>HA</a:t>
+          </a:r>
+          <a:endParaRPr lang="en-ZA" dirty="0"/>
+        </a:p>
+      </dgm:t>
+    </dgm:pt>
+    <dgm:pt modelId="{F9C8DAA3-1A0B-4299-A562-7FBE9A27D8B3}" type="parTrans" cxnId="{B8AAB834-BBD5-41B1-91B7-4510C9049323}">
+      <dgm:prSet/>
+      <dgm:spPr/>
+      <dgm:t>
+        <a:bodyPr/>
+        <a:lstStyle/>
+        <a:p>
+          <a:endParaRPr lang="en-ZA"/>
+        </a:p>
+      </dgm:t>
+    </dgm:pt>
+    <dgm:pt modelId="{CF771491-C067-4328-AA42-80F4418BDC65}" type="sibTrans" cxnId="{B8AAB834-BBD5-41B1-91B7-4510C9049323}">
+      <dgm:prSet/>
+      <dgm:spPr/>
+      <dgm:t>
+        <a:bodyPr/>
+        <a:lstStyle/>
+        <a:p>
+          <a:endParaRPr lang="en-ZA"/>
+        </a:p>
+      </dgm:t>
+    </dgm:pt>
+    <dgm:pt modelId="{AAEA35F6-52D1-4740-A33C-15BA9737FF2A}">
+      <dgm:prSet/>
+      <dgm:spPr/>
+      <dgm:t>
+        <a:bodyPr/>
+        <a:lstStyle/>
+        <a:p>
+          <a:r>
+            <a:rPr lang="en-US" dirty="0"/>
+            <a:t>Scalability</a:t>
+          </a:r>
+          <a:endParaRPr lang="en-ZA" dirty="0"/>
+        </a:p>
+      </dgm:t>
+    </dgm:pt>
+    <dgm:pt modelId="{2158BF50-6CA3-4646-9AD8-3E724876A284}" type="parTrans" cxnId="{4CD5D653-4144-481E-8D9F-51381E6AB551}">
+      <dgm:prSet/>
+      <dgm:spPr/>
+      <dgm:t>
+        <a:bodyPr/>
+        <a:lstStyle/>
+        <a:p>
+          <a:endParaRPr lang="en-ZA"/>
+        </a:p>
+      </dgm:t>
+    </dgm:pt>
+    <dgm:pt modelId="{7141E649-1F6D-40E5-B191-467FB2B7ED04}" type="sibTrans" cxnId="{4CD5D653-4144-481E-8D9F-51381E6AB551}">
+      <dgm:prSet/>
+      <dgm:spPr/>
+      <dgm:t>
+        <a:bodyPr/>
+        <a:lstStyle/>
+        <a:p>
+          <a:endParaRPr lang="en-ZA"/>
+        </a:p>
+      </dgm:t>
+    </dgm:pt>
+    <dgm:pt modelId="{908DF183-6294-44E3-94FA-35C9F8FA8C85}">
+      <dgm:prSet/>
+      <dgm:spPr/>
+      <dgm:t>
+        <a:bodyPr/>
+        <a:lstStyle/>
+        <a:p>
+          <a:r>
+            <a:rPr lang="en-US" dirty="0"/>
+            <a:t>Elasticity</a:t>
+          </a:r>
+          <a:endParaRPr lang="en-ZA" dirty="0"/>
+        </a:p>
+      </dgm:t>
+    </dgm:pt>
+    <dgm:pt modelId="{B49A1BFF-E8D8-4FE1-B33D-BA7ED7226088}" type="parTrans" cxnId="{6E0CC259-7081-4286-A044-1BAF8DAE300D}">
+      <dgm:prSet/>
+      <dgm:spPr/>
+      <dgm:t>
+        <a:bodyPr/>
+        <a:lstStyle/>
+        <a:p>
+          <a:endParaRPr lang="en-ZA"/>
+        </a:p>
+      </dgm:t>
+    </dgm:pt>
+    <dgm:pt modelId="{555A1BD8-A65D-40A5-878C-8F7F56D017B2}" type="sibTrans" cxnId="{6E0CC259-7081-4286-A044-1BAF8DAE300D}">
+      <dgm:prSet/>
+      <dgm:spPr/>
+      <dgm:t>
+        <a:bodyPr/>
+        <a:lstStyle/>
+        <a:p>
+          <a:endParaRPr lang="en-ZA"/>
+        </a:p>
+      </dgm:t>
+    </dgm:pt>
+    <dgm:pt modelId="{00A71FA7-B33A-46EC-9CBA-C01139751FBE}">
+      <dgm:prSet/>
+      <dgm:spPr/>
+      <dgm:t>
+        <a:bodyPr/>
+        <a:lstStyle/>
+        <a:p>
+          <a:r>
+            <a:rPr lang="en-US" dirty="0"/>
+            <a:t>Agility</a:t>
+          </a:r>
+          <a:endParaRPr lang="en-ZA" dirty="0"/>
+        </a:p>
+      </dgm:t>
+    </dgm:pt>
+    <dgm:pt modelId="{69DA64E1-2FE8-4928-A43A-946B176B2F9B}" type="parTrans" cxnId="{93BD5351-52E2-4375-BA0D-8B3B295BFAF2}">
+      <dgm:prSet/>
+      <dgm:spPr/>
+      <dgm:t>
+        <a:bodyPr/>
+        <a:lstStyle/>
+        <a:p>
+          <a:endParaRPr lang="en-ZA"/>
+        </a:p>
+      </dgm:t>
+    </dgm:pt>
+    <dgm:pt modelId="{2B007941-6D35-4B35-9EDA-8AB755981868}" type="sibTrans" cxnId="{93BD5351-52E2-4375-BA0D-8B3B295BFAF2}">
+      <dgm:prSet/>
+      <dgm:spPr/>
+      <dgm:t>
+        <a:bodyPr/>
+        <a:lstStyle/>
+        <a:p>
+          <a:endParaRPr lang="en-ZA"/>
+        </a:p>
+      </dgm:t>
+    </dgm:pt>
+    <dgm:pt modelId="{9008F22C-75CF-4EF7-8AD9-B1B5D1684A5D}">
+      <dgm:prSet/>
+      <dgm:spPr/>
+      <dgm:t>
+        <a:bodyPr/>
+        <a:lstStyle/>
+        <a:p>
+          <a:r>
+            <a:rPr lang="en-US" dirty="0"/>
+            <a:t>Fault tolerance</a:t>
+          </a:r>
+          <a:endParaRPr lang="en-ZA" dirty="0"/>
+        </a:p>
+      </dgm:t>
+    </dgm:pt>
+    <dgm:pt modelId="{D3A33BB0-76FD-4269-87C0-F0816AE3F5D3}" type="parTrans" cxnId="{549FFF51-5AD2-4E43-B85E-A7E1ADEB12EE}">
+      <dgm:prSet/>
+      <dgm:spPr/>
+      <dgm:t>
+        <a:bodyPr/>
+        <a:lstStyle/>
+        <a:p>
+          <a:endParaRPr lang="en-ZA"/>
+        </a:p>
+      </dgm:t>
+    </dgm:pt>
+    <dgm:pt modelId="{27DFDECF-FED9-4082-9F43-5416E2AFCCA7}" type="sibTrans" cxnId="{549FFF51-5AD2-4E43-B85E-A7E1ADEB12EE}">
+      <dgm:prSet/>
+      <dgm:spPr/>
+      <dgm:t>
+        <a:bodyPr/>
+        <a:lstStyle/>
+        <a:p>
+          <a:endParaRPr lang="en-ZA"/>
+        </a:p>
+      </dgm:t>
+    </dgm:pt>
+    <dgm:pt modelId="{C0ECEFFA-A118-44F8-9118-409F3913A4C5}">
+      <dgm:prSet/>
+      <dgm:spPr/>
+      <dgm:t>
+        <a:bodyPr/>
+        <a:lstStyle/>
+        <a:p>
+          <a:r>
+            <a:rPr lang="en-US" dirty="0"/>
+            <a:t>Disaster recovery</a:t>
+          </a:r>
+          <a:endParaRPr lang="en-ZA" dirty="0"/>
+        </a:p>
+      </dgm:t>
+    </dgm:pt>
+    <dgm:pt modelId="{D08DDBCE-1C29-4F98-A8F3-09D002ECBBA1}" type="parTrans" cxnId="{E59DFD7B-79E1-4CB9-AC66-C4BF34044BEF}">
+      <dgm:prSet/>
+      <dgm:spPr/>
+      <dgm:t>
+        <a:bodyPr/>
+        <a:lstStyle/>
+        <a:p>
+          <a:endParaRPr lang="en-ZA"/>
+        </a:p>
+      </dgm:t>
+    </dgm:pt>
+    <dgm:pt modelId="{F775F94B-34A5-4669-953F-F2A38BC4C80C}" type="sibTrans" cxnId="{E59DFD7B-79E1-4CB9-AC66-C4BF34044BEF}">
+      <dgm:prSet/>
+      <dgm:spPr/>
+      <dgm:t>
+        <a:bodyPr/>
+        <a:lstStyle/>
+        <a:p>
+          <a:endParaRPr lang="en-ZA"/>
+        </a:p>
+      </dgm:t>
+    </dgm:pt>
+    <dgm:pt modelId="{16D55A95-A832-47AF-B120-0ABA5C34667C}">
+      <dgm:prSet/>
+      <dgm:spPr/>
+      <dgm:t>
+        <a:bodyPr/>
+        <a:lstStyle/>
+        <a:p>
+          <a:r>
+            <a:rPr lang="en-US" dirty="0"/>
+            <a:t>Reach</a:t>
+          </a:r>
+          <a:endParaRPr lang="en-ZA" dirty="0"/>
+        </a:p>
+      </dgm:t>
+    </dgm:pt>
+    <dgm:pt modelId="{C2E6E4A0-A251-42B8-B15F-4B5E602BE18F}" type="parTrans" cxnId="{8FE98293-4578-476B-AF21-641619B16489}">
+      <dgm:prSet/>
+      <dgm:spPr/>
+      <dgm:t>
+        <a:bodyPr/>
+        <a:lstStyle/>
+        <a:p>
+          <a:endParaRPr lang="en-ZA"/>
+        </a:p>
+      </dgm:t>
+    </dgm:pt>
+    <dgm:pt modelId="{76392DA3-38FE-41EB-AD1A-54710A39C52C}" type="sibTrans" cxnId="{8FE98293-4578-476B-AF21-641619B16489}">
+      <dgm:prSet/>
+      <dgm:spPr/>
+      <dgm:t>
+        <a:bodyPr/>
+        <a:lstStyle/>
+        <a:p>
+          <a:endParaRPr lang="en-ZA"/>
+        </a:p>
+      </dgm:t>
+    </dgm:pt>
+    <dgm:pt modelId="{93A799F6-2725-43A9-B63C-F636986F401C}">
+      <dgm:prSet/>
+      <dgm:spPr/>
+      <dgm:t>
+        <a:bodyPr/>
+        <a:lstStyle/>
+        <a:p>
+          <a:r>
+            <a:rPr lang="en-US" dirty="0"/>
+            <a:t>Security</a:t>
+          </a:r>
+          <a:endParaRPr lang="en-ZA" dirty="0"/>
+        </a:p>
+      </dgm:t>
+    </dgm:pt>
+    <dgm:pt modelId="{AD43B1A8-49BA-4729-975C-2C759998AD6C}" type="parTrans" cxnId="{160C1164-49FA-4D81-9FC9-16EC43ABFE4D}">
+      <dgm:prSet/>
+      <dgm:spPr/>
+      <dgm:t>
+        <a:bodyPr/>
+        <a:lstStyle/>
+        <a:p>
+          <a:endParaRPr lang="en-ZA"/>
+        </a:p>
+      </dgm:t>
+    </dgm:pt>
+    <dgm:pt modelId="{BBE674C5-B7A8-4C7E-A5BA-43473219C375}" type="sibTrans" cxnId="{160C1164-49FA-4D81-9FC9-16EC43ABFE4D}">
+      <dgm:prSet/>
+      <dgm:spPr/>
+      <dgm:t>
+        <a:bodyPr/>
+        <a:lstStyle/>
+        <a:p>
+          <a:endParaRPr lang="en-ZA"/>
+        </a:p>
+      </dgm:t>
+    </dgm:pt>
+    <dgm:pt modelId="{F128815F-12DD-4BDF-BD9E-903C1ED82086}" type="pres">
+      <dgm:prSet presAssocID="{9E49D31C-7FDA-4129-A2F4-1CCEF549F863}" presName="composite" presStyleCnt="0">
+        <dgm:presLayoutVars>
+          <dgm:chMax val="5"/>
+          <dgm:dir/>
+          <dgm:animLvl val="ctr"/>
+          <dgm:resizeHandles val="exact"/>
+        </dgm:presLayoutVars>
+      </dgm:prSet>
+      <dgm:spPr/>
+    </dgm:pt>
+    <dgm:pt modelId="{D1817AB8-3DF4-498C-B386-56A6EADADA4A}" type="pres">
+      <dgm:prSet presAssocID="{9E49D31C-7FDA-4129-A2F4-1CCEF549F863}" presName="cycle" presStyleCnt="0"/>
+      <dgm:spPr/>
+    </dgm:pt>
+    <dgm:pt modelId="{22A18DF8-A7BD-4B25-A4EB-AABC2D32AFE9}" type="pres">
+      <dgm:prSet presAssocID="{9E49D31C-7FDA-4129-A2F4-1CCEF549F863}" presName="centerShape" presStyleCnt="0"/>
+      <dgm:spPr/>
+    </dgm:pt>
+    <dgm:pt modelId="{691C2645-BE0D-45C1-9EB5-F6D30C8C2563}" type="pres">
+      <dgm:prSet presAssocID="{9E49D31C-7FDA-4129-A2F4-1CCEF549F863}" presName="connSite" presStyleLbl="node1" presStyleIdx="0" presStyleCnt="3"/>
+      <dgm:spPr/>
+    </dgm:pt>
+    <dgm:pt modelId="{B224FDEE-B658-47A3-B466-E2E056BC99D8}" type="pres">
+      <dgm:prSet presAssocID="{9E49D31C-7FDA-4129-A2F4-1CCEF549F863}" presName="visible" presStyleLbl="node1" presStyleIdx="0" presStyleCnt="3"/>
+      <dgm:spPr>
+        <a:blipFill>
+          <a:blip xmlns:r="http://schemas.openxmlformats.org/officeDocument/2006/relationships" r:embed="rId1">
+            <a:extLst>
+              <a:ext uri="{28A0092B-C50C-407E-A947-70E740481C1C}">
+                <a14:useLocalDpi xmlns:a14="http://schemas.microsoft.com/office/drawing/2010/main" val="0"/>
+              </a:ext>
+            </a:extLst>
+          </a:blip>
+          <a:srcRect/>
+          <a:stretch>
+            <a:fillRect l="-25000" r="-25000"/>
+          </a:stretch>
+        </a:blipFill>
+      </dgm:spPr>
+    </dgm:pt>
+    <dgm:pt modelId="{844F9A5A-C65E-42A8-8815-A2043395139C}" type="pres">
+      <dgm:prSet presAssocID="{2B1A39D6-189B-4C58-8F37-3F107D289CBA}" presName="Name25" presStyleLbl="parChTrans1D1" presStyleIdx="0" presStyleCnt="2"/>
+      <dgm:spPr/>
+    </dgm:pt>
+    <dgm:pt modelId="{BFE682BB-2CB7-4F1B-93B6-8D609EFE97E2}" type="pres">
+      <dgm:prSet presAssocID="{D598C16A-8864-45B1-90A0-E57960DF66CF}" presName="node" presStyleCnt="0"/>
+      <dgm:spPr/>
+    </dgm:pt>
+    <dgm:pt modelId="{73371E09-3D29-4329-9ABA-BE4BBFD3B169}" type="pres">
+      <dgm:prSet presAssocID="{D598C16A-8864-45B1-90A0-E57960DF66CF}" presName="parentNode" presStyleLbl="node1" presStyleIdx="1" presStyleCnt="3">
+        <dgm:presLayoutVars>
+          <dgm:chMax val="1"/>
+          <dgm:bulletEnabled val="1"/>
+        </dgm:presLayoutVars>
+      </dgm:prSet>
+      <dgm:spPr/>
+    </dgm:pt>
+    <dgm:pt modelId="{43BF7224-74B1-4CB3-BBF4-6B4FF89D07FC}" type="pres">
+      <dgm:prSet presAssocID="{D598C16A-8864-45B1-90A0-E57960DF66CF}" presName="childNode" presStyleLbl="revTx" presStyleIdx="0" presStyleCnt="2">
+        <dgm:presLayoutVars>
+          <dgm:bulletEnabled val="1"/>
+        </dgm:presLayoutVars>
+      </dgm:prSet>
+      <dgm:spPr/>
+    </dgm:pt>
+    <dgm:pt modelId="{34FAE9AA-F823-4814-8DD1-B731D60A71A2}" type="pres">
+      <dgm:prSet presAssocID="{30979201-EF6B-4B1F-9CDB-28BCFB46442E}" presName="Name25" presStyleLbl="parChTrans1D1" presStyleIdx="1" presStyleCnt="2"/>
+      <dgm:spPr/>
+    </dgm:pt>
+    <dgm:pt modelId="{4788FB76-EAD7-46F5-A7B0-28069B6A6B69}" type="pres">
+      <dgm:prSet presAssocID="{CD2AD84E-A31D-45CC-A15F-7FFDCBE4B60B}" presName="node" presStyleCnt="0"/>
+      <dgm:spPr/>
+    </dgm:pt>
+    <dgm:pt modelId="{E8EA78F8-33BB-4DC9-BDC0-107698792CB9}" type="pres">
+      <dgm:prSet presAssocID="{CD2AD84E-A31D-45CC-A15F-7FFDCBE4B60B}" presName="parentNode" presStyleLbl="node1" presStyleIdx="2" presStyleCnt="3" custLinFactNeighborX="14437" custLinFactNeighborY="-26626">
+        <dgm:presLayoutVars>
+          <dgm:chMax val="1"/>
+          <dgm:bulletEnabled val="1"/>
+        </dgm:presLayoutVars>
+      </dgm:prSet>
+      <dgm:spPr/>
+    </dgm:pt>
+    <dgm:pt modelId="{A1058048-3EB6-4DFB-8ED7-D1FB1E370921}" type="pres">
+      <dgm:prSet presAssocID="{CD2AD84E-A31D-45CC-A15F-7FFDCBE4B60B}" presName="childNode" presStyleLbl="revTx" presStyleIdx="1" presStyleCnt="2">
+        <dgm:presLayoutVars>
+          <dgm:bulletEnabled val="1"/>
+        </dgm:presLayoutVars>
+      </dgm:prSet>
+      <dgm:spPr/>
+    </dgm:pt>
+  </dgm:ptLst>
+  <dgm:cxnLst>
+    <dgm:cxn modelId="{02A0ED02-667A-4872-896D-40DD6BF66B32}" type="presOf" srcId="{67799B78-5F8A-4A1F-952B-B38911E0FDEB}" destId="{43BF7224-74B1-4CB3-BBF4-6B4FF89D07FC}" srcOrd="0" destOrd="0" presId="urn:microsoft.com/office/officeart/2005/8/layout/radial2"/>
+    <dgm:cxn modelId="{1CBFCC03-190F-44C8-B055-D8F0895BCC8D}" type="presOf" srcId="{2B1A39D6-189B-4C58-8F37-3F107D289CBA}" destId="{844F9A5A-C65E-42A8-8815-A2043395139C}" srcOrd="0" destOrd="0" presId="urn:microsoft.com/office/officeart/2005/8/layout/radial2"/>
+    <dgm:cxn modelId="{374D8219-9C6E-4FB5-8855-445CBAF0C767}" type="presOf" srcId="{93A799F6-2725-43A9-B63C-F636986F401C}" destId="{A1058048-3EB6-4DFB-8ED7-D1FB1E370921}" srcOrd="0" destOrd="7" presId="urn:microsoft.com/office/officeart/2005/8/layout/radial2"/>
+    <dgm:cxn modelId="{03436526-2C50-4E73-9DAF-776B6D8BC765}" type="presOf" srcId="{9E49D31C-7FDA-4129-A2F4-1CCEF549F863}" destId="{F128815F-12DD-4BDF-BD9E-903C1ED82086}" srcOrd="0" destOrd="0" presId="urn:microsoft.com/office/officeart/2005/8/layout/radial2"/>
+    <dgm:cxn modelId="{574C9F30-DA0F-4C77-A670-61847BECAAB1}" srcId="{D598C16A-8864-45B1-90A0-E57960DF66CF}" destId="{80A853B0-99F6-499F-B3DA-37E110CC63B0}" srcOrd="5" destOrd="0" parTransId="{D7DF99FA-AD84-4347-8524-BA3DD0A89B53}" sibTransId="{2542CBF9-2726-44B7-BCDD-7CF207D7DB8A}"/>
+    <dgm:cxn modelId="{03B67434-F4A8-41E0-B578-5596978FB2B3}" type="presOf" srcId="{64C8F5BB-C565-40FC-AF5B-2E26114425D5}" destId="{43BF7224-74B1-4CB3-BBF4-6B4FF89D07FC}" srcOrd="0" destOrd="6" presId="urn:microsoft.com/office/officeart/2005/8/layout/radial2"/>
+    <dgm:cxn modelId="{B8AAB834-BBD5-41B1-91B7-4510C9049323}" srcId="{CD2AD84E-A31D-45CC-A15F-7FFDCBE4B60B}" destId="{6457173C-D8D9-42A2-A9C6-2C64A42DCE83}" srcOrd="0" destOrd="0" parTransId="{F9C8DAA3-1A0B-4299-A562-7FBE9A27D8B3}" sibTransId="{CF771491-C067-4328-AA42-80F4418BDC65}"/>
+    <dgm:cxn modelId="{5D3DAF35-7AFB-4002-B1D9-3956076F1217}" srcId="{9E49D31C-7FDA-4129-A2F4-1CCEF549F863}" destId="{CD2AD84E-A31D-45CC-A15F-7FFDCBE4B60B}" srcOrd="1" destOrd="0" parTransId="{30979201-EF6B-4B1F-9CDB-28BCFB46442E}" sibTransId="{6D8B955A-C4F1-48B5-B3C2-3A5F8D249652}"/>
+    <dgm:cxn modelId="{160C1164-49FA-4D81-9FC9-16EC43ABFE4D}" srcId="{CD2AD84E-A31D-45CC-A15F-7FFDCBE4B60B}" destId="{93A799F6-2725-43A9-B63C-F636986F401C}" srcOrd="7" destOrd="0" parTransId="{AD43B1A8-49BA-4729-975C-2C759998AD6C}" sibTransId="{BBE674C5-B7A8-4C7E-A5BA-43473219C375}"/>
+    <dgm:cxn modelId="{E3431469-9616-45A9-8692-61F0169FC6F9}" type="presOf" srcId="{30979201-EF6B-4B1F-9CDB-28BCFB46442E}" destId="{34FAE9AA-F823-4814-8DD1-B731D60A71A2}" srcOrd="0" destOrd="0" presId="urn:microsoft.com/office/officeart/2005/8/layout/radial2"/>
+    <dgm:cxn modelId="{71EB8D6F-98F9-4E31-B825-C2F99E00C0D8}" type="presOf" srcId="{908DF183-6294-44E3-94FA-35C9F8FA8C85}" destId="{A1058048-3EB6-4DFB-8ED7-D1FB1E370921}" srcOrd="0" destOrd="2" presId="urn:microsoft.com/office/officeart/2005/8/layout/radial2"/>
+    <dgm:cxn modelId="{93BD5351-52E2-4375-BA0D-8B3B295BFAF2}" srcId="{CD2AD84E-A31D-45CC-A15F-7FFDCBE4B60B}" destId="{00A71FA7-B33A-46EC-9CBA-C01139751FBE}" srcOrd="3" destOrd="0" parTransId="{69DA64E1-2FE8-4928-A43A-946B176B2F9B}" sibTransId="{2B007941-6D35-4B35-9EDA-8AB755981868}"/>
+    <dgm:cxn modelId="{549FFF51-5AD2-4E43-B85E-A7E1ADEB12EE}" srcId="{CD2AD84E-A31D-45CC-A15F-7FFDCBE4B60B}" destId="{9008F22C-75CF-4EF7-8AD9-B1B5D1684A5D}" srcOrd="4" destOrd="0" parTransId="{D3A33BB0-76FD-4269-87C0-F0816AE3F5D3}" sibTransId="{27DFDECF-FED9-4082-9F43-5416E2AFCCA7}"/>
+    <dgm:cxn modelId="{2A818F73-10F2-47B5-8BAC-105E5211DEC4}" srcId="{D598C16A-8864-45B1-90A0-E57960DF66CF}" destId="{2609E2DE-D143-4EFE-967F-D4C19DF22378}" srcOrd="4" destOrd="0" parTransId="{13E1D5E9-70D1-4EC2-BC63-B51ADAD5DBCE}" sibTransId="{8A804F43-9F85-4EBD-9D3C-FC45108920C6}"/>
+    <dgm:cxn modelId="{4CD5D653-4144-481E-8D9F-51381E6AB551}" srcId="{CD2AD84E-A31D-45CC-A15F-7FFDCBE4B60B}" destId="{AAEA35F6-52D1-4740-A33C-15BA9737FF2A}" srcOrd="1" destOrd="0" parTransId="{2158BF50-6CA3-4646-9AD8-3E724876A284}" sibTransId="{7141E649-1F6D-40E5-B191-467FB2B7ED04}"/>
+    <dgm:cxn modelId="{817B2A56-F933-4065-91CD-578318D5F598}" type="presOf" srcId="{AAEA35F6-52D1-4740-A33C-15BA9737FF2A}" destId="{A1058048-3EB6-4DFB-8ED7-D1FB1E370921}" srcOrd="0" destOrd="1" presId="urn:microsoft.com/office/officeart/2005/8/layout/radial2"/>
+    <dgm:cxn modelId="{6E0CC259-7081-4286-A044-1BAF8DAE300D}" srcId="{CD2AD84E-A31D-45CC-A15F-7FFDCBE4B60B}" destId="{908DF183-6294-44E3-94FA-35C9F8FA8C85}" srcOrd="2" destOrd="0" parTransId="{B49A1BFF-E8D8-4FE1-B33D-BA7ED7226088}" sibTransId="{555A1BD8-A65D-40A5-878C-8F7F56D017B2}"/>
+    <dgm:cxn modelId="{FFE4C879-9A2B-4C26-A950-390060B89920}" type="presOf" srcId="{16D55A95-A832-47AF-B120-0ABA5C34667C}" destId="{A1058048-3EB6-4DFB-8ED7-D1FB1E370921}" srcOrd="0" destOrd="6" presId="urn:microsoft.com/office/officeart/2005/8/layout/radial2"/>
+    <dgm:cxn modelId="{9CC8D47A-E264-437F-8FCB-51DCA31B1082}" srcId="{9E49D31C-7FDA-4129-A2F4-1CCEF549F863}" destId="{D598C16A-8864-45B1-90A0-E57960DF66CF}" srcOrd="0" destOrd="0" parTransId="{2B1A39D6-189B-4C58-8F37-3F107D289CBA}" sibTransId="{97ADE3F0-1C02-404D-8926-6733ED42D486}"/>
+    <dgm:cxn modelId="{E59DFD7B-79E1-4CB9-AC66-C4BF34044BEF}" srcId="{CD2AD84E-A31D-45CC-A15F-7FFDCBE4B60B}" destId="{C0ECEFFA-A118-44F8-9118-409F3913A4C5}" srcOrd="5" destOrd="0" parTransId="{D08DDBCE-1C29-4F98-A8F3-09D002ECBBA1}" sibTransId="{F775F94B-34A5-4669-953F-F2A38BC4C80C}"/>
+    <dgm:cxn modelId="{7283B280-726F-449A-BAE6-B8024C25E86E}" type="presOf" srcId="{6457173C-D8D9-42A2-A9C6-2C64A42DCE83}" destId="{A1058048-3EB6-4DFB-8ED7-D1FB1E370921}" srcOrd="0" destOrd="0" presId="urn:microsoft.com/office/officeart/2005/8/layout/radial2"/>
+    <dgm:cxn modelId="{155B7F8F-E6FF-4A03-8E1F-6E8EEA3C8129}" srcId="{D598C16A-8864-45B1-90A0-E57960DF66CF}" destId="{FD615EFB-A5F1-4507-965B-5006DB7C3F4C}" srcOrd="3" destOrd="0" parTransId="{B2901500-6E78-4E12-99DE-752E64867B15}" sibTransId="{C5EC6800-C262-4970-B3E7-86BF163B624D}"/>
+    <dgm:cxn modelId="{09EE2D91-3A4A-4856-911B-15E814CC5C46}" type="presOf" srcId="{C0ECEFFA-A118-44F8-9118-409F3913A4C5}" destId="{A1058048-3EB6-4DFB-8ED7-D1FB1E370921}" srcOrd="0" destOrd="5" presId="urn:microsoft.com/office/officeart/2005/8/layout/radial2"/>
+    <dgm:cxn modelId="{8FE98293-4578-476B-AF21-641619B16489}" srcId="{CD2AD84E-A31D-45CC-A15F-7FFDCBE4B60B}" destId="{16D55A95-A832-47AF-B120-0ABA5C34667C}" srcOrd="6" destOrd="0" parTransId="{C2E6E4A0-A251-42B8-B15F-4B5E602BE18F}" sibTransId="{76392DA3-38FE-41EB-AD1A-54710A39C52C}"/>
+    <dgm:cxn modelId="{A5F97694-E89A-4AC4-B68A-69A31047DF3E}" srcId="{D598C16A-8864-45B1-90A0-E57960DF66CF}" destId="{528E406F-BEA9-4BA4-8C21-5281AC05EB4A}" srcOrd="1" destOrd="0" parTransId="{C39C2F16-9428-4419-A861-6BF35C8C3208}" sibTransId="{052DC501-E7B3-4D4F-9AF7-77CBE14AFA2E}"/>
+    <dgm:cxn modelId="{DA28E199-CFA9-4F4A-ADD0-27DCA957E3AF}" srcId="{D598C16A-8864-45B1-90A0-E57960DF66CF}" destId="{67799B78-5F8A-4A1F-952B-B38911E0FDEB}" srcOrd="0" destOrd="0" parTransId="{8EF3A589-CDBB-4BE5-9F7F-253876BFDA78}" sibTransId="{E4A079CF-71FD-44FE-BA69-621CA6C3EB34}"/>
+    <dgm:cxn modelId="{C5D09E9C-CEB0-419E-B529-6DBBD563474A}" type="presOf" srcId="{CD2AD84E-A31D-45CC-A15F-7FFDCBE4B60B}" destId="{E8EA78F8-33BB-4DC9-BDC0-107698792CB9}" srcOrd="0" destOrd="0" presId="urn:microsoft.com/office/officeart/2005/8/layout/radial2"/>
+    <dgm:cxn modelId="{75469C9F-8DA3-4390-BC4E-4BBEA658A8A0}" type="presOf" srcId="{D598C16A-8864-45B1-90A0-E57960DF66CF}" destId="{73371E09-3D29-4329-9ABA-BE4BBFD3B169}" srcOrd="0" destOrd="0" presId="urn:microsoft.com/office/officeart/2005/8/layout/radial2"/>
+    <dgm:cxn modelId="{A38667A9-70F2-48D7-94DC-B97495A37E92}" type="presOf" srcId="{528E406F-BEA9-4BA4-8C21-5281AC05EB4A}" destId="{43BF7224-74B1-4CB3-BBF4-6B4FF89D07FC}" srcOrd="0" destOrd="1" presId="urn:microsoft.com/office/officeart/2005/8/layout/radial2"/>
+    <dgm:cxn modelId="{84710BB4-220A-4929-980D-2AA323087973}" srcId="{D598C16A-8864-45B1-90A0-E57960DF66CF}" destId="{64C8F5BB-C565-40FC-AF5B-2E26114425D5}" srcOrd="6" destOrd="0" parTransId="{D3064F54-055B-4BCD-A0ED-A09804F5928A}" sibTransId="{0749595A-8A33-4447-869D-A0EDD8A3FFAC}"/>
+    <dgm:cxn modelId="{5F8AF4BA-0C27-4D24-ABFC-974C4DCBA0EA}" type="presOf" srcId="{FD615EFB-A5F1-4507-965B-5006DB7C3F4C}" destId="{43BF7224-74B1-4CB3-BBF4-6B4FF89D07FC}" srcOrd="0" destOrd="3" presId="urn:microsoft.com/office/officeart/2005/8/layout/radial2"/>
+    <dgm:cxn modelId="{FAC531C7-FFAB-4EAC-ACCB-4773E229D2F2}" type="presOf" srcId="{80A853B0-99F6-499F-B3DA-37E110CC63B0}" destId="{43BF7224-74B1-4CB3-BBF4-6B4FF89D07FC}" srcOrd="0" destOrd="5" presId="urn:microsoft.com/office/officeart/2005/8/layout/radial2"/>
+    <dgm:cxn modelId="{720E74D6-1469-4AF2-AFDA-B730D4A58D69}" type="presOf" srcId="{00A71FA7-B33A-46EC-9CBA-C01139751FBE}" destId="{A1058048-3EB6-4DFB-8ED7-D1FB1E370921}" srcOrd="0" destOrd="3" presId="urn:microsoft.com/office/officeart/2005/8/layout/radial2"/>
+    <dgm:cxn modelId="{5C9139DD-42A6-4CF2-9F12-1B717A369993}" type="presOf" srcId="{9008F22C-75CF-4EF7-8AD9-B1B5D1684A5D}" destId="{A1058048-3EB6-4DFB-8ED7-D1FB1E370921}" srcOrd="0" destOrd="4" presId="urn:microsoft.com/office/officeart/2005/8/layout/radial2"/>
+    <dgm:cxn modelId="{784951E3-6732-4457-AC44-111DB35D49AF}" srcId="{D598C16A-8864-45B1-90A0-E57960DF66CF}" destId="{C7885F59-0B94-4330-AF6C-77C8D496D771}" srcOrd="2" destOrd="0" parTransId="{64EB3DA0-6C1D-4272-A163-EF51BDE84B17}" sibTransId="{0127DAD9-8266-4D2C-8F11-48458B4D07A3}"/>
+    <dgm:cxn modelId="{9A3231F6-CD8F-424B-B6B1-F06686A0A090}" type="presOf" srcId="{2609E2DE-D143-4EFE-967F-D4C19DF22378}" destId="{43BF7224-74B1-4CB3-BBF4-6B4FF89D07FC}" srcOrd="0" destOrd="4" presId="urn:microsoft.com/office/officeart/2005/8/layout/radial2"/>
+    <dgm:cxn modelId="{2EFB77FA-052A-4307-ACE6-8E67E5AD7E91}" type="presOf" srcId="{C7885F59-0B94-4330-AF6C-77C8D496D771}" destId="{43BF7224-74B1-4CB3-BBF4-6B4FF89D07FC}" srcOrd="0" destOrd="2" presId="urn:microsoft.com/office/officeart/2005/8/layout/radial2"/>
+    <dgm:cxn modelId="{D21150C7-2DFE-49A0-9284-C99913296334}" type="presParOf" srcId="{F128815F-12DD-4BDF-BD9E-903C1ED82086}" destId="{D1817AB8-3DF4-498C-B386-56A6EADADA4A}" srcOrd="0" destOrd="0" presId="urn:microsoft.com/office/officeart/2005/8/layout/radial2"/>
+    <dgm:cxn modelId="{439DA66A-2C0E-47DA-BD26-5B32B10CB0A6}" type="presParOf" srcId="{D1817AB8-3DF4-498C-B386-56A6EADADA4A}" destId="{22A18DF8-A7BD-4B25-A4EB-AABC2D32AFE9}" srcOrd="0" destOrd="0" presId="urn:microsoft.com/office/officeart/2005/8/layout/radial2"/>
+    <dgm:cxn modelId="{9EAB7F5F-EAB4-4186-B016-9CF0E49CD8FB}" type="presParOf" srcId="{22A18DF8-A7BD-4B25-A4EB-AABC2D32AFE9}" destId="{691C2645-BE0D-45C1-9EB5-F6D30C8C2563}" srcOrd="0" destOrd="0" presId="urn:microsoft.com/office/officeart/2005/8/layout/radial2"/>
+    <dgm:cxn modelId="{0A7AA8D5-810A-4807-AB2C-B88EE58369F1}" type="presParOf" srcId="{22A18DF8-A7BD-4B25-A4EB-AABC2D32AFE9}" destId="{B224FDEE-B658-47A3-B466-E2E056BC99D8}" srcOrd="1" destOrd="0" presId="urn:microsoft.com/office/officeart/2005/8/layout/radial2"/>
+    <dgm:cxn modelId="{176468D9-6FA7-4265-8A92-F3E7D607069F}" type="presParOf" srcId="{D1817AB8-3DF4-498C-B386-56A6EADADA4A}" destId="{844F9A5A-C65E-42A8-8815-A2043395139C}" srcOrd="1" destOrd="0" presId="urn:microsoft.com/office/officeart/2005/8/layout/radial2"/>
+    <dgm:cxn modelId="{37B99227-2CF8-4E39-82CA-35D92C611042}" type="presParOf" srcId="{D1817AB8-3DF4-498C-B386-56A6EADADA4A}" destId="{BFE682BB-2CB7-4F1B-93B6-8D609EFE97E2}" srcOrd="2" destOrd="0" presId="urn:microsoft.com/office/officeart/2005/8/layout/radial2"/>
+    <dgm:cxn modelId="{AE3ACB1C-FC5B-4D0C-BAE4-232644B22C29}" type="presParOf" srcId="{BFE682BB-2CB7-4F1B-93B6-8D609EFE97E2}" destId="{73371E09-3D29-4329-9ABA-BE4BBFD3B169}" srcOrd="0" destOrd="0" presId="urn:microsoft.com/office/officeart/2005/8/layout/radial2"/>
+    <dgm:cxn modelId="{DF71051D-42C2-417B-BAB0-E28638585093}" type="presParOf" srcId="{BFE682BB-2CB7-4F1B-93B6-8D609EFE97E2}" destId="{43BF7224-74B1-4CB3-BBF4-6B4FF89D07FC}" srcOrd="1" destOrd="0" presId="urn:microsoft.com/office/officeart/2005/8/layout/radial2"/>
+    <dgm:cxn modelId="{D2AE90CE-3938-4FFC-8FD0-844328D600B6}" type="presParOf" srcId="{D1817AB8-3DF4-498C-B386-56A6EADADA4A}" destId="{34FAE9AA-F823-4814-8DD1-B731D60A71A2}" srcOrd="3" destOrd="0" presId="urn:microsoft.com/office/officeart/2005/8/layout/radial2"/>
+    <dgm:cxn modelId="{E2D5D3CD-21AD-4944-A337-CBD579016AA1}" type="presParOf" srcId="{D1817AB8-3DF4-498C-B386-56A6EADADA4A}" destId="{4788FB76-EAD7-46F5-A7B0-28069B6A6B69}" srcOrd="4" destOrd="0" presId="urn:microsoft.com/office/officeart/2005/8/layout/radial2"/>
+    <dgm:cxn modelId="{9CE973DF-0FFB-4633-9956-467CC277E790}" type="presParOf" srcId="{4788FB76-EAD7-46F5-A7B0-28069B6A6B69}" destId="{E8EA78F8-33BB-4DC9-BDC0-107698792CB9}" srcOrd="0" destOrd="0" presId="urn:microsoft.com/office/officeart/2005/8/layout/radial2"/>
+    <dgm:cxn modelId="{24C099E4-7042-4B82-95F8-2ED2D68A9D0A}" type="presParOf" srcId="{4788FB76-EAD7-46F5-A7B0-28069B6A6B69}" destId="{A1058048-3EB6-4DFB-8ED7-D1FB1E370921}" srcOrd="1" destOrd="0" presId="urn:microsoft.com/office/officeart/2005/8/layout/radial2"/>
+  </dgm:cxnLst>
+  <dgm:bg/>
+  <dgm:whole/>
+  <dgm:extLst>
+    <a:ext uri="http://schemas.microsoft.com/office/drawing/2008/diagram">
+      <dsp:dataModelExt xmlns:dsp="http://schemas.microsoft.com/office/drawing/2008/diagram" relId="rId6" minVer="http://schemas.openxmlformats.org/drawingml/2006/diagram"/>
+    </a:ext>
+  </dgm:extLst>
+</dgm:dataModel>
+</file>
+
+<file path=ppt/diagrams/drawing1.xml><?xml version="1.0" encoding="utf-8"?>
+<dsp:drawing xmlns:dgm="http://schemas.openxmlformats.org/drawingml/2006/diagram" xmlns:dsp="http://schemas.microsoft.com/office/drawing/2008/diagram" xmlns:a="http://schemas.openxmlformats.org/drawingml/2006/main">
+  <dsp:spTree>
+    <dsp:nvGrpSpPr>
+      <dsp:cNvPr id="0" name=""/>
+      <dsp:cNvGrpSpPr/>
+    </dsp:nvGrpSpPr>
+    <dsp:grpSpPr/>
+    <dsp:sp modelId="{34FAE9AA-F823-4814-8DD1-B731D60A71A2}">
+      <dsp:nvSpPr>
+        <dsp:cNvPr id="0" name=""/>
+        <dsp:cNvSpPr/>
+      </dsp:nvSpPr>
+      <dsp:spPr>
+        <a:xfrm rot="1146920">
+          <a:off x="3939884" y="2616548"/>
+          <a:ext cx="943928" cy="47724"/>
+        </a:xfrm>
+        <a:custGeom>
+          <a:avLst/>
+          <a:gdLst/>
+          <a:ahLst/>
+          <a:cxnLst/>
+          <a:rect l="0" t="0" r="0" b="0"/>
+          <a:pathLst>
+            <a:path>
+              <a:moveTo>
+                <a:pt x="0" y="23862"/>
+              </a:moveTo>
+              <a:lnTo>
+                <a:pt x="943928" y="23862"/>
+              </a:lnTo>
+            </a:path>
+          </a:pathLst>
+        </a:custGeom>
+        <a:noFill/>
+        <a:ln w="12700" cap="flat" cmpd="sng" algn="ctr">
+          <a:solidFill>
+            <a:schemeClr val="accent1">
+              <a:shade val="60000"/>
+              <a:hueOff val="0"/>
+              <a:satOff val="0"/>
+              <a:lumOff val="0"/>
+              <a:alphaOff val="0"/>
+            </a:schemeClr>
+          </a:solidFill>
+          <a:prstDash val="solid"/>
+          <a:miter lim="800000"/>
+        </a:ln>
+        <a:effectLst/>
+      </dsp:spPr>
+      <dsp:style>
+        <a:lnRef idx="2">
+          <a:scrgbClr r="0" g="0" b="0"/>
+        </a:lnRef>
+        <a:fillRef idx="0">
+          <a:scrgbClr r="0" g="0" b="0"/>
+        </a:fillRef>
+        <a:effectRef idx="0">
+          <a:scrgbClr r="0" g="0" b="0"/>
+        </a:effectRef>
+        <a:fontRef idx="minor"/>
+      </dsp:style>
+    </dsp:sp>
+    <dsp:sp modelId="{844F9A5A-C65E-42A8-8815-A2043395139C}">
+      <dsp:nvSpPr>
+        <dsp:cNvPr id="0" name=""/>
+        <dsp:cNvSpPr/>
+      </dsp:nvSpPr>
+      <dsp:spPr>
+        <a:xfrm rot="19883757">
+          <a:off x="3907160" y="1361223"/>
+          <a:ext cx="962673" cy="47724"/>
+        </a:xfrm>
+        <a:custGeom>
+          <a:avLst/>
+          <a:gdLst/>
+          <a:ahLst/>
+          <a:cxnLst/>
+          <a:rect l="0" t="0" r="0" b="0"/>
+          <a:pathLst>
+            <a:path>
+              <a:moveTo>
+                <a:pt x="0" y="23862"/>
+              </a:moveTo>
+              <a:lnTo>
+                <a:pt x="962673" y="23862"/>
+              </a:lnTo>
+            </a:path>
+          </a:pathLst>
+        </a:custGeom>
+        <a:noFill/>
+        <a:ln w="12700" cap="flat" cmpd="sng" algn="ctr">
+          <a:solidFill>
+            <a:schemeClr val="accent1">
+              <a:shade val="60000"/>
+              <a:hueOff val="0"/>
+              <a:satOff val="0"/>
+              <a:lumOff val="0"/>
+              <a:alphaOff val="0"/>
+            </a:schemeClr>
+          </a:solidFill>
+          <a:prstDash val="solid"/>
+          <a:miter lim="800000"/>
+        </a:ln>
+        <a:effectLst/>
+      </dsp:spPr>
+      <dsp:style>
+        <a:lnRef idx="2">
+          <a:scrgbClr r="0" g="0" b="0"/>
+        </a:lnRef>
+        <a:fillRef idx="0">
+          <a:scrgbClr r="0" g="0" b="0"/>
+        </a:fillRef>
+        <a:effectRef idx="0">
+          <a:scrgbClr r="0" g="0" b="0"/>
+        </a:effectRef>
+        <a:fontRef idx="minor"/>
+      </dsp:style>
+    </dsp:sp>
+    <dsp:sp modelId="{B224FDEE-B658-47A3-B466-E2E056BC99D8}">
+      <dsp:nvSpPr>
+        <dsp:cNvPr id="0" name=""/>
+        <dsp:cNvSpPr/>
+      </dsp:nvSpPr>
+      <dsp:spPr>
+        <a:xfrm>
+          <a:off x="1596046" y="753618"/>
+          <a:ext cx="2788071" cy="2788071"/>
+        </a:xfrm>
+        <a:prstGeom prst="ellipse">
+          <a:avLst/>
+        </a:prstGeom>
+        <a:blipFill>
+          <a:blip xmlns:r="http://schemas.openxmlformats.org/officeDocument/2006/relationships" r:embed="rId1">
+            <a:extLst>
+              <a:ext uri="{28A0092B-C50C-407E-A947-70E740481C1C}">
+                <a14:useLocalDpi xmlns:a14="http://schemas.microsoft.com/office/drawing/2010/main" val="0"/>
+              </a:ext>
+            </a:extLst>
+          </a:blip>
+          <a:srcRect/>
+          <a:stretch>
+            <a:fillRect l="-25000" r="-25000"/>
+          </a:stretch>
+        </a:blipFill>
+        <a:ln w="12700" cap="flat" cmpd="sng" algn="ctr">
+          <a:solidFill>
+            <a:schemeClr val="lt1">
+              <a:hueOff val="0"/>
+              <a:satOff val="0"/>
+              <a:lumOff val="0"/>
+              <a:alphaOff val="0"/>
+            </a:schemeClr>
+          </a:solidFill>
+          <a:prstDash val="solid"/>
+          <a:miter lim="800000"/>
+        </a:ln>
+        <a:effectLst/>
+      </dsp:spPr>
+      <dsp:style>
+        <a:lnRef idx="2">
+          <a:scrgbClr r="0" g="0" b="0"/>
+        </a:lnRef>
+        <a:fillRef idx="1">
+          <a:scrgbClr r="0" g="0" b="0"/>
+        </a:fillRef>
+        <a:effectRef idx="0">
+          <a:scrgbClr r="0" g="0" b="0"/>
+        </a:effectRef>
+        <a:fontRef idx="minor">
+          <a:schemeClr val="lt1"/>
+        </a:fontRef>
+      </dsp:style>
+    </dsp:sp>
+    <dsp:sp modelId="{73371E09-3D29-4329-9ABA-BE4BBFD3B169}">
+      <dsp:nvSpPr>
+        <dsp:cNvPr id="0" name=""/>
+        <dsp:cNvSpPr/>
+      </dsp:nvSpPr>
+      <dsp:spPr>
+        <a:xfrm>
+          <a:off x="4715838" y="636"/>
+          <a:ext cx="1560783" cy="1560783"/>
+        </a:xfrm>
+        <a:prstGeom prst="ellipse">
+          <a:avLst/>
+        </a:prstGeom>
+        <a:solidFill>
+          <a:schemeClr val="accent1">
+            <a:hueOff val="0"/>
+            <a:satOff val="0"/>
+            <a:lumOff val="0"/>
+            <a:alphaOff val="0"/>
+          </a:schemeClr>
+        </a:solidFill>
+        <a:ln w="12700" cap="flat" cmpd="sng" algn="ctr">
+          <a:solidFill>
+            <a:schemeClr val="lt1">
+              <a:hueOff val="0"/>
+              <a:satOff val="0"/>
+              <a:lumOff val="0"/>
+              <a:alphaOff val="0"/>
+            </a:schemeClr>
+          </a:solidFill>
+          <a:prstDash val="solid"/>
+          <a:miter lim="800000"/>
+        </a:ln>
+        <a:effectLst/>
+      </dsp:spPr>
+      <dsp:style>
+        <a:lnRef idx="2">
+          <a:scrgbClr r="0" g="0" b="0"/>
+        </a:lnRef>
+        <a:fillRef idx="1">
+          <a:scrgbClr r="0" g="0" b="0"/>
+        </a:fillRef>
+        <a:effectRef idx="0">
+          <a:scrgbClr r="0" g="0" b="0"/>
+        </a:effectRef>
+        <a:fontRef idx="minor">
+          <a:schemeClr val="lt1"/>
+        </a:fontRef>
+      </dsp:style>
+      <dsp:txBody>
+        <a:bodyPr spcFirstLastPara="0" vert="horz" wrap="square" lIns="15875" tIns="15875" rIns="15875" bIns="15875" numCol="1" spcCol="1270" anchor="ctr" anchorCtr="0">
+          <a:noAutofit/>
+        </a:bodyPr>
+        <a:lstStyle/>
+        <a:p>
+          <a:pPr marL="0" lvl="0" indent="0" algn="ctr" defTabSz="1111250">
+            <a:lnSpc>
+              <a:spcPct val="90000"/>
+            </a:lnSpc>
+            <a:spcBef>
+              <a:spcPct val="0"/>
+            </a:spcBef>
+            <a:spcAft>
+              <a:spcPct val="35000"/>
+            </a:spcAft>
+            <a:buNone/>
+          </a:pPr>
+          <a:r>
+            <a:rPr lang="en-US" sz="2500" kern="1200"/>
+            <a:t>Service</a:t>
+          </a:r>
+          <a:endParaRPr lang="en-ZA" sz="2500" kern="1200"/>
+        </a:p>
+      </dsp:txBody>
+      <dsp:txXfrm>
+        <a:off x="4944409" y="229207"/>
+        <a:ext cx="1103641" cy="1103641"/>
+      </dsp:txXfrm>
+    </dsp:sp>
+    <dsp:sp modelId="{43BF7224-74B1-4CB3-BBF4-6B4FF89D07FC}">
+      <dsp:nvSpPr>
+        <dsp:cNvPr id="0" name=""/>
+        <dsp:cNvSpPr/>
+      </dsp:nvSpPr>
+      <dsp:spPr>
+        <a:xfrm>
+          <a:off x="6432700" y="636"/>
+          <a:ext cx="2341175" cy="1560783"/>
+        </a:xfrm>
+        <a:prstGeom prst="rect">
+          <a:avLst/>
+        </a:prstGeom>
+        <a:noFill/>
+        <a:ln>
+          <a:noFill/>
+        </a:ln>
+        <a:effectLst/>
+      </dsp:spPr>
+      <dsp:style>
+        <a:lnRef idx="0">
+          <a:scrgbClr r="0" g="0" b="0"/>
+        </a:lnRef>
+        <a:fillRef idx="0">
+          <a:scrgbClr r="0" g="0" b="0"/>
+        </a:fillRef>
+        <a:effectRef idx="0">
+          <a:scrgbClr r="0" g="0" b="0"/>
+        </a:effectRef>
+        <a:fontRef idx="minor"/>
+      </dsp:style>
+      <dsp:txBody>
+        <a:bodyPr spcFirstLastPara="0" vert="horz" wrap="square" lIns="0" tIns="0" rIns="0" bIns="0" numCol="1" spcCol="1270" anchor="ctr" anchorCtr="0">
+          <a:noAutofit/>
+        </a:bodyPr>
+        <a:lstStyle/>
+        <a:p>
+          <a:pPr marL="114300" lvl="1" indent="-114300" algn="l" defTabSz="577850">
+            <a:lnSpc>
+              <a:spcPct val="90000"/>
+            </a:lnSpc>
+            <a:spcBef>
+              <a:spcPct val="0"/>
+            </a:spcBef>
+            <a:spcAft>
+              <a:spcPct val="15000"/>
+            </a:spcAft>
+            <a:buChar char="•"/>
+          </a:pPr>
+          <a:r>
+            <a:rPr lang="en-US" sz="1300" kern="1200"/>
+            <a:t>Servers</a:t>
+          </a:r>
+          <a:endParaRPr lang="en-ZA" sz="1300" kern="1200"/>
+        </a:p>
+        <a:p>
+          <a:pPr marL="114300" lvl="1" indent="-114300" algn="l" defTabSz="577850">
+            <a:lnSpc>
+              <a:spcPct val="90000"/>
+            </a:lnSpc>
+            <a:spcBef>
+              <a:spcPct val="0"/>
+            </a:spcBef>
+            <a:spcAft>
+              <a:spcPct val="15000"/>
+            </a:spcAft>
+            <a:buChar char="•"/>
+          </a:pPr>
+          <a:r>
+            <a:rPr lang="en-US" sz="1300" kern="1200"/>
+            <a:t>Storage</a:t>
+          </a:r>
+          <a:endParaRPr lang="en-ZA" sz="1300" kern="1200"/>
+        </a:p>
+        <a:p>
+          <a:pPr marL="114300" lvl="1" indent="-114300" algn="l" defTabSz="577850">
+            <a:lnSpc>
+              <a:spcPct val="90000"/>
+            </a:lnSpc>
+            <a:spcBef>
+              <a:spcPct val="0"/>
+            </a:spcBef>
+            <a:spcAft>
+              <a:spcPct val="15000"/>
+            </a:spcAft>
+            <a:buChar char="•"/>
+          </a:pPr>
+          <a:r>
+            <a:rPr lang="en-US" sz="1300" kern="1200"/>
+            <a:t>Databases</a:t>
+          </a:r>
+          <a:endParaRPr lang="en-ZA" sz="1300" kern="1200"/>
+        </a:p>
+        <a:p>
+          <a:pPr marL="114300" lvl="1" indent="-114300" algn="l" defTabSz="577850">
+            <a:lnSpc>
+              <a:spcPct val="90000"/>
+            </a:lnSpc>
+            <a:spcBef>
+              <a:spcPct val="0"/>
+            </a:spcBef>
+            <a:spcAft>
+              <a:spcPct val="15000"/>
+            </a:spcAft>
+            <a:buChar char="•"/>
+          </a:pPr>
+          <a:r>
+            <a:rPr lang="en-US" sz="1300" kern="1200"/>
+            <a:t>Networking</a:t>
+          </a:r>
+          <a:endParaRPr lang="en-ZA" sz="1300" kern="1200"/>
+        </a:p>
+        <a:p>
+          <a:pPr marL="114300" lvl="1" indent="-114300" algn="l" defTabSz="577850">
+            <a:lnSpc>
+              <a:spcPct val="90000"/>
+            </a:lnSpc>
+            <a:spcBef>
+              <a:spcPct val="0"/>
+            </a:spcBef>
+            <a:spcAft>
+              <a:spcPct val="15000"/>
+            </a:spcAft>
+            <a:buChar char="•"/>
+          </a:pPr>
+          <a:r>
+            <a:rPr lang="en-US" sz="1300" kern="1200"/>
+            <a:t>Software</a:t>
+          </a:r>
+          <a:endParaRPr lang="en-ZA" sz="1300" kern="1200"/>
+        </a:p>
+        <a:p>
+          <a:pPr marL="114300" lvl="1" indent="-114300" algn="l" defTabSz="577850">
+            <a:lnSpc>
+              <a:spcPct val="90000"/>
+            </a:lnSpc>
+            <a:spcBef>
+              <a:spcPct val="0"/>
+            </a:spcBef>
+            <a:spcAft>
+              <a:spcPct val="15000"/>
+            </a:spcAft>
+            <a:buChar char="•"/>
+          </a:pPr>
+          <a:r>
+            <a:rPr lang="en-US" sz="1300" kern="1200"/>
+            <a:t>Analytics</a:t>
+          </a:r>
+          <a:endParaRPr lang="en-ZA" sz="1300" kern="1200"/>
+        </a:p>
+        <a:p>
+          <a:pPr marL="114300" lvl="1" indent="-114300" algn="l" defTabSz="577850">
+            <a:lnSpc>
+              <a:spcPct val="90000"/>
+            </a:lnSpc>
+            <a:spcBef>
+              <a:spcPct val="0"/>
+            </a:spcBef>
+            <a:spcAft>
+              <a:spcPct val="15000"/>
+            </a:spcAft>
+            <a:buChar char="•"/>
+          </a:pPr>
+          <a:r>
+            <a:rPr lang="en-US" sz="1300" kern="1200" dirty="0"/>
+            <a:t>AI</a:t>
+          </a:r>
+          <a:endParaRPr lang="en-ZA" sz="1300" kern="1200" dirty="0"/>
+        </a:p>
+      </dsp:txBody>
+      <dsp:txXfrm>
+        <a:off x="6432700" y="636"/>
+        <a:ext cx="2341175" cy="1560783"/>
+      </dsp:txXfrm>
+    </dsp:sp>
+    <dsp:sp modelId="{E8EA78F8-33BB-4DC9-BDC0-107698792CB9}">
+      <dsp:nvSpPr>
+        <dsp:cNvPr id="0" name=""/>
+        <dsp:cNvSpPr/>
+      </dsp:nvSpPr>
+      <dsp:spPr>
+        <a:xfrm>
+          <a:off x="4811669" y="2232447"/>
+          <a:ext cx="1672843" cy="1672843"/>
+        </a:xfrm>
+        <a:prstGeom prst="ellipse">
+          <a:avLst/>
+        </a:prstGeom>
+        <a:solidFill>
+          <a:schemeClr val="accent1">
+            <a:hueOff val="0"/>
+            <a:satOff val="0"/>
+            <a:lumOff val="0"/>
+            <a:alphaOff val="0"/>
+          </a:schemeClr>
+        </a:solidFill>
+        <a:ln w="12700" cap="flat" cmpd="sng" algn="ctr">
+          <a:solidFill>
+            <a:schemeClr val="lt1">
+              <a:hueOff val="0"/>
+              <a:satOff val="0"/>
+              <a:lumOff val="0"/>
+              <a:alphaOff val="0"/>
+            </a:schemeClr>
+          </a:solidFill>
+          <a:prstDash val="solid"/>
+          <a:miter lim="800000"/>
+        </a:ln>
+        <a:effectLst/>
+      </dsp:spPr>
+      <dsp:style>
+        <a:lnRef idx="2">
+          <a:scrgbClr r="0" g="0" b="0"/>
+        </a:lnRef>
+        <a:fillRef idx="1">
+          <a:scrgbClr r="0" g="0" b="0"/>
+        </a:fillRef>
+        <a:effectRef idx="0">
+          <a:scrgbClr r="0" g="0" b="0"/>
+        </a:effectRef>
+        <a:fontRef idx="minor">
+          <a:schemeClr val="lt1"/>
+        </a:fontRef>
+      </dsp:style>
+      <dsp:txBody>
+        <a:bodyPr spcFirstLastPara="0" vert="horz" wrap="square" lIns="15875" tIns="15875" rIns="15875" bIns="15875" numCol="1" spcCol="1270" anchor="ctr" anchorCtr="0">
+          <a:noAutofit/>
+        </a:bodyPr>
+        <a:lstStyle/>
+        <a:p>
+          <a:pPr marL="0" lvl="0" indent="0" algn="ctr" defTabSz="1111250">
+            <a:lnSpc>
+              <a:spcPct val="90000"/>
+            </a:lnSpc>
+            <a:spcBef>
+              <a:spcPct val="0"/>
+            </a:spcBef>
+            <a:spcAft>
+              <a:spcPct val="35000"/>
+            </a:spcAft>
+            <a:buNone/>
+          </a:pPr>
+          <a:r>
+            <a:rPr lang="en-US" sz="2500" kern="1200" dirty="0"/>
+            <a:t>Features</a:t>
+          </a:r>
+          <a:endParaRPr lang="en-ZA" sz="2500" kern="1200" dirty="0"/>
+        </a:p>
+      </dsp:txBody>
+      <dsp:txXfrm>
+        <a:off x="5056651" y="2477429"/>
+        <a:ext cx="1182879" cy="1182879"/>
+      </dsp:txXfrm>
+    </dsp:sp>
+    <dsp:sp modelId="{A1058048-3EB6-4DFB-8ED7-D1FB1E370921}">
+      <dsp:nvSpPr>
+        <dsp:cNvPr id="0" name=""/>
+        <dsp:cNvSpPr/>
+      </dsp:nvSpPr>
+      <dsp:spPr>
+        <a:xfrm>
+          <a:off x="6651796" y="2232447"/>
+          <a:ext cx="2509264" cy="1672843"/>
+        </a:xfrm>
+        <a:prstGeom prst="rect">
+          <a:avLst/>
+        </a:prstGeom>
+        <a:noFill/>
+        <a:ln>
+          <a:noFill/>
+        </a:ln>
+        <a:effectLst/>
+      </dsp:spPr>
+      <dsp:style>
+        <a:lnRef idx="0">
+          <a:scrgbClr r="0" g="0" b="0"/>
+        </a:lnRef>
+        <a:fillRef idx="0">
+          <a:scrgbClr r="0" g="0" b="0"/>
+        </a:fillRef>
+        <a:effectRef idx="0">
+          <a:scrgbClr r="0" g="0" b="0"/>
+        </a:effectRef>
+        <a:fontRef idx="minor"/>
+      </dsp:style>
+      <dsp:txBody>
+        <a:bodyPr spcFirstLastPara="0" vert="horz" wrap="square" lIns="0" tIns="0" rIns="0" bIns="0" numCol="1" spcCol="1270" anchor="ctr" anchorCtr="0">
+          <a:noAutofit/>
+        </a:bodyPr>
+        <a:lstStyle/>
+        <a:p>
+          <a:pPr marL="114300" lvl="1" indent="-114300" algn="l" defTabSz="577850">
+            <a:lnSpc>
+              <a:spcPct val="90000"/>
+            </a:lnSpc>
+            <a:spcBef>
+              <a:spcPct val="0"/>
+            </a:spcBef>
+            <a:spcAft>
+              <a:spcPct val="15000"/>
+            </a:spcAft>
+            <a:buChar char="•"/>
+          </a:pPr>
+          <a:r>
+            <a:rPr lang="en-US" sz="1300" kern="1200" dirty="0"/>
+            <a:t>HA</a:t>
+          </a:r>
+          <a:endParaRPr lang="en-ZA" sz="1300" kern="1200" dirty="0"/>
+        </a:p>
+        <a:p>
+          <a:pPr marL="114300" lvl="1" indent="-114300" algn="l" defTabSz="577850">
+            <a:lnSpc>
+              <a:spcPct val="90000"/>
+            </a:lnSpc>
+            <a:spcBef>
+              <a:spcPct val="0"/>
+            </a:spcBef>
+            <a:spcAft>
+              <a:spcPct val="15000"/>
+            </a:spcAft>
+            <a:buChar char="•"/>
+          </a:pPr>
+          <a:r>
+            <a:rPr lang="en-US" sz="1300" kern="1200" dirty="0"/>
+            <a:t>Scalability</a:t>
+          </a:r>
+          <a:endParaRPr lang="en-ZA" sz="1300" kern="1200" dirty="0"/>
+        </a:p>
+        <a:p>
+          <a:pPr marL="114300" lvl="1" indent="-114300" algn="l" defTabSz="577850">
+            <a:lnSpc>
+              <a:spcPct val="90000"/>
+            </a:lnSpc>
+            <a:spcBef>
+              <a:spcPct val="0"/>
+            </a:spcBef>
+            <a:spcAft>
+              <a:spcPct val="15000"/>
+            </a:spcAft>
+            <a:buChar char="•"/>
+          </a:pPr>
+          <a:r>
+            <a:rPr lang="en-US" sz="1300" kern="1200" dirty="0"/>
+            <a:t>Elasticity</a:t>
+          </a:r>
+          <a:endParaRPr lang="en-ZA" sz="1300" kern="1200" dirty="0"/>
+        </a:p>
+        <a:p>
+          <a:pPr marL="114300" lvl="1" indent="-114300" algn="l" defTabSz="577850">
+            <a:lnSpc>
+              <a:spcPct val="90000"/>
+            </a:lnSpc>
+            <a:spcBef>
+              <a:spcPct val="0"/>
+            </a:spcBef>
+            <a:spcAft>
+              <a:spcPct val="15000"/>
+            </a:spcAft>
+            <a:buChar char="•"/>
+          </a:pPr>
+          <a:r>
+            <a:rPr lang="en-US" sz="1300" kern="1200" dirty="0"/>
+            <a:t>Agility</a:t>
+          </a:r>
+          <a:endParaRPr lang="en-ZA" sz="1300" kern="1200" dirty="0"/>
+        </a:p>
+        <a:p>
+          <a:pPr marL="114300" lvl="1" indent="-114300" algn="l" defTabSz="577850">
+            <a:lnSpc>
+              <a:spcPct val="90000"/>
+            </a:lnSpc>
+            <a:spcBef>
+              <a:spcPct val="0"/>
+            </a:spcBef>
+            <a:spcAft>
+              <a:spcPct val="15000"/>
+            </a:spcAft>
+            <a:buChar char="•"/>
+          </a:pPr>
+          <a:r>
+            <a:rPr lang="en-US" sz="1300" kern="1200" dirty="0"/>
+            <a:t>Fault tolerance</a:t>
+          </a:r>
+          <a:endParaRPr lang="en-ZA" sz="1300" kern="1200" dirty="0"/>
+        </a:p>
+        <a:p>
+          <a:pPr marL="114300" lvl="1" indent="-114300" algn="l" defTabSz="577850">
+            <a:lnSpc>
+              <a:spcPct val="90000"/>
+            </a:lnSpc>
+            <a:spcBef>
+              <a:spcPct val="0"/>
+            </a:spcBef>
+            <a:spcAft>
+              <a:spcPct val="15000"/>
+            </a:spcAft>
+            <a:buChar char="•"/>
+          </a:pPr>
+          <a:r>
+            <a:rPr lang="en-US" sz="1300" kern="1200" dirty="0"/>
+            <a:t>Disaster recovery</a:t>
+          </a:r>
+          <a:endParaRPr lang="en-ZA" sz="1300" kern="1200" dirty="0"/>
+        </a:p>
+        <a:p>
+          <a:pPr marL="114300" lvl="1" indent="-114300" algn="l" defTabSz="577850">
+            <a:lnSpc>
+              <a:spcPct val="90000"/>
+            </a:lnSpc>
+            <a:spcBef>
+              <a:spcPct val="0"/>
+            </a:spcBef>
+            <a:spcAft>
+              <a:spcPct val="15000"/>
+            </a:spcAft>
+            <a:buChar char="•"/>
+          </a:pPr>
+          <a:r>
+            <a:rPr lang="en-US" sz="1300" kern="1200" dirty="0"/>
+            <a:t>Reach</a:t>
+          </a:r>
+          <a:endParaRPr lang="en-ZA" sz="1300" kern="1200" dirty="0"/>
+        </a:p>
+        <a:p>
+          <a:pPr marL="114300" lvl="1" indent="-114300" algn="l" defTabSz="577850">
+            <a:lnSpc>
+              <a:spcPct val="90000"/>
+            </a:lnSpc>
+            <a:spcBef>
+              <a:spcPct val="0"/>
+            </a:spcBef>
+            <a:spcAft>
+              <a:spcPct val="15000"/>
+            </a:spcAft>
+            <a:buChar char="•"/>
+          </a:pPr>
+          <a:r>
+            <a:rPr lang="en-US" sz="1300" kern="1200" dirty="0"/>
+            <a:t>Security</a:t>
+          </a:r>
+          <a:endParaRPr lang="en-ZA" sz="1300" kern="1200" dirty="0"/>
+        </a:p>
+      </dsp:txBody>
+      <dsp:txXfrm>
+        <a:off x="6651796" y="2232447"/>
+        <a:ext cx="2509264" cy="1672843"/>
+      </dsp:txXfrm>
+    </dsp:sp>
+  </dsp:spTree>
+</dsp:drawing>
+</file>
+
+<file path=ppt/diagrams/layout1.xml><?xml version="1.0" encoding="utf-8"?>
+<dgm:layoutDef xmlns:dgm="http://schemas.openxmlformats.org/drawingml/2006/diagram" xmlns:a="http://schemas.openxmlformats.org/drawingml/2006/main" uniqueId="urn:microsoft.com/office/officeart/2005/8/layout/radial2">
+  <dgm:title val=""/>
+  <dgm:desc val=""/>
+  <dgm:catLst>
+    <dgm:cat type="relationship" pri="20000"/>
+    <dgm:cat type="convert" pri="9000"/>
+  </dgm:catLst>
+  <dgm:sampData>
+    <dgm:dataModel>
+      <dgm:ptLst>
+        <dgm:pt modelId="0" type="doc"/>
+        <dgm:pt modelId="1">
+          <dgm:prSet phldr="1"/>
+        </dgm:pt>
+        <dgm:pt modelId="11">
+          <dgm:prSet phldr="1"/>
+        </dgm:pt>
+        <dgm:pt modelId="12">
+          <dgm:prSet phldr="1"/>
+        </dgm:pt>
+        <dgm:pt modelId="2">
+          <dgm:prSet phldr="1"/>
+        </dgm:pt>
+        <dgm:pt modelId="21">
+          <dgm:prSet phldr="1"/>
+        </dgm:pt>
+        <dgm:pt modelId="22">
+          <dgm:prSet phldr="1"/>
+        </dgm:pt>
+        <dgm:pt modelId="3">
+          <dgm:prSet phldr="1"/>
+        </dgm:pt>
+        <dgm:pt modelId="31">
+          <dgm:prSet phldr="1"/>
+        </dgm:pt>
+        <dgm:pt modelId="32">
+          <dgm:prSet phldr="1"/>
+        </dgm:pt>
+      </dgm:ptLst>
+      <dgm:cxnLst>
+        <dgm:cxn modelId="4" srcId="0" destId="1" srcOrd="0" destOrd="0"/>
+        <dgm:cxn modelId="5" srcId="0" destId="2" srcOrd="1" destOrd="0"/>
+        <dgm:cxn modelId="6" srcId="0" destId="3" srcOrd="2" destOrd="0"/>
+        <dgm:cxn modelId="13" srcId="1" destId="11" srcOrd="0" destOrd="0"/>
+        <dgm:cxn modelId="14" srcId="1" destId="12" srcOrd="1" destOrd="0"/>
+        <dgm:cxn modelId="23" srcId="2" destId="21" srcOrd="0" destOrd="0"/>
+        <dgm:cxn modelId="24" srcId="2" destId="22" srcOrd="1" destOrd="0"/>
+        <dgm:cxn modelId="33" srcId="3" destId="31" srcOrd="0" destOrd="0"/>
+        <dgm:cxn modelId="34" srcId="3" destId="32" srcOrd="1" destOrd="0"/>
+      </dgm:cxnLst>
+      <dgm:bg/>
+      <dgm:whole/>
+    </dgm:dataModel>
+  </dgm:sampData>
+  <dgm:styleData>
+    <dgm:dataModel>
+      <dgm:ptLst>
+        <dgm:pt modelId="0" type="doc"/>
+        <dgm:pt modelId="1"/>
+        <dgm:pt modelId="2"/>
+      </dgm:ptLst>
+      <dgm:cxnLst>
+        <dgm:cxn modelId="3" srcId="0" destId="1" srcOrd="0" destOrd="0"/>
+        <dgm:cxn modelId="4" srcId="0" destId="2" srcOrd="1" destOrd="0"/>
+      </dgm:cxnLst>
+      <dgm:bg/>
+      <dgm:whole/>
+    </dgm:dataModel>
+  </dgm:styleData>
+  <dgm:clrData>
+    <dgm:dataModel>
+      <dgm:ptLst>
+        <dgm:pt modelId="0" type="doc"/>
+        <dgm:pt modelId="1"/>
+        <dgm:pt modelId="2"/>
+        <dgm:pt modelId="3"/>
+        <dgm:pt modelId="4"/>
+      </dgm:ptLst>
+      <dgm:cxnLst>
+        <dgm:cxn modelId="5" srcId="0" destId="1" srcOrd="0" destOrd="0"/>
+        <dgm:cxn modelId="6" srcId="0" destId="2" srcOrd="1" destOrd="0"/>
+        <dgm:cxn modelId="7" srcId="0" destId="3" srcOrd="2" destOrd="0"/>
+        <dgm:cxn modelId="8" srcId="0" destId="4" srcOrd="3" destOrd="0"/>
+      </dgm:cxnLst>
+      <dgm:bg/>
+      <dgm:whole/>
+    </dgm:dataModel>
+  </dgm:clrData>
+  <dgm:layoutNode name="composite">
+    <dgm:varLst>
+      <dgm:chMax val="5"/>
+      <dgm:dir/>
+      <dgm:animLvl val="ctr"/>
+      <dgm:resizeHandles val="exact"/>
+    </dgm:varLst>
+    <dgm:alg type="composite"/>
+    <dgm:shape xmlns:r="http://schemas.openxmlformats.org/officeDocument/2006/relationships" r:blip="">
+      <dgm:adjLst/>
+    </dgm:shape>
+    <dgm:presOf/>
+    <dgm:constrLst>
+      <dgm:constr type="w" for="ch" forName="cycle" refType="w"/>
+      <dgm:constr type="h" for="ch" forName="cycle" refType="h"/>
+    </dgm:constrLst>
+    <dgm:ruleLst/>
+    <dgm:layoutNode name="cycle">
+      <dgm:choose name="Name0">
+        <dgm:if name="Name1" func="var" arg="dir" op="equ" val="norm">
+          <dgm:choose name="Name2">
+            <dgm:if name="Name3" axis="ch" ptType="node" func="cnt" op="lte" val="1">
+              <dgm:alg type="cycle">
+                <dgm:param type="stAng" val="90"/>
+                <dgm:param type="spanAng" val="360"/>
+                <dgm:param type="ctrShpMap" val="fNode"/>
+              </dgm:alg>
+            </dgm:if>
+            <dgm:if name="Name4" axis="ch" ptType="node" func="cnt" op="equ" val="2">
+              <dgm:alg type="cycle">
+                <dgm:param type="stAng" val="70"/>
+                <dgm:param type="spanAng" val="40"/>
+                <dgm:param type="ctrShpMap" val="fNode"/>
+              </dgm:alg>
+            </dgm:if>
+            <dgm:if name="Name5" axis="ch" ptType="node" func="cnt" op="equ" val="3">
+              <dgm:alg type="cycle">
+                <dgm:param type="stAng" val="60"/>
+                <dgm:param type="spanAng" val="60"/>
+                <dgm:param type="ctrShpMap" val="fNode"/>
+              </dgm:alg>
+            </dgm:if>
+            <dgm:else name="Name6">
+              <dgm:alg type="cycle">
+                <dgm:param type="stAng" val="45"/>
+                <dgm:param type="spanAng" val="90"/>
+                <dgm:param type="ctrShpMap" val="fNode"/>
+              </dgm:alg>
+            </dgm:else>
+          </dgm:choose>
+        </dgm:if>
+        <dgm:else name="Name7">
+          <dgm:choose name="Name8">
+            <dgm:if name="Name9" axis="ch" ptType="node" func="cnt" op="lte" val="1">
+              <dgm:alg type="cycle">
+                <dgm:param type="stAng" val="-90"/>
+                <dgm:param type="spanAng" val="-360"/>
+                <dgm:param type="ctrShpMap" val="fNode"/>
+              </dgm:alg>
+            </dgm:if>
+            <dgm:if name="Name10" axis="ch" ptType="node" func="cnt" op="equ" val="2">
+              <dgm:alg type="cycle">
+                <dgm:param type="stAng" val="-70"/>
+                <dgm:param type="spanAng" val="-40"/>
+                <dgm:param type="ctrShpMap" val="fNode"/>
+              </dgm:alg>
+            </dgm:if>
+            <dgm:if name="Name11" axis="ch" ptType="node" func="cnt" op="equ" val="3">
+              <dgm:alg type="cycle">
+                <dgm:param type="stAng" val="-60"/>
+                <dgm:param type="spanAng" val="-60"/>
+                <dgm:param type="ctrShpMap" val="fNode"/>
+              </dgm:alg>
+            </dgm:if>
+            <dgm:else name="Name12">
+              <dgm:alg type="cycle">
+                <dgm:param type="stAng" val="-45"/>
+                <dgm:param type="spanAng" val="-90"/>
+                <dgm:param type="ctrShpMap" val="fNode"/>
+              </dgm:alg>
+            </dgm:else>
+          </dgm:choose>
+        </dgm:else>
+      </dgm:choose>
+      <dgm:shape xmlns:r="http://schemas.openxmlformats.org/officeDocument/2006/relationships" r:blip="">
+        <dgm:adjLst/>
+      </dgm:shape>
+      <dgm:presOf/>
+      <dgm:constrLst>
+        <dgm:constr type="sp" val="20"/>
+        <dgm:constr type="w" for="ch" forName="centerShape" refType="w"/>
+        <dgm:constr type="w" for="ch" forName="node" refType="w" refFor="ch" refForName="centerShape" fact="1.5"/>
+        <dgm:constr type="sibSp" refType="w" refFor="ch" refForName="centerShape" op="equ" fact="0.08"/>
+        <dgm:constr type="primFontSz" for="des" forName="parentNode" op="equ" val="65"/>
+        <dgm:constr type="secFontSz" for="des" forName="childNode" op="equ" val="65"/>
+      </dgm:constrLst>
+      <dgm:ruleLst/>
+      <dgm:choose name="Name13">
+        <dgm:if name="Name14" axis="ch" ptType="node" hideLastTrans="0" func="cnt" op="gte" val="1">
+          <dgm:layoutNode name="centerShape" styleLbl="node0">
+            <dgm:alg type="composite"/>
+            <dgm:shape xmlns:r="http://schemas.openxmlformats.org/officeDocument/2006/relationships" r:blip="">
+              <dgm:adjLst/>
+            </dgm:shape>
+            <dgm:presOf axis="ch" ptType="node" cnt="1"/>
+            <dgm:constrLst>
+              <dgm:constr type="w" for="ch" forName="connSite" refType="w" fact="0.7"/>
+              <dgm:constr type="h" for="ch" forName="connSite" refType="w" fact="0.7"/>
+              <dgm:constr type="ctrX" for="ch" forName="connSite" refType="w" fact="0.5"/>
+              <dgm:constr type="ctrY" for="ch" forName="connSite" refType="h" fact="0.5"/>
+              <dgm:constr type="w" for="ch" forName="visible" refType="w"/>
+              <dgm:constr type="h" for="ch" forName="visible" refType="w"/>
+              <dgm:constr type="ctrX" for="ch" forName="visible" refType="w" fact="0.5"/>
+              <dgm:constr type="ctrY" for="ch" forName="visible" refType="h" fact="0.5"/>
+            </dgm:constrLst>
+            <dgm:ruleLst/>
+            <dgm:layoutNode name="connSite">
+              <dgm:alg type="sp"/>
+              <dgm:shape xmlns:r="http://schemas.openxmlformats.org/officeDocument/2006/relationships" type="ellipse" r:blip="" hideGeom="1">
+                <dgm:adjLst/>
+              </dgm:shape>
+              <dgm:presOf/>
+              <dgm:constrLst/>
+              <dgm:ruleLst/>
+            </dgm:layoutNode>
+            <dgm:layoutNode name="visible">
+              <dgm:alg type="sp"/>
+              <dgm:shape xmlns:r="http://schemas.openxmlformats.org/officeDocument/2006/relationships" type="ellipse" r:blip="" blipPhldr="1">
+                <dgm:adjLst/>
+              </dgm:shape>
+              <dgm:presOf/>
+              <dgm:constrLst/>
+              <dgm:ruleLst/>
+            </dgm:layoutNode>
+          </dgm:layoutNode>
+        </dgm:if>
+        <dgm:else name="Name15"/>
+      </dgm:choose>
+      <dgm:forEach name="Name16" axis="ch">
+        <dgm:forEach name="Name17" axis="self" ptType="node">
+          <dgm:layoutNode name="node">
+            <dgm:alg type="composite"/>
+            <dgm:shape xmlns:r="http://schemas.openxmlformats.org/officeDocument/2006/relationships" r:blip="">
+              <dgm:adjLst/>
+            </dgm:shape>
+            <dgm:presOf/>
+            <dgm:choose name="Name18">
+              <dgm:if name="Name19" func="var" arg="dir" op="equ" val="norm">
+                <dgm:constrLst>
+                  <dgm:constr type="t" for="ch" forName="parentNode"/>
+                  <dgm:constr type="l" for="ch" forName="parentNode"/>
+                  <dgm:constr type="w" for="ch" forName="parentNode" refType="w" fact="0.4"/>
+                  <dgm:constr type="h" for="ch" forName="parentNode" refType="w" refFor="ch" refForName="parentNode" op="equ"/>
+                  <dgm:constr type="ctrY" for="ch" forName="childNode" refType="h" refFor="ch" refForName="parentNode" fact="0.5"/>
+                  <dgm:constr type="l" for="ch" forName="childNode" refType="w" refFor="ch" refForName="parentNode" op="equ" fact="1.1"/>
+                  <dgm:constr type="w" for="ch" forName="childNode" refType="w" fact="0.6"/>
+                  <dgm:constr type="h" for="ch" forName="childNode" refType="h" refFor="ch" refForName="parentNode"/>
+                </dgm:constrLst>
+              </dgm:if>
+              <dgm:else name="Name20">
+                <dgm:constrLst>
+                  <dgm:constr type="t" for="ch" forName="parentNode"/>
+                  <dgm:constr type="r" for="ch" forName="parentNode" refType="w"/>
+                  <dgm:constr type="w" for="ch" forName="parentNode" refType="w" fact="0.4"/>
+                  <dgm:constr type="h" for="ch" forName="parentNode" refType="w" refFor="ch" refForName="parentNode" op="equ"/>
+                  <dgm:constr type="ctrY" for="ch" forName="childNode" refType="h" refFor="ch" refForName="parentNode" fact="0.5"/>
+                  <dgm:constr type="l" for="ch" forName="childNode"/>
+                  <dgm:constr type="w" for="ch" forName="childNode" refType="w" fact="0.6"/>
+                  <dgm:constr type="h" for="ch" forName="childNode" refType="h" refFor="ch" refForName="parentNode"/>
+                </dgm:constrLst>
+              </dgm:else>
+            </dgm:choose>
+            <dgm:ruleLst/>
+            <dgm:layoutNode name="parentNode" styleLbl="node1">
+              <dgm:varLst>
+                <dgm:chMax val="1"/>
+                <dgm:bulletEnabled val="1"/>
+              </dgm:varLst>
+              <dgm:alg type="tx"/>
+              <dgm:shape xmlns:r="http://schemas.openxmlformats.org/officeDocument/2006/relationships" type="ellipse" r:blip="">
+                <dgm:adjLst/>
+              </dgm:shape>
+              <dgm:presOf axis="self"/>
+              <dgm:constrLst>
+                <dgm:constr type="tMarg" refType="primFontSz" fact="0.05"/>
+                <dgm:constr type="bMarg" refType="primFontSz" fact="0.05"/>
+                <dgm:constr type="lMarg" refType="primFontSz" fact="0.05"/>
+                <dgm:constr type="rMarg" refType="primFontSz" fact="0.05"/>
+              </dgm:constrLst>
+              <dgm:ruleLst>
+                <dgm:rule type="primFontSz" val="5" fact="NaN" max="NaN"/>
+              </dgm:ruleLst>
+            </dgm:layoutNode>
+            <dgm:layoutNode name="childNode" styleLbl="revTx" moveWith="parentNode">
+              <dgm:varLst>
+                <dgm:bulletEnabled val="1"/>
+              </dgm:varLst>
+              <dgm:alg type="tx">
+                <dgm:param type="txAnchorVertCh" val="mid"/>
+                <dgm:param type="stBulletLvl" val="1"/>
+              </dgm:alg>
+              <dgm:choose name="Name21">
+                <dgm:if name="Name22" axis="ch" ptType="node" func="cnt" op="gte" val="1">
+                  <dgm:shape xmlns:r="http://schemas.openxmlformats.org/officeDocument/2006/relationships" type="rect" r:blip="">
+                    <dgm:adjLst/>
+                  </dgm:shape>
+                </dgm:if>
+                <dgm:else name="Name23">
+                  <dgm:shape xmlns:r="http://schemas.openxmlformats.org/officeDocument/2006/relationships" type="rect" r:blip="" hideGeom="1">
+                    <dgm:adjLst/>
+                  </dgm:shape>
+                </dgm:else>
+              </dgm:choose>
+              <dgm:presOf axis="des" ptType="node"/>
+              <dgm:constrLst>
+                <dgm:constr type="tMarg"/>
+                <dgm:constr type="bMarg"/>
+                <dgm:constr type="lMarg"/>
+                <dgm:constr type="rMarg"/>
+              </dgm:constrLst>
+              <dgm:ruleLst>
+                <dgm:rule type="secFontSz" val="5" fact="NaN" max="NaN"/>
+              </dgm:ruleLst>
+            </dgm:layoutNode>
+          </dgm:layoutNode>
+        </dgm:forEach>
+        <dgm:forEach name="Name24" axis="self" ptType="parTrans" cnt="1">
+          <dgm:layoutNode name="Name25">
+            <dgm:alg type="conn">
+              <dgm:param type="dim" val="1D"/>
+              <dgm:param type="endSty" val="noArr"/>
+              <dgm:param type="begPts" val="auto"/>
+              <dgm:param type="endPts" val="auto"/>
+              <dgm:param type="srcNode" val="connSite"/>
+              <dgm:param type="dstNode" val="parentNode"/>
+            </dgm:alg>
+            <dgm:shape xmlns:r="http://schemas.openxmlformats.org/officeDocument/2006/relationships" type="conn" r:blip="" zOrderOff="-99">
+              <dgm:adjLst/>
+            </dgm:shape>
+            <dgm:presOf axis="self"/>
+            <dgm:constrLst>
+              <dgm:constr type="connDist"/>
+              <dgm:constr type="w" val="1"/>
+              <dgm:constr type="h" val="5"/>
+              <dgm:constr type="begPad"/>
+              <dgm:constr type="endPad"/>
+            </dgm:constrLst>
+            <dgm:ruleLst/>
+          </dgm:layoutNode>
+        </dgm:forEach>
+      </dgm:forEach>
+    </dgm:layoutNode>
+  </dgm:layoutNode>
+</dgm:layoutDef>
+</file>
+
+<file path=ppt/diagrams/quickStyle1.xml><?xml version="1.0" encoding="utf-8"?>
+<dgm:styleDef xmlns:dgm="http://schemas.openxmlformats.org/drawingml/2006/diagram" xmlns:a="http://schemas.openxmlformats.org/drawingml/2006/main" uniqueId="urn:microsoft.com/office/officeart/2005/8/quickstyle/simple1">
+  <dgm:title val=""/>
+  <dgm:desc val=""/>
+  <dgm:catLst>
+    <dgm:cat type="simple" pri="10100"/>
+  </dgm:catLst>
+  <dgm:scene3d>
+    <a:camera prst="orthographicFront"/>
+    <a:lightRig rig="threePt" dir="t"/>
+  </dgm:scene3d>
+  <dgm:styleLbl name="node0">
+    <dgm:scene3d>
+      <a:camera prst="orthographicFront"/>
+      <a:lightRig rig="threePt" dir="t"/>
+    </dgm:scene3d>
+    <dgm:sp3d/>
+    <dgm:txPr/>
+    <dgm:style>
+      <a:lnRef idx="2">
+        <a:scrgbClr r="0" g="0" b="0"/>
+      </a:lnRef>
+      <a:fillRef idx="1">
+        <a:scrgbClr r="0" g="0" b="0"/>
+      </a:fillRef>
+      <a:effectRef idx="0">
+        <a:scrgbClr r="0" g="0" b="0"/>
+      </a:effectRef>
+      <a:fontRef idx="minor">
+        <a:schemeClr val="lt1"/>
+      </a:fontRef>
+    </dgm:style>
+  </dgm:styleLbl>
+  <dgm:styleLbl name="lnNode1">
+    <dgm:scene3d>
+      <a:camera prst="orthographicFront"/>
+      <a:lightRig rig="threePt" dir="t"/>
+    </dgm:scene3d>
+    <dgm:sp3d/>
+    <dgm:txPr/>
+    <dgm:style>
+      <a:lnRef idx="2">
+        <a:scrgbClr r="0" g="0" b="0"/>
+      </a:lnRef>
+      <a:fillRef idx="1">
+        <a:scrgbClr r="0" g="0" b="0"/>
+      </a:fillRef>
+      <a:effectRef idx="0">
+        <a:scrgbClr r="0" g="0" b="0"/>
+      </a:effectRef>
+      <a:fontRef idx="minor">
+        <a:schemeClr val="lt1"/>
+      </a:fontRef>
+    </dgm:style>
+  </dgm:styleLbl>
+  <dgm:styleLbl name="vennNode1">
+    <dgm:scene3d>
+      <a:camera prst="orthographicFront"/>
+      <a:lightRig rig="threePt" dir="t"/>
+    </dgm:scene3d>
+    <dgm:sp3d/>
+    <dgm:txPr/>
+    <dgm:style>
+      <a:lnRef idx="2">
+        <a:scrgbClr r="0" g="0" b="0"/>
+      </a:lnRef>
+      <a:fillRef idx="1">
+        <a:scrgbClr r="0" g="0" b="0"/>
+      </a:fillRef>
+      <a:effectRef idx="0">
+        <a:scrgbClr r="0" g="0" b="0"/>
+      </a:effectRef>
+      <a:fontRef idx="minor">
+        <a:schemeClr val="tx1"/>
+      </a:fontRef>
+    </dgm:style>
+  </dgm:styleLbl>
+  <dgm:styleLbl name="alignNode1">
+    <dgm:scene3d>
+      <a:camera prst="orthographicFront"/>
+      <a:lightRig rig="threePt" dir="t"/>
+    </dgm:scene3d>
+    <dgm:sp3d/>
+    <dgm:txPr/>
+    <dgm:style>
+      <a:lnRef idx="2">
+        <a:scrgbClr r="0" g="0" b="0"/>
+      </a:lnRef>
+      <a:fillRef idx="1">
+        <a:scrgbClr r="0" g="0" b="0"/>
+      </a:fillRef>
+      <a:effectRef idx="0">
+        <a:scrgbClr r="0" g="0" b="0"/>
+      </a:effectRef>
+      <a:fontRef idx="minor">
+        <a:schemeClr val="lt1"/>
+      </a:fontRef>
+    </dgm:style>
+  </dgm:styleLbl>
+  <dgm:styleLbl name="node1">
+    <dgm:scene3d>
+      <a:camera prst="orthographicFront"/>
+      <a:lightRig rig="threePt" dir="t"/>
+    </dgm:scene3d>
+    <dgm:sp3d/>
+    <dgm:txPr/>
+    <dgm:style>
+      <a:lnRef idx="2">
+        <a:scrgbClr r="0" g="0" b="0"/>
+      </a:lnRef>
+      <a:fillRef idx="1">
+        <a:scrgbClr r="0" g="0" b="0"/>
+      </a:fillRef>
+      <a:effectRef idx="0">
+        <a:scrgbClr r="0" g="0" b="0"/>
+      </a:effectRef>
+      <a:fontRef idx="minor">
+        <a:schemeClr val="lt1"/>
+      </a:fontRef>
+    </dgm:style>
+  </dgm:styleLbl>
+  <dgm:styleLbl name="node2">
+    <dgm:scene3d>
+      <a:camera prst="orthographicFront"/>
+      <a:lightRig rig="threePt" dir="t"/>
+    </dgm:scene3d>
+    <dgm:sp3d/>
+    <dgm:txPr/>
+    <dgm:style>
+      <a:lnRef idx="2">
+        <a:scrgbClr r="0" g="0" b="0"/>
+      </a:lnRef>
+      <a:fillRef idx="1">
+        <a:scrgbClr r="0" g="0" b="0"/>
+      </a:fillRef>
+      <a:effectRef idx="0">
+        <a:scrgbClr r="0" g="0" b="0"/>
+      </a:effectRef>
+      <a:fontRef idx="minor">
+        <a:schemeClr val="lt1"/>
+      </a:fontRef>
+    </dgm:style>
+  </dgm:styleLbl>
+  <dgm:styleLbl name="node3">
+    <dgm:scene3d>
+      <a:camera prst="orthographicFront"/>
+      <a:lightRig rig="threePt" dir="t"/>
+    </dgm:scene3d>
+    <dgm:sp3d/>
+    <dgm:txPr/>
+    <dgm:style>
+      <a:lnRef idx="2">
+        <a:scrgbClr r="0" g="0" b="0"/>
+      </a:lnRef>
+      <a:fillRef idx="1">
+        <a:scrgbClr r="0" g="0" b="0"/>
+      </a:fillRef>
+      <a:effectRef idx="0">
+        <a:scrgbClr r="0" g="0" b="0"/>
+      </a:effectRef>
+      <a:fontRef idx="minor">
+        <a:schemeClr val="lt1"/>
+      </a:fontRef>
+    </dgm:style>
+  </dgm:styleLbl>
+  <dgm:styleLbl name="node4">
+    <dgm:scene3d>
+      <a:camera prst="orthographicFront"/>
+      <a:lightRig rig="threePt" dir="t"/>
+    </dgm:scene3d>
+    <dgm:sp3d/>
+    <dgm:txPr/>
+    <dgm:style>
+      <a:lnRef idx="2">
+        <a:scrgbClr r="0" g="0" b="0"/>
+      </a:lnRef>
+      <a:fillRef idx="1">
+        <a:scrgbClr r="0" g="0" b="0"/>
+      </a:fillRef>
+      <a:effectRef idx="0">
+        <a:scrgbClr r="0" g="0" b="0"/>
+      </a:effectRef>
+      <a:fontRef idx="minor">
+        <a:schemeClr val="lt1"/>
+      </a:fontRef>
+    </dgm:style>
+  </dgm:styleLbl>
+  <dgm:styleLbl name="fgImgPlace1">
+    <dgm:scene3d>
+      <a:camera prst="orthographicFront"/>
+      <a:lightRig rig="threePt" dir="t"/>
+    </dgm:scene3d>
+    <dgm:sp3d/>
+    <dgm:txPr/>
+    <dgm:style>
+      <a:lnRef idx="2">
+        <a:scrgbClr r="0" g="0" b="0"/>
+      </a:lnRef>
+      <a:fillRef idx="1">
+        <a:scrgbClr r="0" g="0" b="0"/>
+      </a:fillRef>
+      <a:effectRef idx="0">
+        <a:scrgbClr r="0" g="0" b="0"/>
+      </a:effectRef>
+      <a:fontRef idx="minor"/>
+    </dgm:style>
+  </dgm:styleLbl>
+  <dgm:styleLbl name="alignImgPlace1">
+    <dgm:scene3d>
+      <a:camera prst="orthographicFront"/>
+      <a:lightRig rig="threePt" dir="t"/>
+    </dgm:scene3d>
+    <dgm:sp3d/>
+    <dgm:txPr/>
+    <dgm:style>
+      <a:lnRef idx="2">
+        <a:scrgbClr r="0" g="0" b="0"/>
+      </a:lnRef>
+      <a:fillRef idx="1">
+        <a:scrgbClr r="0" g="0" b="0"/>
+      </a:fillRef>
+      <a:effectRef idx="0">
+        <a:scrgbClr r="0" g="0" b="0"/>
+      </a:effectRef>
+      <a:fontRef idx="minor"/>
+    </dgm:style>
+  </dgm:styleLbl>
+  <dgm:styleLbl name="bgImgPlace1">
+    <dgm:scene3d>
+      <a:camera prst="orthographicFront"/>
+      <a:lightRig rig="threePt" dir="t"/>
+    </dgm:scene3d>
+    <dgm:sp3d/>
+    <dgm:txPr/>
+    <dgm:style>
+      <a:lnRef idx="2">
+        <a:scrgbClr r="0" g="0" b="0"/>
+      </a:lnRef>
+      <a:fillRef idx="1">
+        <a:scrgbClr r="0" g="0" b="0"/>
+      </a:fillRef>
+      <a:effectRef idx="0">
+        <a:scrgbClr r="0" g="0" b="0"/>
+      </a:effectRef>
+      <a:fontRef idx="minor"/>
+    </dgm:style>
+  </dgm:styleLbl>
+  <dgm:styleLbl name="sibTrans2D1">
+    <dgm:scene3d>
+      <a:camera prst="orthographicFront"/>
+      <a:lightRig rig="threePt" dir="t"/>
+    </dgm:scene3d>
+    <dgm:sp3d/>
+    <dgm:txPr/>
+    <dgm:style>
+      <a:lnRef idx="0">
+        <a:scrgbClr r="0" g="0" b="0"/>
+      </a:lnRef>
+      <a:fillRef idx="1">
+        <a:scrgbClr r="0" g="0" b="0"/>
+      </a:fillRef>
+      <a:effectRef idx="0">
+        <a:scrgbClr r="0" g="0" b="0"/>
+      </a:effectRef>
+      <a:fontRef idx="minor">
+        <a:schemeClr val="lt1"/>
+      </a:fontRef>
+    </dgm:style>
+  </dgm:styleLbl>
+  <dgm:styleLbl name="fgSibTrans2D1">
+    <dgm:scene3d>
+      <a:camera prst="orthographicFront"/>
+      <a:lightRig rig="threePt" dir="t"/>
+    </dgm:scene3d>
+    <dgm:sp3d/>
+    <dgm:txPr/>
+    <dgm:style>
+      <a:lnRef idx="0">
+        <a:scrgbClr r="0" g="0" b="0"/>
+      </a:lnRef>
+      <a:fillRef idx="1">
+        <a:scrgbClr r="0" g="0" b="0"/>
+      </a:fillRef>
+      <a:effectRef idx="0">
+        <a:scrgbClr r="0" g="0" b="0"/>
+      </a:effectRef>
+      <a:fontRef idx="minor">
+        <a:schemeClr val="lt1"/>
+      </a:fontRef>
+    </dgm:style>
+  </dgm:styleLbl>
+  <dgm:styleLbl name="bgSibTrans2D1">
+    <dgm:scene3d>
+      <a:camera prst="orthographicFront"/>
+      <a:lightRig rig="threePt" dir="t"/>
+    </dgm:scene3d>
+    <dgm:sp3d/>
+    <dgm:txPr/>
+    <dgm:style>
+      <a:lnRef idx="0">
+        <a:scrgbClr r="0" g="0" b="0"/>
+      </a:lnRef>
+      <a:fillRef idx="1">
+        <a:scrgbClr r="0" g="0" b="0"/>
+      </a:fillRef>
+      <a:effectRef idx="0">
+        <a:scrgbClr r="0" g="0" b="0"/>
+      </a:effectRef>
+      <a:fontRef idx="minor">
+        <a:schemeClr val="lt1"/>
+      </a:fontRef>
+    </dgm:style>
+  </dgm:styleLbl>
+  <dgm:styleLbl name="sibTrans1D1">
+    <dgm:scene3d>
+      <a:camera prst="orthographicFront"/>
+      <a:lightRig rig="threePt" dir="t"/>
+    </dgm:scene3d>
+    <dgm:sp3d/>
+    <dgm:txPr/>
+    <dgm:style>
+      <a:lnRef idx="1">
+        <a:scrgbClr r="0" g="0" b="0"/>
+      </a:lnRef>
+      <a:fillRef idx="0">
+        <a:scrgbClr r="0" g="0" b="0"/>
+      </a:fillRef>
+      <a:effectRef idx="0">
+        <a:scrgbClr r="0" g="0" b="0"/>
+      </a:effectRef>
+      <a:fontRef idx="minor"/>
+    </dgm:style>
+  </dgm:styleLbl>
+  <dgm:styleLbl name="callout">
+    <dgm:scene3d>
+      <a:camera prst="orthographicFront"/>
+      <a:lightRig rig="threePt" dir="t"/>
+    </dgm:scene3d>
+    <dgm:sp3d/>
+    <dgm:txPr/>
+    <dgm:style>
+      <a:lnRef idx="2">
+        <a:scrgbClr r="0" g="0" b="0"/>
+      </a:lnRef>
+      <a:fillRef idx="1">
+        <a:scrgbClr r="0" g="0" b="0"/>
+      </a:fillRef>
+      <a:effectRef idx="0">
+        <a:scrgbClr r="0" g="0" b="0"/>
+      </a:effectRef>
+      <a:fontRef idx="minor"/>
+    </dgm:style>
+  </dgm:styleLbl>
+  <dgm:styleLbl name="asst0">
+    <dgm:scene3d>
+      <a:camera prst="orthographicFront"/>
+      <a:lightRig rig="threePt" dir="t"/>
+    </dgm:scene3d>
+    <dgm:sp3d/>
+    <dgm:txPr/>
+    <dgm:style>
+      <a:lnRef idx="2">
+        <a:scrgbClr r="0" g="0" b="0"/>
+      </a:lnRef>
+      <a:fillRef idx="1">
+        <a:scrgbClr r="0" g="0" b="0"/>
+      </a:fillRef>
+      <a:effectRef idx="0">
+        <a:scrgbClr r="0" g="0" b="0"/>
+      </a:effectRef>
+      <a:fontRef idx="minor">
+        <a:schemeClr val="lt1"/>
+      </a:fontRef>
+    </dgm:style>
+  </dgm:styleLbl>
+  <dgm:styleLbl name="asst1">
+    <dgm:scene3d>
+      <a:camera prst="orthographicFront"/>
+      <a:lightRig rig="threePt" dir="t"/>
+    </dgm:scene3d>
+    <dgm:sp3d/>
+    <dgm:txPr/>
+    <dgm:style>
+      <a:lnRef idx="2">
+        <a:scrgbClr r="0" g="0" b="0"/>
+      </a:lnRef>
+      <a:fillRef idx="1">
+        <a:scrgbClr r="0" g="0" b="0"/>
+      </a:fillRef>
+      <a:effectRef idx="0">
+        <a:scrgbClr r="0" g="0" b="0"/>
+      </a:effectRef>
+      <a:fontRef idx="minor">
+        <a:schemeClr val="lt1"/>
+      </a:fontRef>
+    </dgm:style>
+  </dgm:styleLbl>
+  <dgm:styleLbl name="asst2">
+    <dgm:scene3d>
+      <a:camera prst="orthographicFront"/>
+      <a:lightRig rig="threePt" dir="t"/>
+    </dgm:scene3d>
+    <dgm:sp3d/>
+    <dgm:txPr/>
+    <dgm:style>
+      <a:lnRef idx="2">
+        <a:scrgbClr r="0" g="0" b="0"/>
+      </a:lnRef>
+      <a:fillRef idx="1">
+        <a:scrgbClr r="0" g="0" b="0"/>
+      </a:fillRef>
+      <a:effectRef idx="0">
+        <a:scrgbClr r="0" g="0" b="0"/>
+      </a:effectRef>
+      <a:fontRef idx="minor">
+        <a:schemeClr val="lt1"/>
+      </a:fontRef>
+    </dgm:style>
+  </dgm:styleLbl>
+  <dgm:styleLbl name="asst3">
+    <dgm:scene3d>
+      <a:camera prst="orthographicFront"/>
+      <a:lightRig rig="threePt" dir="t"/>
+    </dgm:scene3d>
+    <dgm:sp3d/>
+    <dgm:txPr/>
+    <dgm:style>
+      <a:lnRef idx="2">
+        <a:scrgbClr r="0" g="0" b="0"/>
+      </a:lnRef>
+      <a:fillRef idx="1">
+        <a:scrgbClr r="0" g="0" b="0"/>
+      </a:fillRef>
+      <a:effectRef idx="0">
+        <a:scrgbClr r="0" g="0" b="0"/>
+      </a:effectRef>
+      <a:fontRef idx="minor">
+        <a:schemeClr val="lt1"/>
+      </a:fontRef>
+    </dgm:style>
+  </dgm:styleLbl>
+  <dgm:styleLbl name="asst4">
+    <dgm:scene3d>
+      <a:camera prst="orthographicFront"/>
+      <a:lightRig rig="threePt" dir="t"/>
+    </dgm:scene3d>
+    <dgm:sp3d/>
+    <dgm:txPr/>
+    <dgm:style>
+      <a:lnRef idx="2">
+        <a:scrgbClr r="0" g="0" b="0"/>
+      </a:lnRef>
+      <a:fillRef idx="1">
+        <a:scrgbClr r="0" g="0" b="0"/>
+      </a:fillRef>
+      <a:effectRef idx="0">
+        <a:scrgbClr r="0" g="0" b="0"/>
+      </a:effectRef>
+      <a:fontRef idx="minor">
+        <a:schemeClr val="lt1"/>
+      </a:fontRef>
+    </dgm:style>
+  </dgm:styleLbl>
+  <dgm:styleLbl name="parChTrans2D1">
+    <dgm:scene3d>
+      <a:camera prst="orthographicFront"/>
+      <a:lightRig rig="threePt" dir="t"/>
+    </dgm:scene3d>
+    <dgm:sp3d/>
+    <dgm:txPr/>
+    <dgm:style>
+      <a:lnRef idx="2">
+        <a:scrgbClr r="0" g="0" b="0"/>
+      </a:lnRef>
+      <a:fillRef idx="1">
+        <a:scrgbClr r="0" g="0" b="0"/>
+      </a:fillRef>
+      <a:effectRef idx="0">
+        <a:scrgbClr r="0" g="0" b="0"/>
+      </a:effectRef>
+      <a:fontRef idx="minor">
+        <a:schemeClr val="lt1"/>
+      </a:fontRef>
+    </dgm:style>
+  </dgm:styleLbl>
+  <dgm:styleLbl name="parChTrans2D2">
+    <dgm:scene3d>
+      <a:camera prst="orthographicFront"/>
+      <a:lightRig rig="threePt" dir="t"/>
+    </dgm:scene3d>
+    <dgm:sp3d/>
+    <dgm:txPr/>
+    <dgm:style>
+      <a:lnRef idx="2">
+        <a:scrgbClr r="0" g="0" b="0"/>
+      </a:lnRef>
+      <a:fillRef idx="1">
+        <a:scrgbClr r="0" g="0" b="0"/>
+      </a:fillRef>
+      <a:effectRef idx="0">
+        <a:scrgbClr r="0" g="0" b="0"/>
+      </a:effectRef>
+      <a:fontRef idx="minor">
+        <a:schemeClr val="lt1"/>
+      </a:fontRef>
+    </dgm:style>
+  </dgm:styleLbl>
+  <dgm:styleLbl name="parChTrans2D3">
+    <dgm:scene3d>
+      <a:camera prst="orthographicFront"/>
+      <a:lightRig rig="threePt" dir="t"/>
+    </dgm:scene3d>
+    <dgm:sp3d/>
+    <dgm:txPr/>
+    <dgm:style>
+      <a:lnRef idx="2">
+        <a:scrgbClr r="0" g="0" b="0"/>
+      </a:lnRef>
+      <a:fillRef idx="1">
+        <a:scrgbClr r="0" g="0" b="0"/>
+      </a:fillRef>
+      <a:effectRef idx="0">
+        <a:scrgbClr r="0" g="0" b="0"/>
+      </a:effectRef>
+      <a:fontRef idx="minor">
+        <a:schemeClr val="lt1"/>
+      </a:fontRef>
+    </dgm:style>
+  </dgm:styleLbl>
+  <dgm:styleLbl name="parChTrans2D4">
+    <dgm:scene3d>
+      <a:camera prst="orthographicFront"/>
+      <a:lightRig rig="threePt" dir="t"/>
+    </dgm:scene3d>
+    <dgm:sp3d/>
+    <dgm:txPr/>
+    <dgm:style>
+      <a:lnRef idx="2">
+        <a:scrgbClr r="0" g="0" b="0"/>
+      </a:lnRef>
+      <a:fillRef idx="1">
+        <a:scrgbClr r="0" g="0" b="0"/>
+      </a:fillRef>
+      <a:effectRef idx="0">
+        <a:scrgbClr r="0" g="0" b="0"/>
+      </a:effectRef>
+      <a:fontRef idx="minor">
+        <a:schemeClr val="lt1"/>
+      </a:fontRef>
+    </dgm:style>
+  </dgm:styleLbl>
+  <dgm:styleLbl name="parChTrans1D1">
+    <dgm:scene3d>
+      <a:camera prst="orthographicFront"/>
+      <a:lightRig rig="threePt" dir="t"/>
+    </dgm:scene3d>
+    <dgm:sp3d/>
+    <dgm:txPr/>
+    <dgm:style>
+      <a:lnRef idx="2">
+        <a:scrgbClr r="0" g="0" b="0"/>
+      </a:lnRef>
+      <a:fillRef idx="0">
+        <a:scrgbClr r="0" g="0" b="0"/>
+      </a:fillRef>
+      <a:effectRef idx="0">
+        <a:scrgbClr r="0" g="0" b="0"/>
+      </a:effectRef>
+      <a:fontRef idx="minor"/>
+    </dgm:style>
+  </dgm:styleLbl>
+  <dgm:styleLbl name="parChTrans1D2">
+    <dgm:scene3d>
+      <a:camera prst="orthographicFront"/>
+      <a:lightRig rig="threePt" dir="t"/>
+    </dgm:scene3d>
+    <dgm:sp3d/>
+    <dgm:txPr/>
+    <dgm:style>
+      <a:lnRef idx="2">
+        <a:scrgbClr r="0" g="0" b="0"/>
+      </a:lnRef>
+      <a:fillRef idx="0">
+        <a:scrgbClr r="0" g="0" b="0"/>
+      </a:fillRef>
+      <a:effectRef idx="0">
+        <a:scrgbClr r="0" g="0" b="0"/>
+      </a:effectRef>
+      <a:fontRef idx="minor"/>
+    </dgm:style>
+  </dgm:styleLbl>
+  <dgm:styleLbl name="parChTrans1D3">
+    <dgm:scene3d>
+      <a:camera prst="orthographicFront"/>
+      <a:lightRig rig="threePt" dir="t"/>
+    </dgm:scene3d>
+    <dgm:sp3d/>
+    <dgm:txPr/>
+    <dgm:style>
+      <a:lnRef idx="2">
+        <a:scrgbClr r="0" g="0" b="0"/>
+      </a:lnRef>
+      <a:fillRef idx="0">
+        <a:scrgbClr r="0" g="0" b="0"/>
+      </a:fillRef>
+      <a:effectRef idx="0">
+        <a:scrgbClr r="0" g="0" b="0"/>
+      </a:effectRef>
+      <a:fontRef idx="minor"/>
+    </dgm:style>
+  </dgm:styleLbl>
+  <dgm:styleLbl name="parChTrans1D4">
+    <dgm:scene3d>
+      <a:camera prst="orthographicFront"/>
+      <a:lightRig rig="threePt" dir="t"/>
+    </dgm:scene3d>
+    <dgm:sp3d/>
+    <dgm:txPr/>
+    <dgm:style>
+      <a:lnRef idx="2">
+        <a:scrgbClr r="0" g="0" b="0"/>
+      </a:lnRef>
+      <a:fillRef idx="0">
+        <a:scrgbClr r="0" g="0" b="0"/>
+      </a:fillRef>
+      <a:effectRef idx="0">
+        <a:scrgbClr r="0" g="0" b="0"/>
+      </a:effectRef>
+      <a:fontRef idx="minor"/>
+    </dgm:style>
+  </dgm:styleLbl>
+  <dgm:styleLbl name="fgAcc1">
+    <dgm:scene3d>
+      <a:camera prst="orthographicFront"/>
+      <a:lightRig rig="threePt" dir="t"/>
+    </dgm:scene3d>
+    <dgm:sp3d/>
+    <dgm:txPr/>
+    <dgm:style>
+      <a:lnRef idx="2">
+        <a:scrgbClr r="0" g="0" b="0"/>
+      </a:lnRef>
+      <a:fillRef idx="1">
+        <a:scrgbClr r="0" g="0" b="0"/>
+      </a:fillRef>
+      <a:effectRef idx="0">
+        <a:scrgbClr r="0" g="0" b="0"/>
+      </a:effectRef>
+      <a:fontRef idx="minor"/>
+    </dgm:style>
+  </dgm:styleLbl>
+  <dgm:styleLbl name="conFgAcc1">
+    <dgm:scene3d>
+      <a:camera prst="orthographicFront"/>
+      <a:lightRig rig="threePt" dir="t"/>
+    </dgm:scene3d>
+    <dgm:sp3d/>
+    <dgm:txPr/>
+    <dgm:style>
+      <a:lnRef idx="2">
+        <a:scrgbClr r="0" g="0" b="0"/>
+      </a:lnRef>
+      <a:fillRef idx="1">
+        <a:scrgbClr r="0" g="0" b="0"/>
+      </a:fillRef>
+      <a:effectRef idx="0">
+        <a:scrgbClr r="0" g="0" b="0"/>
+      </a:effectRef>
+      <a:fontRef idx="minor"/>
+    </dgm:style>
+  </dgm:styleLbl>
+  <dgm:styleLbl name="alignAcc1">
+    <dgm:scene3d>
+      <a:camera prst="orthographicFront"/>
+      <a:lightRig rig="threePt" dir="t"/>
+    </dgm:scene3d>
+    <dgm:sp3d/>
+    <dgm:txPr/>
+    <dgm:style>
+      <a:lnRef idx="2">
+        <a:scrgbClr r="0" g="0" b="0"/>
+      </a:lnRef>
+      <a:fillRef idx="1">
+        <a:scrgbClr r="0" g="0" b="0"/>
+      </a:fillRef>
+      <a:effectRef idx="0">
+        <a:scrgbClr r="0" g="0" b="0"/>
+      </a:effectRef>
+      <a:fontRef idx="minor"/>
+    </dgm:style>
+  </dgm:styleLbl>
+  <dgm:styleLbl name="trAlignAcc1">
+    <dgm:scene3d>
+      <a:camera prst="orthographicFront"/>
+      <a:lightRig rig="threePt" dir="t"/>
+    </dgm:scene3d>
+    <dgm:sp3d/>
+    <dgm:txPr/>
+    <dgm:style>
+      <a:lnRef idx="1">
+        <a:scrgbClr r="0" g="0" b="0"/>
+      </a:lnRef>
+      <a:fillRef idx="1">
+        <a:scrgbClr r="0" g="0" b="0"/>
+      </a:fillRef>
+      <a:effectRef idx="0">
+        <a:scrgbClr r="0" g="0" b="0"/>
+      </a:effectRef>
+      <a:fontRef idx="minor"/>
+    </dgm:style>
+  </dgm:styleLbl>
+  <dgm:styleLbl name="bgAcc1">
+    <dgm:scene3d>
+      <a:camera prst="orthographicFront"/>
+      <a:lightRig rig="threePt" dir="t"/>
+    </dgm:scene3d>
+    <dgm:sp3d/>
+    <dgm:txPr/>
+    <dgm:style>
+      <a:lnRef idx="2">
+        <a:scrgbClr r="0" g="0" b="0"/>
+      </a:lnRef>
+      <a:fillRef idx="1">
+        <a:scrgbClr r="0" g="0" b="0"/>
+      </a:fillRef>
+      <a:effectRef idx="0">
+        <a:scrgbClr r="0" g="0" b="0"/>
+      </a:effectRef>
+      <a:fontRef idx="minor"/>
+    </dgm:style>
+  </dgm:styleLbl>
+  <dgm:styleLbl name="solidFgAcc1">
+    <dgm:scene3d>
+      <a:camera prst="orthographicFront"/>
+      <a:lightRig rig="threePt" dir="t"/>
+    </dgm:scene3d>
+    <dgm:sp3d/>
+    <dgm:txPr/>
+    <dgm:style>
+      <a:lnRef idx="2">
+        <a:scrgbClr r="0" g="0" b="0"/>
+      </a:lnRef>
+      <a:fillRef idx="1">
+        <a:scrgbClr r="0" g="0" b="0"/>
+      </a:fillRef>
+      <a:effectRef idx="0">
+        <a:scrgbClr r="0" g="0" b="0"/>
+      </a:effectRef>
+      <a:fontRef idx="minor"/>
+    </dgm:style>
+  </dgm:styleLbl>
+  <dgm:styleLbl name="solidAlignAcc1">
+    <dgm:scene3d>
+      <a:camera prst="orthographicFront"/>
+      <a:lightRig rig="threePt" dir="t"/>
+    </dgm:scene3d>
+    <dgm:sp3d/>
+    <dgm:txPr/>
+    <dgm:style>
+      <a:lnRef idx="2">
+        <a:scrgbClr r="0" g="0" b="0"/>
+      </a:lnRef>
+      <a:fillRef idx="1">
+        <a:scrgbClr r="0" g="0" b="0"/>
+      </a:fillRef>
+      <a:effectRef idx="0">
+        <a:scrgbClr r="0" g="0" b="0"/>
+      </a:effectRef>
+      <a:fontRef idx="minor"/>
+    </dgm:style>
+  </dgm:styleLbl>
+  <dgm:styleLbl name="solidBgAcc1">
+    <dgm:scene3d>
+      <a:camera prst="orthographicFront"/>
+      <a:lightRig rig="threePt" dir="t"/>
+    </dgm:scene3d>
+    <dgm:sp3d/>
+    <dgm:txPr/>
+    <dgm:style>
+      <a:lnRef idx="2">
+        <a:scrgbClr r="0" g="0" b="0"/>
+      </a:lnRef>
+      <a:fillRef idx="1">
+        <a:scrgbClr r="0" g="0" b="0"/>
+      </a:fillRef>
+      <a:effectRef idx="0">
+        <a:scrgbClr r="0" g="0" b="0"/>
+      </a:effectRef>
+      <a:fontRef idx="minor"/>
+    </dgm:style>
+  </dgm:styleLbl>
+  <dgm:styleLbl name="fgAccFollowNode1">
+    <dgm:scene3d>
+      <a:camera prst="orthographicFront"/>
+      <a:lightRig rig="threePt" dir="t"/>
+    </dgm:scene3d>
+    <dgm:sp3d/>
+    <dgm:txPr/>
+    <dgm:style>
+      <a:lnRef idx="2">
+        <a:scrgbClr r="0" g="0" b="0"/>
+      </a:lnRef>
+      <a:fillRef idx="1">
+        <a:scrgbClr r="0" g="0" b="0"/>
+      </a:fillRef>
+      <a:effectRef idx="0">
+        <a:scrgbClr r="0" g="0" b="0"/>
+      </a:effectRef>
+      <a:fontRef idx="minor"/>
+    </dgm:style>
+  </dgm:styleLbl>
+  <dgm:styleLbl name="alignAccFollowNode1">
+    <dgm:scene3d>
+      <a:camera prst="orthographicFront"/>
+      <a:lightRig rig="threePt" dir="t"/>
+    </dgm:scene3d>
+    <dgm:sp3d/>
+    <dgm:txPr/>
+    <dgm:style>
+      <a:lnRef idx="2">
+        <a:scrgbClr r="0" g="0" b="0"/>
+      </a:lnRef>
+      <a:fillRef idx="1">
+        <a:scrgbClr r="0" g="0" b="0"/>
+      </a:fillRef>
+      <a:effectRef idx="0">
+        <a:scrgbClr r="0" g="0" b="0"/>
+      </a:effectRef>
+      <a:fontRef idx="minor"/>
+    </dgm:style>
+  </dgm:styleLbl>
+  <dgm:styleLbl name="bgAccFollowNode1">
+    <dgm:scene3d>
+      <a:camera prst="orthographicFront"/>
+      <a:lightRig rig="threePt" dir="t"/>
+    </dgm:scene3d>
+    <dgm:sp3d/>
+    <dgm:txPr/>
+    <dgm:style>
+      <a:lnRef idx="2">
+        <a:scrgbClr r="0" g="0" b="0"/>
+      </a:lnRef>
+      <a:fillRef idx="1">
+        <a:scrgbClr r="0" g="0" b="0"/>
+      </a:fillRef>
+      <a:effectRef idx="0">
+        <a:scrgbClr r="0" g="0" b="0"/>
+      </a:effectRef>
+      <a:fontRef idx="minor"/>
+    </dgm:style>
+  </dgm:styleLbl>
+  <dgm:styleLbl name="fgAcc0">
+    <dgm:scene3d>
+      <a:camera prst="orthographicFront"/>
+      <a:lightRig rig="threePt" dir="t"/>
+    </dgm:scene3d>
+    <dgm:sp3d/>
+    <dgm:txPr/>
+    <dgm:style>
+      <a:lnRef idx="2">
+        <a:scrgbClr r="0" g="0" b="0"/>
+      </a:lnRef>
+      <a:fillRef idx="1">
+        <a:scrgbClr r="0" g="0" b="0"/>
+      </a:fillRef>
+      <a:effectRef idx="0">
+        <a:scrgbClr r="0" g="0" b="0"/>
+      </a:effectRef>
+      <a:fontRef idx="minor"/>
+    </dgm:style>
+  </dgm:styleLbl>
+  <dgm:styleLbl name="fgAcc2">
+    <dgm:scene3d>
+      <a:camera prst="orthographicFront"/>
+      <a:lightRig rig="threePt" dir="t"/>
+    </dgm:scene3d>
+    <dgm:sp3d/>
+    <dgm:txPr/>
+    <dgm:style>
+      <a:lnRef idx="2">
+        <a:scrgbClr r="0" g="0" b="0"/>
+      </a:lnRef>
+      <a:fillRef idx="1">
+        <a:scrgbClr r="0" g="0" b="0"/>
+      </a:fillRef>
+      <a:effectRef idx="0">
+        <a:scrgbClr r="0" g="0" b="0"/>
+      </a:effectRef>
+      <a:fontRef idx="minor"/>
+    </dgm:style>
+  </dgm:styleLbl>
+  <dgm:styleLbl name="fgAcc3">
+    <dgm:scene3d>
+      <a:camera prst="orthographicFront"/>
+      <a:lightRig rig="threePt" dir="t"/>
+    </dgm:scene3d>
+    <dgm:sp3d/>
+    <dgm:txPr/>
+    <dgm:style>
+      <a:lnRef idx="2">
+        <a:scrgbClr r="0" g="0" b="0"/>
+      </a:lnRef>
+      <a:fillRef idx="1">
+        <a:scrgbClr r="0" g="0" b="0"/>
+      </a:fillRef>
+      <a:effectRef idx="0">
+        <a:scrgbClr r="0" g="0" b="0"/>
+      </a:effectRef>
+      <a:fontRef idx="minor"/>
+    </dgm:style>
+  </dgm:styleLbl>
+  <dgm:styleLbl name="fgAcc4">
+    <dgm:scene3d>
+      <a:camera prst="orthographicFront"/>
+      <a:lightRig rig="threePt" dir="t"/>
+    </dgm:scene3d>
+    <dgm:sp3d/>
+    <dgm:txPr/>
+    <dgm:style>
+      <a:lnRef idx="2">
+        <a:scrgbClr r="0" g="0" b="0"/>
+      </a:lnRef>
+      <a:fillRef idx="1">
+        <a:scrgbClr r="0" g="0" b="0"/>
+      </a:fillRef>
+      <a:effectRef idx="0">
+        <a:scrgbClr r="0" g="0" b="0"/>
+      </a:effectRef>
+      <a:fontRef idx="minor"/>
+    </dgm:style>
+  </dgm:styleLbl>
+  <dgm:styleLbl name="bgShp">
+    <dgm:scene3d>
+      <a:camera prst="orthographicFront"/>
+      <a:lightRig rig="threePt" dir="t"/>
+    </dgm:scene3d>
+    <dgm:sp3d/>
+    <dgm:txPr/>
+    <dgm:style>
+      <a:lnRef idx="0">
+        <a:scrgbClr r="0" g="0" b="0"/>
+      </a:lnRef>
+      <a:fillRef idx="1">
+        <a:scrgbClr r="0" g="0" b="0"/>
+      </a:fillRef>
+      <a:effectRef idx="0">
+        <a:scrgbClr r="0" g="0" b="0"/>
+      </a:effectRef>
+      <a:fontRef idx="minor"/>
+    </dgm:style>
+  </dgm:styleLbl>
+  <dgm:styleLbl name="dkBgShp">
+    <dgm:scene3d>
+      <a:camera prst="orthographicFront"/>
+      <a:lightRig rig="threePt" dir="t"/>
+    </dgm:scene3d>
+    <dgm:sp3d/>
+    <dgm:txPr/>
+    <dgm:style>
+      <a:lnRef idx="0">
+        <a:scrgbClr r="0" g="0" b="0"/>
+      </a:lnRef>
+      <a:fillRef idx="1">
+        <a:scrgbClr r="0" g="0" b="0"/>
+      </a:fillRef>
+      <a:effectRef idx="0">
+        <a:scrgbClr r="0" g="0" b="0"/>
+      </a:effectRef>
+      <a:fontRef idx="minor"/>
+    </dgm:style>
+  </dgm:styleLbl>
+  <dgm:styleLbl name="trBgShp">
+    <dgm:scene3d>
+      <a:camera prst="orthographicFront"/>
+      <a:lightRig rig="threePt" dir="t"/>
+    </dgm:scene3d>
+    <dgm:sp3d/>
+    <dgm:txPr/>
+    <dgm:style>
+      <a:lnRef idx="0">
+        <a:scrgbClr r="0" g="0" b="0"/>
+      </a:lnRef>
+      <a:fillRef idx="1">
+        <a:scrgbClr r="0" g="0" b="0"/>
+      </a:fillRef>
+      <a:effectRef idx="0">
+        <a:scrgbClr r="0" g="0" b="0"/>
+      </a:effectRef>
+      <a:fontRef idx="minor"/>
+    </dgm:style>
+  </dgm:styleLbl>
+  <dgm:styleLbl name="fgShp">
+    <dgm:scene3d>
+      <a:camera prst="orthographicFront"/>
+      <a:lightRig rig="threePt" dir="t"/>
+    </dgm:scene3d>
+    <dgm:sp3d/>
+    <dgm:txPr/>
+    <dgm:style>
+      <a:lnRef idx="2">
+        <a:scrgbClr r="0" g="0" b="0"/>
+      </a:lnRef>
+      <a:fillRef idx="1">
+        <a:scrgbClr r="0" g="0" b="0"/>
+      </a:fillRef>
+      <a:effectRef idx="0">
+        <a:scrgbClr r="0" g="0" b="0"/>
+      </a:effectRef>
+      <a:fontRef idx="minor"/>
+    </dgm:style>
+  </dgm:styleLbl>
+  <dgm:styleLbl name="revTx">
+    <dgm:scene3d>
+      <a:camera prst="orthographicFront"/>
+      <a:lightRig rig="threePt" dir="t"/>
+    </dgm:scene3d>
+    <dgm:sp3d/>
+    <dgm:txPr/>
+    <dgm:style>
+      <a:lnRef idx="0">
+        <a:scrgbClr r="0" g="0" b="0"/>
+      </a:lnRef>
+      <a:fillRef idx="0">
+        <a:scrgbClr r="0" g="0" b="0"/>
+      </a:fillRef>
+      <a:effectRef idx="0">
+        <a:scrgbClr r="0" g="0" b="0"/>
+      </a:effectRef>
+      <a:fontRef idx="minor"/>
+    </dgm:style>
+  </dgm:styleLbl>
+</dgm:styleDef>
+</file>
+
+<file path=ppt/notesMasters/notesMaster1.xml><?xml version="1.0" encoding="utf-8"?>
+<p:notesMaster xmlns:a="http://schemas.openxmlformats.org/drawingml/2006/main" xmlns:r="http://schemas.openxmlformats.org/officeDocument/2006/relationships" xmlns:p="http://schemas.openxmlformats.org/presentationml/2006/main">
+  <p:cSld>
+    <p:bg>
+      <p:bgRef idx="1001">
+        <a:schemeClr val="bg1"/>
+      </p:bgRef>
+    </p:bg>
+    <p:spTree>
+      <p:nvGrpSpPr>
+        <p:cNvPr id="1" name=""/>
+        <p:cNvGrpSpPr/>
+        <p:nvPr/>
+      </p:nvGrpSpPr>
+      <p:grpSpPr>
+        <a:xfrm>
+          <a:off x="0" y="0"/>
+          <a:ext cx="0" cy="0"/>
+          <a:chOff x="0" y="0"/>
+          <a:chExt cx="0" cy="0"/>
+        </a:xfrm>
+      </p:grpSpPr>
+      <p:sp>
+        <p:nvSpPr>
+          <p:cNvPr id="2" name="Header Placeholder 1"/>
+          <p:cNvSpPr>
+            <a:spLocks noGrp="1"/>
+          </p:cNvSpPr>
+          <p:nvPr>
+            <p:ph type="hdr" sz="quarter"/>
+          </p:nvPr>
+        </p:nvSpPr>
+        <p:spPr>
+          <a:xfrm>
+            <a:off x="0" y="0"/>
+            <a:ext cx="2971800" cy="458788"/>
+          </a:xfrm>
+          <a:prstGeom prst="rect">
+            <a:avLst/>
+          </a:prstGeom>
+        </p:spPr>
+        <p:txBody>
+          <a:bodyPr vert="horz" lIns="91440" tIns="45720" rIns="91440" bIns="45720" rtlCol="0"/>
+          <a:lstStyle>
+            <a:lvl1pPr algn="l">
+              <a:defRPr sz="1200"/>
+            </a:lvl1pPr>
+          </a:lstStyle>
+          <a:p>
+            <a:endParaRPr lang="en-ZA"/>
+          </a:p>
+        </p:txBody>
+      </p:sp>
+      <p:sp>
+        <p:nvSpPr>
+          <p:cNvPr id="3" name="Date Placeholder 2"/>
+          <p:cNvSpPr>
+            <a:spLocks noGrp="1"/>
+          </p:cNvSpPr>
+          <p:nvPr>
+            <p:ph type="dt" idx="1"/>
+          </p:nvPr>
+        </p:nvSpPr>
+        <p:spPr>
+          <a:xfrm>
+            <a:off x="3884613" y="0"/>
+            <a:ext cx="2971800" cy="458788"/>
+          </a:xfrm>
+          <a:prstGeom prst="rect">
+            <a:avLst/>
+          </a:prstGeom>
+        </p:spPr>
+        <p:txBody>
+          <a:bodyPr vert="horz" lIns="91440" tIns="45720" rIns="91440" bIns="45720" rtlCol="0"/>
+          <a:lstStyle>
+            <a:lvl1pPr algn="r">
+              <a:defRPr sz="1200"/>
+            </a:lvl1pPr>
+          </a:lstStyle>
+          <a:p>
+            <a:fld id="{9FC21813-082E-4073-B895-998AA70FF46F}" type="datetimeFigureOut">
+              <a:rPr lang="en-ZA" smtClean="0"/>
+              <a:t>12/09/2019</a:t>
+            </a:fld>
+            <a:endParaRPr lang="en-ZA"/>
+          </a:p>
+        </p:txBody>
+      </p:sp>
+      <p:sp>
+        <p:nvSpPr>
+          <p:cNvPr id="4" name="Slide Image Placeholder 3"/>
+          <p:cNvSpPr>
+            <a:spLocks noGrp="1" noRot="1" noChangeAspect="1"/>
+          </p:cNvSpPr>
+          <p:nvPr>
+            <p:ph type="sldImg" idx="2"/>
+          </p:nvPr>
+        </p:nvSpPr>
+        <p:spPr>
+          <a:xfrm>
+            <a:off x="685800" y="1143000"/>
+            <a:ext cx="5486400" cy="3086100"/>
+          </a:xfrm>
+          <a:prstGeom prst="rect">
+            <a:avLst/>
+          </a:prstGeom>
+          <a:noFill/>
+          <a:ln w="12700">
+            <a:solidFill>
+              <a:prstClr val="black"/>
+            </a:solidFill>
+          </a:ln>
+        </p:spPr>
+        <p:txBody>
+          <a:bodyPr vert="horz" lIns="91440" tIns="45720" rIns="91440" bIns="45720" rtlCol="0" anchor="ctr"/>
+          <a:lstStyle/>
+          <a:p>
+            <a:endParaRPr lang="en-ZA"/>
+          </a:p>
+        </p:txBody>
+      </p:sp>
+      <p:sp>
+        <p:nvSpPr>
+          <p:cNvPr id="5" name="Notes Placeholder 4"/>
+          <p:cNvSpPr>
+            <a:spLocks noGrp="1"/>
+          </p:cNvSpPr>
+          <p:nvPr>
+            <p:ph type="body" sz="quarter" idx="3"/>
+          </p:nvPr>
+        </p:nvSpPr>
+        <p:spPr>
+          <a:xfrm>
+            <a:off x="685800" y="4400550"/>
+            <a:ext cx="5486400" cy="3600450"/>
+          </a:xfrm>
+          <a:prstGeom prst="rect">
+            <a:avLst/>
+          </a:prstGeom>
+        </p:spPr>
+        <p:txBody>
+          <a:bodyPr vert="horz" lIns="91440" tIns="45720" rIns="91440" bIns="45720" rtlCol="0"/>
+          <a:lstStyle/>
+          <a:p>
+            <a:pPr lvl="0"/>
+            <a:r>
+              <a:rPr lang="en-US"/>
+              <a:t>Click to edit Master text styles</a:t>
+            </a:r>
+          </a:p>
+          <a:p>
+            <a:pPr lvl="1"/>
+            <a:r>
+              <a:rPr lang="en-US"/>
+              <a:t>Second level</a:t>
+            </a:r>
+          </a:p>
+          <a:p>
+            <a:pPr lvl="2"/>
+            <a:r>
+              <a:rPr lang="en-US"/>
+              <a:t>Third level</a:t>
+            </a:r>
+          </a:p>
+          <a:p>
+            <a:pPr lvl="3"/>
+            <a:r>
+              <a:rPr lang="en-US"/>
+              <a:t>Fourth level</a:t>
+            </a:r>
+          </a:p>
+          <a:p>
+            <a:pPr lvl="4"/>
+            <a:r>
+              <a:rPr lang="en-US"/>
+              <a:t>Fifth level</a:t>
+            </a:r>
+            <a:endParaRPr lang="en-ZA"/>
+          </a:p>
+        </p:txBody>
+      </p:sp>
+      <p:sp>
+        <p:nvSpPr>
+          <p:cNvPr id="6" name="Footer Placeholder 5"/>
+          <p:cNvSpPr>
+            <a:spLocks noGrp="1"/>
+          </p:cNvSpPr>
+          <p:nvPr>
+            <p:ph type="ftr" sz="quarter" idx="4"/>
+          </p:nvPr>
+        </p:nvSpPr>
+        <p:spPr>
+          <a:xfrm>
+            <a:off x="0" y="8685213"/>
+            <a:ext cx="2971800" cy="458787"/>
+          </a:xfrm>
+          <a:prstGeom prst="rect">
+            <a:avLst/>
+          </a:prstGeom>
+        </p:spPr>
+        <p:txBody>
+          <a:bodyPr vert="horz" lIns="91440" tIns="45720" rIns="91440" bIns="45720" rtlCol="0" anchor="b"/>
+          <a:lstStyle>
+            <a:lvl1pPr algn="l">
+              <a:defRPr sz="1200"/>
+            </a:lvl1pPr>
+          </a:lstStyle>
+          <a:p>
+            <a:endParaRPr lang="en-ZA"/>
+          </a:p>
+        </p:txBody>
+      </p:sp>
+      <p:sp>
+        <p:nvSpPr>
+          <p:cNvPr id="7" name="Slide Number Placeholder 6"/>
+          <p:cNvSpPr>
+            <a:spLocks noGrp="1"/>
+          </p:cNvSpPr>
+          <p:nvPr>
+            <p:ph type="sldNum" sz="quarter" idx="5"/>
+          </p:nvPr>
+        </p:nvSpPr>
+        <p:spPr>
+          <a:xfrm>
+            <a:off x="3884613" y="8685213"/>
+            <a:ext cx="2971800" cy="458787"/>
+          </a:xfrm>
+          <a:prstGeom prst="rect">
+            <a:avLst/>
+          </a:prstGeom>
+        </p:spPr>
+        <p:txBody>
+          <a:bodyPr vert="horz" lIns="91440" tIns="45720" rIns="91440" bIns="45720" rtlCol="0" anchor="b"/>
+          <a:lstStyle>
+            <a:lvl1pPr algn="r">
+              <a:defRPr sz="1200"/>
+            </a:lvl1pPr>
+          </a:lstStyle>
+          <a:p>
+            <a:fld id="{F331BE67-D965-4E3C-9636-1E16FA60A727}" type="slidenum">
+              <a:rPr lang="en-ZA" smtClean="0"/>
+              <a:t>‹#›</a:t>
+            </a:fld>
+            <a:endParaRPr lang="en-ZA"/>
+          </a:p>
+        </p:txBody>
+      </p:sp>
+    </p:spTree>
+    <p:extLst>
+      <p:ext uri="{BB962C8B-B14F-4D97-AF65-F5344CB8AC3E}">
+        <p14:creationId xmlns:p14="http://schemas.microsoft.com/office/powerpoint/2010/main" val="2272336003"/>
+      </p:ext>
+    </p:extLst>
+  </p:cSld>
+  <p:clrMap bg1="lt1" tx1="dk1" bg2="lt2" tx2="dk2" accent1="accent1" accent2="accent2" accent3="accent3" accent4="accent4" accent5="accent5" accent6="accent6" hlink="hlink" folHlink="folHlink"/>
+  <p:notesStyle>
+    <a:lvl1pPr marL="0" algn="l" defTabSz="914400" rtl="0" eaLnBrk="1" latinLnBrk="0" hangingPunct="1">
+      <a:defRPr sz="1200" kern="1200">
+        <a:solidFill>
+          <a:schemeClr val="tx1"/>
+        </a:solidFill>
+        <a:latin typeface="+mn-lt"/>
+        <a:ea typeface="+mn-ea"/>
+        <a:cs typeface="+mn-cs"/>
+      </a:defRPr>
+    </a:lvl1pPr>
+    <a:lvl2pPr marL="457200" algn="l" defTabSz="914400" rtl="0" eaLnBrk="1" latinLnBrk="0" hangingPunct="1">
+      <a:defRPr sz="1200" kern="1200">
+        <a:solidFill>
+          <a:schemeClr val="tx1"/>
+        </a:solidFill>
+        <a:latin typeface="+mn-lt"/>
+        <a:ea typeface="+mn-ea"/>
+        <a:cs typeface="+mn-cs"/>
+      </a:defRPr>
+    </a:lvl2pPr>
+    <a:lvl3pPr marL="914400" algn="l" defTabSz="914400" rtl="0" eaLnBrk="1" latinLnBrk="0" hangingPunct="1">
+      <a:defRPr sz="1200" kern="1200">
+        <a:solidFill>
+          <a:schemeClr val="tx1"/>
+        </a:solidFill>
+        <a:latin typeface="+mn-lt"/>
+        <a:ea typeface="+mn-ea"/>
+        <a:cs typeface="+mn-cs"/>
+      </a:defRPr>
+    </a:lvl3pPr>
+    <a:lvl4pPr marL="1371600" algn="l" defTabSz="914400" rtl="0" eaLnBrk="1" latinLnBrk="0" hangingPunct="1">
+      <a:defRPr sz="1200" kern="1200">
+        <a:solidFill>
+          <a:schemeClr val="tx1"/>
+        </a:solidFill>
+        <a:latin typeface="+mn-lt"/>
+        <a:ea typeface="+mn-ea"/>
+        <a:cs typeface="+mn-cs"/>
+      </a:defRPr>
+    </a:lvl4pPr>
+    <a:lvl5pPr marL="1828800" algn="l" defTabSz="914400" rtl="0" eaLnBrk="1" latinLnBrk="0" hangingPunct="1">
+      <a:defRPr sz="1200" kern="1200">
+        <a:solidFill>
+          <a:schemeClr val="tx1"/>
+        </a:solidFill>
+        <a:latin typeface="+mn-lt"/>
+        <a:ea typeface="+mn-ea"/>
+        <a:cs typeface="+mn-cs"/>
+      </a:defRPr>
+    </a:lvl5pPr>
+    <a:lvl6pPr marL="2286000" algn="l" defTabSz="914400" rtl="0" eaLnBrk="1" latinLnBrk="0" hangingPunct="1">
+      <a:defRPr sz="1200" kern="1200">
+        <a:solidFill>
+          <a:schemeClr val="tx1"/>
+        </a:solidFill>
+        <a:latin typeface="+mn-lt"/>
+        <a:ea typeface="+mn-ea"/>
+        <a:cs typeface="+mn-cs"/>
+      </a:defRPr>
+    </a:lvl6pPr>
+    <a:lvl7pPr marL="2743200" algn="l" defTabSz="914400" rtl="0" eaLnBrk="1" latinLnBrk="0" hangingPunct="1">
+      <a:defRPr sz="1200" kern="1200">
+        <a:solidFill>
+          <a:schemeClr val="tx1"/>
+        </a:solidFill>
+        <a:latin typeface="+mn-lt"/>
+        <a:ea typeface="+mn-ea"/>
+        <a:cs typeface="+mn-cs"/>
+      </a:defRPr>
+    </a:lvl7pPr>
+    <a:lvl8pPr marL="3200400" algn="l" defTabSz="914400" rtl="0" eaLnBrk="1" latinLnBrk="0" hangingPunct="1">
+      <a:defRPr sz="1200" kern="1200">
+        <a:solidFill>
+          <a:schemeClr val="tx1"/>
+        </a:solidFill>
+        <a:latin typeface="+mn-lt"/>
+        <a:ea typeface="+mn-ea"/>
+        <a:cs typeface="+mn-cs"/>
+      </a:defRPr>
+    </a:lvl8pPr>
+    <a:lvl9pPr marL="3657600" algn="l" defTabSz="914400" rtl="0" eaLnBrk="1" latinLnBrk="0" hangingPunct="1">
+      <a:defRPr sz="1200" kern="1200">
+        <a:solidFill>
+          <a:schemeClr val="tx1"/>
+        </a:solidFill>
+        <a:latin typeface="+mn-lt"/>
+        <a:ea typeface="+mn-ea"/>
+        <a:cs typeface="+mn-cs"/>
+      </a:defRPr>
+    </a:lvl9pPr>
+  </p:notesStyle>
+</p:notesMaster>
+</file>
+
+<file path=ppt/notesSlides/notesSlide1.xml><?xml version="1.0" encoding="utf-8"?>
+<p:notes xmlns:a="http://schemas.openxmlformats.org/drawingml/2006/main" xmlns:r="http://schemas.openxmlformats.org/officeDocument/2006/relationships" xmlns:p="http://schemas.openxmlformats.org/presentationml/2006/main">
+  <p:cSld>
+    <p:spTree>
+      <p:nvGrpSpPr>
+        <p:cNvPr id="1" name=""/>
+        <p:cNvGrpSpPr/>
+        <p:nvPr/>
+      </p:nvGrpSpPr>
+      <p:grpSpPr>
+        <a:xfrm>
+          <a:off x="0" y="0"/>
+          <a:ext cx="0" cy="0"/>
+          <a:chOff x="0" y="0"/>
+          <a:chExt cx="0" cy="0"/>
+        </a:xfrm>
+      </p:grpSpPr>
+      <p:sp>
+        <p:nvSpPr>
+          <p:cNvPr id="2" name="Slide Image Placeholder 1"/>
+          <p:cNvSpPr>
+            <a:spLocks noGrp="1" noRot="1" noChangeAspect="1"/>
+          </p:cNvSpPr>
+          <p:nvPr>
+            <p:ph type="sldImg"/>
+          </p:nvPr>
+        </p:nvSpPr>
+        <p:spPr/>
+      </p:sp>
+      <p:sp>
+        <p:nvSpPr>
+          <p:cNvPr id="3" name="Notes Placeholder 2"/>
+          <p:cNvSpPr>
+            <a:spLocks noGrp="1"/>
+          </p:cNvSpPr>
+          <p:nvPr>
+            <p:ph type="body" idx="1"/>
+          </p:nvPr>
+        </p:nvSpPr>
+        <p:spPr/>
+        <p:txBody>
+          <a:bodyPr/>
+          <a:lstStyle/>
+          <a:p>
+            <a:r>
+              <a:rPr lang="en-GB" dirty="0"/>
+              <a:t>A public cloud is owned by the cloud services provider (also known as a hosting provider). It provides resources and services to multiple organizations and users, who connect to the cloud service via a secure network connection , typically over the internet. </a:t>
+            </a:r>
+          </a:p>
+          <a:p>
+            <a:endParaRPr lang="en-GB" dirty="0"/>
+          </a:p>
+          <a:p>
+            <a:r>
+              <a:rPr lang="en-GB" b="1" dirty="0"/>
+              <a:t>Ownership: The resources do not belong to the organisation or user utilizing them, rather the third-party provider</a:t>
+            </a:r>
+          </a:p>
+          <a:p>
+            <a:r>
+              <a:rPr lang="en-GB" b="1" dirty="0"/>
+              <a:t>Multiple End users: Available to multiple organisations or users</a:t>
+            </a:r>
+          </a:p>
+          <a:p>
+            <a:r>
+              <a:rPr lang="en-GB" b="1" dirty="0"/>
+              <a:t>Public access: </a:t>
+            </a:r>
+          </a:p>
+          <a:p>
+            <a:r>
+              <a:rPr lang="en-GB" b="1" dirty="0"/>
+              <a:t>Availability: Most common  deployment model</a:t>
+            </a:r>
+          </a:p>
+          <a:p>
+            <a:r>
+              <a:rPr lang="en-GB" b="1" dirty="0"/>
+              <a:t>Connectivity: Typically over the internet</a:t>
+            </a:r>
+          </a:p>
+          <a:p>
+            <a:r>
+              <a:rPr lang="en-GB" b="1" dirty="0"/>
+              <a:t>Skills: Do not require deep technical knowledge to setup or use the services</a:t>
+            </a:r>
+          </a:p>
+          <a:p>
+            <a:endParaRPr lang="en-GB" b="1" dirty="0"/>
+          </a:p>
+          <a:p>
+            <a:r>
+              <a:rPr lang="en-GB" dirty="0"/>
+              <a:t>In some cases, cloud users can save additional costs by sharing computing resources with other cloud users.</a:t>
+            </a:r>
+          </a:p>
+          <a:p>
+            <a:endParaRPr lang="en-GB" dirty="0"/>
+          </a:p>
+          <a:p>
+            <a:r>
+              <a:rPr lang="en-GB" b="1" u="sng" dirty="0"/>
+              <a:t>Common Use case:</a:t>
+            </a:r>
+          </a:p>
+          <a:p>
+            <a:r>
+              <a:rPr lang="en-GB" b="0" u="none" dirty="0"/>
+              <a:t>Website or blog – user or organisations don’t have to worry about maintaining or managing hardware</a:t>
+            </a:r>
+            <a:endParaRPr lang="en-ZA" b="0" u="none" dirty="0"/>
+          </a:p>
+        </p:txBody>
+      </p:sp>
+      <p:sp>
+        <p:nvSpPr>
+          <p:cNvPr id="4" name="Slide Number Placeholder 3"/>
+          <p:cNvSpPr>
+            <a:spLocks noGrp="1"/>
+          </p:cNvSpPr>
+          <p:nvPr>
+            <p:ph type="sldNum" sz="quarter" idx="5"/>
+          </p:nvPr>
+        </p:nvSpPr>
+        <p:spPr/>
+        <p:txBody>
+          <a:bodyPr/>
+          <a:lstStyle/>
+          <a:p>
+            <a:fld id="{F331BE67-D965-4E3C-9636-1E16FA60A727}" type="slidenum">
+              <a:rPr lang="en-ZA" smtClean="0"/>
+              <a:t>5</a:t>
+            </a:fld>
+            <a:endParaRPr lang="en-ZA"/>
+          </a:p>
+        </p:txBody>
+      </p:sp>
+    </p:spTree>
+    <p:extLst>
+      <p:ext uri="{BB962C8B-B14F-4D97-AF65-F5344CB8AC3E}">
+        <p14:creationId xmlns:p14="http://schemas.microsoft.com/office/powerpoint/2010/main" val="2821523393"/>
+      </p:ext>
+    </p:extLst>
+  </p:cSld>
+  <p:clrMapOvr>
+    <a:masterClrMapping/>
+  </p:clrMapOvr>
+</p:notes>
 </file>
 
 <file path=ppt/slideLayouts/slideLayout1.xml><?xml version="1.0" encoding="utf-8"?>
@@ -257,7 +4398,7 @@
           <a:p>
             <a:fld id="{766927D6-957D-304E-8ACA-BA097D129572}" type="datetimeFigureOut">
               <a:rPr lang="en-US" smtClean="0"/>
-              <a:t>9/11/19</a:t>
+              <a:t>9/12/2019</a:t>
             </a:fld>
             <a:endParaRPr lang="en-US"/>
           </a:p>
@@ -457,7 +4598,7 @@
           <a:p>
             <a:fld id="{766927D6-957D-304E-8ACA-BA097D129572}" type="datetimeFigureOut">
               <a:rPr lang="en-US" smtClean="0"/>
-              <a:t>9/11/19</a:t>
+              <a:t>9/12/2019</a:t>
             </a:fld>
             <a:endParaRPr lang="en-US"/>
           </a:p>
@@ -667,7 +4808,7 @@
           <a:p>
             <a:fld id="{766927D6-957D-304E-8ACA-BA097D129572}" type="datetimeFigureOut">
               <a:rPr lang="en-US" smtClean="0"/>
-              <a:t>9/11/19</a:t>
+              <a:t>9/12/2019</a:t>
             </a:fld>
             <a:endParaRPr lang="en-US"/>
           </a:p>
@@ -867,7 +5008,7 @@
           <a:p>
             <a:fld id="{766927D6-957D-304E-8ACA-BA097D129572}" type="datetimeFigureOut">
               <a:rPr lang="en-US" smtClean="0"/>
-              <a:t>9/11/19</a:t>
+              <a:t>9/12/2019</a:t>
             </a:fld>
             <a:endParaRPr lang="en-US"/>
           </a:p>
@@ -1173,7 +5314,7 @@
           <a:p>
             <a:fld id="{766927D6-957D-304E-8ACA-BA097D129572}" type="datetimeFigureOut">
               <a:rPr lang="en-US" smtClean="0"/>
-              <a:t>9/11/19</a:t>
+              <a:t>9/12/2019</a:t>
             </a:fld>
             <a:endParaRPr lang="en-US"/>
           </a:p>
@@ -1441,7 +5582,7 @@
           <a:p>
             <a:fld id="{766927D6-957D-304E-8ACA-BA097D129572}" type="datetimeFigureOut">
               <a:rPr lang="en-US" smtClean="0"/>
-              <a:t>9/11/19</a:t>
+              <a:t>9/12/2019</a:t>
             </a:fld>
             <a:endParaRPr lang="en-US"/>
           </a:p>
@@ -1856,7 +5997,7 @@
           <a:p>
             <a:fld id="{766927D6-957D-304E-8ACA-BA097D129572}" type="datetimeFigureOut">
               <a:rPr lang="en-US" smtClean="0"/>
-              <a:t>9/11/19</a:t>
+              <a:t>9/12/2019</a:t>
             </a:fld>
             <a:endParaRPr lang="en-US"/>
           </a:p>
@@ -1998,7 +6139,7 @@
           <a:p>
             <a:fld id="{766927D6-957D-304E-8ACA-BA097D129572}" type="datetimeFigureOut">
               <a:rPr lang="en-US" smtClean="0"/>
-              <a:t>9/11/19</a:t>
+              <a:t>9/12/2019</a:t>
             </a:fld>
             <a:endParaRPr lang="en-US"/>
           </a:p>
@@ -2111,7 +6252,7 @@
           <a:p>
             <a:fld id="{766927D6-957D-304E-8ACA-BA097D129572}" type="datetimeFigureOut">
               <a:rPr lang="en-US" smtClean="0"/>
-              <a:t>9/11/19</a:t>
+              <a:t>9/12/2019</a:t>
             </a:fld>
             <a:endParaRPr lang="en-US"/>
           </a:p>
@@ -2424,7 +6565,7 @@
           <a:p>
             <a:fld id="{766927D6-957D-304E-8ACA-BA097D129572}" type="datetimeFigureOut">
               <a:rPr lang="en-US" smtClean="0"/>
-              <a:t>9/11/19</a:t>
+              <a:t>9/12/2019</a:t>
             </a:fld>
             <a:endParaRPr lang="en-US"/>
           </a:p>
@@ -2713,7 +6854,7 @@
           <a:p>
             <a:fld id="{766927D6-957D-304E-8ACA-BA097D129572}" type="datetimeFigureOut">
               <a:rPr lang="en-US" smtClean="0"/>
-              <a:t>9/11/19</a:t>
+              <a:t>9/12/2019</a:t>
             </a:fld>
             <a:endParaRPr lang="en-US"/>
           </a:p>
@@ -2956,7 +7097,7 @@
           <a:p>
             <a:fld id="{766927D6-957D-304E-8ACA-BA097D129572}" type="datetimeFigureOut">
               <a:rPr lang="en-US" smtClean="0"/>
-              <a:t>9/11/19</a:t>
+              <a:t>9/12/2019</a:t>
             </a:fld>
             <a:endParaRPr lang="en-US"/>
           </a:p>
@@ -3373,6 +7514,36 @@
           <a:chExt cx="0" cy="0"/>
         </a:xfrm>
       </p:grpSpPr>
+      <p:pic>
+        <p:nvPicPr>
+          <p:cNvPr id="7" name="Picture 6" descr="A close up of a logo&#10;&#10;Description automatically generated">
+            <a:extLst>
+              <a:ext uri="{FF2B5EF4-FFF2-40B4-BE49-F238E27FC236}">
+                <a16:creationId xmlns:a16="http://schemas.microsoft.com/office/drawing/2014/main" id="{FF02ACB7-ADB0-0243-A286-FCCF169895FB}"/>
+              </a:ext>
+            </a:extLst>
+          </p:cNvPr>
+          <p:cNvPicPr>
+            <a:picLocks noChangeAspect="1"/>
+          </p:cNvPicPr>
+          <p:nvPr/>
+        </p:nvPicPr>
+        <p:blipFill>
+          <a:blip r:embed="rId2"/>
+          <a:stretch>
+            <a:fillRect/>
+          </a:stretch>
+        </p:blipFill>
+        <p:spPr>
+          <a:xfrm>
+            <a:off x="4762" y="0"/>
+            <a:ext cx="12182475" cy="6858000"/>
+          </a:xfrm>
+          <a:prstGeom prst="rect">
+            <a:avLst/>
+          </a:prstGeom>
+        </p:spPr>
+      </p:pic>
       <p:sp>
         <p:nvSpPr>
           <p:cNvPr id="2" name="Title 1">
@@ -3401,7 +7572,7 @@
           <a:p>
             <a:r>
               <a:rPr lang="en-US" dirty="0"/>
-              <a:t>Session title</a:t>
+              <a:t>Public, Private and Hybrid</a:t>
             </a:r>
           </a:p>
         </p:txBody>
@@ -3433,21 +7604,20 @@
           <a:lstStyle/>
           <a:p>
             <a:r>
-              <a:rPr lang="en-US"/>
-              <a:t>Subtitle</a:t>
+              <a:rPr lang="en-US" dirty="0"/>
+              <a:t>The differences between Public, Private and Hybrid cloud models</a:t>
             </a:r>
-            <a:endParaRPr lang="en-US" dirty="0"/>
           </a:p>
           <a:p>
             <a:r>
               <a:rPr lang="en-US" dirty="0"/>
-              <a:t>Speaker Name(s)</a:t>
+              <a:t>Warren du Toit &amp; Matthew Levy</a:t>
             </a:r>
           </a:p>
           <a:p>
             <a:r>
               <a:rPr lang="en-US" dirty="0"/>
-              <a:t>Speaker Details(s)</a:t>
+              <a:t>Azure MVP &amp; Enterprise Mobility MVP</a:t>
             </a:r>
           </a:p>
         </p:txBody>
@@ -3467,7 +7637,7 @@
           <p:nvPr/>
         </p:nvPicPr>
         <p:blipFill>
-          <a:blip r:embed="rId2"/>
+          <a:blip r:embed="rId3"/>
           <a:stretch>
             <a:fillRect/>
           </a:stretch>
@@ -3498,6 +7668,269 @@
 <file path=ppt/slides/slide2.xml><?xml version="1.0" encoding="utf-8"?>
 <p:sld xmlns:a="http://schemas.openxmlformats.org/drawingml/2006/main" xmlns:r="http://schemas.openxmlformats.org/officeDocument/2006/relationships" xmlns:p="http://schemas.openxmlformats.org/presentationml/2006/main">
   <p:cSld>
+    <p:bg>
+      <p:bgPr>
+        <a:solidFill>
+          <a:schemeClr val="bg1"/>
+        </a:solidFill>
+        <a:effectLst/>
+      </p:bgPr>
+    </p:bg>
+    <p:spTree>
+      <p:nvGrpSpPr>
+        <p:cNvPr id="1" name=""/>
+        <p:cNvGrpSpPr/>
+        <p:nvPr/>
+      </p:nvGrpSpPr>
+      <p:grpSpPr>
+        <a:xfrm>
+          <a:off x="0" y="0"/>
+          <a:ext cx="0" cy="0"/>
+          <a:chOff x="0" y="0"/>
+          <a:chExt cx="0" cy="0"/>
+        </a:xfrm>
+      </p:grpSpPr>
+      <p:sp>
+        <p:nvSpPr>
+          <p:cNvPr id="12" name="Rectangle 11">
+            <a:extLst>
+              <a:ext uri="{FF2B5EF4-FFF2-40B4-BE49-F238E27FC236}">
+                <a16:creationId xmlns:a16="http://schemas.microsoft.com/office/drawing/2014/main" id="{8D70B121-56F4-4848-B38B-182089D909FA}"/>
+              </a:ext>
+              <a:ext uri="{C183D7F6-B498-43B3-948B-1728B52AA6E4}">
+                <adec:decorative xmlns:adec="http://schemas.microsoft.com/office/drawing/2017/decorative" val="1"/>
+              </a:ext>
+            </a:extLst>
+          </p:cNvPr>
+          <p:cNvSpPr>
+            <a:spLocks noGrp="1" noRot="1" noChangeAspect="1" noMove="1" noResize="1" noEditPoints="1" noAdjustHandles="1" noChangeArrowheads="1" noChangeShapeType="1" noTextEdit="1"/>
+          </p:cNvSpPr>
+          <p:nvPr>
+            <p:extLst>
+              <p:ext uri="{386F3935-93C4-4BCD-93E2-E3B085C9AB24}">
+                <p16:designElem xmlns:p16="http://schemas.microsoft.com/office/powerpoint/2015/main" val="1"/>
+              </p:ext>
+            </p:extLst>
+          </p:nvPr>
+        </p:nvSpPr>
+        <p:spPr bwMode="ltGray">
+          <a:xfrm>
+            <a:off x="321564" y="320040"/>
+            <a:ext cx="11548872" cy="6217920"/>
+          </a:xfrm>
+          <a:prstGeom prst="rect">
+            <a:avLst/>
+          </a:prstGeom>
+          <a:solidFill>
+            <a:schemeClr val="tx1">
+              <a:alpha val="8000"/>
+            </a:schemeClr>
+          </a:solidFill>
+          <a:ln w="127000" cap="sq" cmpd="thinThick">
+            <a:noFill/>
+          </a:ln>
+        </p:spPr>
+        <p:style>
+          <a:lnRef idx="2">
+            <a:schemeClr val="accent1">
+              <a:shade val="50000"/>
+            </a:schemeClr>
+          </a:lnRef>
+          <a:fillRef idx="1">
+            <a:schemeClr val="accent1"/>
+          </a:fillRef>
+          <a:effectRef idx="0">
+            <a:schemeClr val="accent1"/>
+          </a:effectRef>
+          <a:fontRef idx="minor">
+            <a:schemeClr val="lt1"/>
+          </a:fontRef>
+        </p:style>
+        <p:txBody>
+          <a:bodyPr rtlCol="0" anchor="ctr"/>
+          <a:lstStyle/>
+          <a:p>
+            <a:pPr algn="ctr"/>
+            <a:endParaRPr lang="en-US"/>
+          </a:p>
+        </p:txBody>
+      </p:sp>
+      <p:sp>
+        <p:nvSpPr>
+          <p:cNvPr id="2" name="Title 1">
+            <a:extLst>
+              <a:ext uri="{FF2B5EF4-FFF2-40B4-BE49-F238E27FC236}">
+                <a16:creationId xmlns:a16="http://schemas.microsoft.com/office/drawing/2014/main" id="{B4816B3D-75D7-CC40-B6A1-81B19EBE07AB}"/>
+              </a:ext>
+            </a:extLst>
+          </p:cNvPr>
+          <p:cNvSpPr>
+            <a:spLocks noGrp="1"/>
+          </p:cNvSpPr>
+          <p:nvPr>
+            <p:ph type="title"/>
+          </p:nvPr>
+        </p:nvSpPr>
+        <p:spPr>
+          <a:xfrm>
+            <a:off x="838200" y="963877"/>
+            <a:ext cx="3494362" cy="4930246"/>
+          </a:xfrm>
+        </p:spPr>
+        <p:txBody>
+          <a:bodyPr>
+            <a:normAutofit/>
+          </a:bodyPr>
+          <a:lstStyle/>
+          <a:p>
+            <a:pPr algn="r"/>
+            <a:r>
+              <a:rPr lang="en-US">
+                <a:solidFill>
+                  <a:schemeClr val="accent1"/>
+                </a:solidFill>
+              </a:rPr>
+              <a:t>Agenda</a:t>
+            </a:r>
+          </a:p>
+        </p:txBody>
+      </p:sp>
+      <p:cxnSp>
+        <p:nvCxnSpPr>
+          <p:cNvPr id="18" name="Straight Connector 13">
+            <a:extLst>
+              <a:ext uri="{FF2B5EF4-FFF2-40B4-BE49-F238E27FC236}">
+                <a16:creationId xmlns:a16="http://schemas.microsoft.com/office/drawing/2014/main" id="{2D72A2C9-F3CA-4216-8BAD-FA4C970C3C4E}"/>
+              </a:ext>
+              <a:ext uri="{C183D7F6-B498-43B3-948B-1728B52AA6E4}">
+                <adec:decorative xmlns:adec="http://schemas.microsoft.com/office/drawing/2017/decorative" val="1"/>
+              </a:ext>
+            </a:extLst>
+          </p:cNvPr>
+          <p:cNvCxnSpPr>
+            <a:cxnSpLocks noGrp="1" noRot="1" noChangeAspect="1" noMove="1" noResize="1" noEditPoints="1" noAdjustHandles="1" noChangeArrowheads="1" noChangeShapeType="1"/>
+          </p:cNvCxnSpPr>
+          <p:nvPr>
+            <p:extLst>
+              <p:ext uri="{386F3935-93C4-4BCD-93E2-E3B085C9AB24}">
+                <p16:designElem xmlns:p16="http://schemas.microsoft.com/office/powerpoint/2015/main" val="1"/>
+              </p:ext>
+            </p:extLst>
+          </p:nvPr>
+        </p:nvCxnSpPr>
+        <p:spPr>
+          <a:xfrm>
+            <a:off x="4654296" y="2057400"/>
+            <a:ext cx="0" cy="2743200"/>
+          </a:xfrm>
+          <a:prstGeom prst="line">
+            <a:avLst/>
+          </a:prstGeom>
+          <a:ln w="19050">
+            <a:solidFill>
+              <a:schemeClr val="tx1">
+                <a:lumMod val="85000"/>
+                <a:lumOff val="15000"/>
+              </a:schemeClr>
+            </a:solidFill>
+          </a:ln>
+        </p:spPr>
+        <p:style>
+          <a:lnRef idx="1">
+            <a:schemeClr val="accent1"/>
+          </a:lnRef>
+          <a:fillRef idx="0">
+            <a:schemeClr val="accent1"/>
+          </a:fillRef>
+          <a:effectRef idx="0">
+            <a:schemeClr val="accent1"/>
+          </a:effectRef>
+          <a:fontRef idx="minor">
+            <a:schemeClr val="tx1"/>
+          </a:fontRef>
+        </p:style>
+      </p:cxnSp>
+      <p:sp>
+        <p:nvSpPr>
+          <p:cNvPr id="7" name="Content Placeholder 6">
+            <a:extLst>
+              <a:ext uri="{FF2B5EF4-FFF2-40B4-BE49-F238E27FC236}">
+                <a16:creationId xmlns:a16="http://schemas.microsoft.com/office/drawing/2014/main" id="{4569ABAD-DD5D-7D4F-A8B1-3BA2F069EA82}"/>
+              </a:ext>
+            </a:extLst>
+          </p:cNvPr>
+          <p:cNvSpPr>
+            <a:spLocks noGrp="1"/>
+          </p:cNvSpPr>
+          <p:nvPr>
+            <p:ph idx="1"/>
+          </p:nvPr>
+        </p:nvSpPr>
+        <p:spPr>
+          <a:xfrm>
+            <a:off x="4976031" y="963877"/>
+            <a:ext cx="6377769" cy="4930246"/>
+          </a:xfrm>
+        </p:spPr>
+        <p:txBody>
+          <a:bodyPr anchor="ctr">
+            <a:normAutofit/>
+          </a:bodyPr>
+          <a:lstStyle/>
+          <a:p>
+            <a:r>
+              <a:rPr lang="en-US" sz="2400" dirty="0"/>
+              <a:t>Cloud definition</a:t>
+            </a:r>
+          </a:p>
+          <a:p>
+            <a:r>
+              <a:rPr lang="en-US" sz="2400" dirty="0"/>
+              <a:t>Public cloud</a:t>
+            </a:r>
+          </a:p>
+          <a:p>
+            <a:r>
+              <a:rPr lang="en-US" sz="2400" dirty="0"/>
+              <a:t>Private cloud</a:t>
+            </a:r>
+          </a:p>
+          <a:p>
+            <a:r>
+              <a:rPr lang="en-US" sz="2400" dirty="0"/>
+              <a:t>Hybrid cloud</a:t>
+            </a:r>
+          </a:p>
+          <a:p>
+            <a:r>
+              <a:rPr lang="en-US" sz="2400" dirty="0"/>
+              <a:t>Cloud model comparison</a:t>
+            </a:r>
+          </a:p>
+          <a:p>
+            <a:r>
+              <a:rPr lang="en-US" sz="2400" dirty="0"/>
+              <a:t>Summary</a:t>
+            </a:r>
+          </a:p>
+        </p:txBody>
+      </p:sp>
+    </p:spTree>
+    <p:extLst>
+      <p:ext uri="{BB962C8B-B14F-4D97-AF65-F5344CB8AC3E}">
+        <p14:creationId xmlns:p14="http://schemas.microsoft.com/office/powerpoint/2010/main" val="3737736050"/>
+      </p:ext>
+    </p:extLst>
+  </p:cSld>
+  <p:clrMapOvr>
+    <a:masterClrMapping/>
+  </p:clrMapOvr>
+</p:sld>
+</file>
+
+<file path=ppt/slides/slide3.xml><?xml version="1.0" encoding="utf-8"?>
+<p:sld xmlns:a="http://schemas.openxmlformats.org/drawingml/2006/main" xmlns:r="http://schemas.openxmlformats.org/officeDocument/2006/relationships" xmlns:p="http://schemas.openxmlformats.org/presentationml/2006/main">
+  <p:cSld>
     <p:spTree>
       <p:nvGrpSpPr>
         <p:cNvPr id="1" name=""/>
@@ -3517,7 +7950,7 @@
           <p:cNvPr id="2" name="Title 1">
             <a:extLst>
               <a:ext uri="{FF2B5EF4-FFF2-40B4-BE49-F238E27FC236}">
-                <a16:creationId xmlns:a16="http://schemas.microsoft.com/office/drawing/2014/main" id="{B4816B3D-75D7-CC40-B6A1-81B19EBE07AB}"/>
+                <a16:creationId xmlns:a16="http://schemas.microsoft.com/office/drawing/2014/main" id="{8AC64B31-F35C-4231-B074-E8FEDDD1CC67}"/>
               </a:ext>
             </a:extLst>
           </p:cNvPr>
@@ -3533,16 +7966,128 @@
           <a:bodyPr/>
           <a:lstStyle/>
           <a:p>
-            <a:endParaRPr lang="en-US" dirty="0"/>
+            <a:r>
+              <a:rPr lang="en-US" dirty="0"/>
+              <a:t>Cloud Definition</a:t>
+            </a:r>
+            <a:endParaRPr lang="en-ZA" dirty="0"/>
+          </a:p>
+        </p:txBody>
+      </p:sp>
+      <p:graphicFrame>
+        <p:nvGraphicFramePr>
+          <p:cNvPr id="4" name="Content Placeholder 3">
+            <a:extLst>
+              <a:ext uri="{FF2B5EF4-FFF2-40B4-BE49-F238E27FC236}">
+                <a16:creationId xmlns:a16="http://schemas.microsoft.com/office/drawing/2014/main" id="{42E609B6-DD42-4C2A-9FA1-3B48749B5AEF}"/>
+              </a:ext>
+            </a:extLst>
+          </p:cNvPr>
+          <p:cNvGraphicFramePr>
+            <a:graphicFrameLocks noGrp="1"/>
+          </p:cNvGraphicFramePr>
+          <p:nvPr>
+            <p:ph idx="1"/>
+            <p:extLst>
+              <p:ext uri="{D42A27DB-BD31-4B8C-83A1-F6EECF244321}">
+                <p14:modId xmlns:p14="http://schemas.microsoft.com/office/powerpoint/2010/main" val="703513569"/>
+              </p:ext>
+            </p:extLst>
+          </p:nvPr>
+        </p:nvGraphicFramePr>
+        <p:xfrm>
+          <a:off x="838200" y="1825625"/>
+          <a:ext cx="10515600" cy="4351338"/>
+        </p:xfrm>
+        <a:graphic>
+          <a:graphicData uri="http://schemas.openxmlformats.org/drawingml/2006/diagram">
+            <dgm:relIds xmlns:dgm="http://schemas.openxmlformats.org/drawingml/2006/diagram" xmlns:r="http://schemas.openxmlformats.org/officeDocument/2006/relationships" r:dm="rId2" r:lo="rId3" r:qs="rId4" r:cs="rId5"/>
+          </a:graphicData>
+        </a:graphic>
+      </p:graphicFrame>
+    </p:spTree>
+    <p:extLst>
+      <p:ext uri="{BB962C8B-B14F-4D97-AF65-F5344CB8AC3E}">
+        <p14:creationId xmlns:p14="http://schemas.microsoft.com/office/powerpoint/2010/main" val="1688447850"/>
+      </p:ext>
+    </p:extLst>
+  </p:cSld>
+  <p:clrMapOvr>
+    <a:masterClrMapping/>
+  </p:clrMapOvr>
+</p:sld>
+</file>
+
+<file path=ppt/slides/slide4.xml><?xml version="1.0" encoding="utf-8"?>
+<p:sld xmlns:a="http://schemas.openxmlformats.org/drawingml/2006/main" xmlns:r="http://schemas.openxmlformats.org/officeDocument/2006/relationships" xmlns:p="http://schemas.openxmlformats.org/presentationml/2006/main">
+  <p:cSld>
+    <p:bg>
+      <p:bgPr>
+        <a:solidFill>
+          <a:schemeClr val="bg1">
+            <a:tint val="95000"/>
+            <a:satMod val="170000"/>
+          </a:schemeClr>
+        </a:solidFill>
+        <a:effectLst/>
+      </p:bgPr>
+    </p:bg>
+    <p:spTree>
+      <p:nvGrpSpPr>
+        <p:cNvPr id="1" name=""/>
+        <p:cNvGrpSpPr/>
+        <p:nvPr/>
+      </p:nvGrpSpPr>
+      <p:grpSpPr>
+        <a:xfrm>
+          <a:off x="0" y="0"/>
+          <a:ext cx="0" cy="0"/>
+          <a:chOff x="0" y="0"/>
+          <a:chExt cx="0" cy="0"/>
+        </a:xfrm>
+      </p:grpSpPr>
+      <p:sp>
+        <p:nvSpPr>
+          <p:cNvPr id="2" name="Title 1">
+            <a:extLst>
+              <a:ext uri="{FF2B5EF4-FFF2-40B4-BE49-F238E27FC236}">
+                <a16:creationId xmlns:a16="http://schemas.microsoft.com/office/drawing/2014/main" id="{DFDE6E1D-2E7E-48E1-8BEB-B45F0A0CBDF8}"/>
+              </a:ext>
+            </a:extLst>
+          </p:cNvPr>
+          <p:cNvSpPr>
+            <a:spLocks noGrp="1"/>
+          </p:cNvSpPr>
+          <p:nvPr>
+            <p:ph type="title"/>
+          </p:nvPr>
+        </p:nvSpPr>
+        <p:spPr>
+          <a:xfrm>
+            <a:off x="801098" y="1396289"/>
+            <a:ext cx="5712824" cy="1325563"/>
+          </a:xfrm>
+        </p:spPr>
+        <p:txBody>
+          <a:bodyPr>
+            <a:normAutofit/>
+          </a:bodyPr>
+          <a:lstStyle/>
+          <a:p>
+            <a:r>
+              <a:rPr lang="en-US"/>
+              <a:t>Public Clouds</a:t>
+            </a:r>
+            <a:endParaRPr lang="en-ZA"/>
           </a:p>
         </p:txBody>
       </p:sp>
       <p:sp>
         <p:nvSpPr>
-          <p:cNvPr id="7" name="Content Placeholder 6">
+          <p:cNvPr id="19" name="Content Placeholder 18">
             <a:extLst>
               <a:ext uri="{FF2B5EF4-FFF2-40B4-BE49-F238E27FC236}">
-                <a16:creationId xmlns:a16="http://schemas.microsoft.com/office/drawing/2014/main" id="{4569ABAD-DD5D-7D4F-A8B1-3BA2F069EA82}"/>
+                <a16:creationId xmlns:a16="http://schemas.microsoft.com/office/drawing/2014/main" id="{F6536CBD-69EB-4B7C-9573-04CB7A94BD3D}"/>
               </a:ext>
             </a:extLst>
           </p:cNvPr>
@@ -3553,19 +8098,2369 @@
             <p:ph idx="1"/>
           </p:nvPr>
         </p:nvSpPr>
-        <p:spPr/>
+        <p:spPr>
+          <a:xfrm>
+            <a:off x="805543" y="2871982"/>
+            <a:ext cx="4558309" cy="3181684"/>
+          </a:xfrm>
+        </p:spPr>
         <p:txBody>
-          <a:bodyPr/>
+          <a:bodyPr anchor="t">
+            <a:normAutofit/>
+          </a:bodyPr>
           <a:lstStyle/>
           <a:p>
-            <a:endParaRPr lang="en-US"/>
+            <a:endParaRPr lang="en-ZA" sz="1800"/>
+          </a:p>
+        </p:txBody>
+      </p:sp>
+      <p:sp>
+        <p:nvSpPr>
+          <p:cNvPr id="32" name="Oval 31">
+            <a:extLst>
+              <a:ext uri="{FF2B5EF4-FFF2-40B4-BE49-F238E27FC236}">
+                <a16:creationId xmlns:a16="http://schemas.microsoft.com/office/drawing/2014/main" id="{C99A8FB7-A79B-4BC9-9D56-B79587F6AA3E}"/>
+              </a:ext>
+              <a:ext uri="{C183D7F6-B498-43B3-948B-1728B52AA6E4}">
+                <adec:decorative xmlns:adec="http://schemas.microsoft.com/office/drawing/2017/decorative" val="1"/>
+              </a:ext>
+            </a:extLst>
+          </p:cNvPr>
+          <p:cNvSpPr>
+            <a:spLocks noGrp="1" noRot="1" noChangeAspect="1" noMove="1" noResize="1" noEditPoints="1" noAdjustHandles="1" noChangeArrowheads="1" noChangeShapeType="1" noTextEdit="1"/>
+          </p:cNvSpPr>
+          <p:nvPr>
+            <p:extLst>
+              <p:ext uri="{386F3935-93C4-4BCD-93E2-E3B085C9AB24}">
+                <p16:designElem xmlns:p16="http://schemas.microsoft.com/office/powerpoint/2015/main" val="1"/>
+              </p:ext>
+            </p:extLst>
+          </p:nvPr>
+        </p:nvSpPr>
+        <p:spPr>
+          <a:xfrm>
+            <a:off x="5804761" y="2650637"/>
+            <a:ext cx="3118104" cy="3118104"/>
+          </a:xfrm>
+          <a:prstGeom prst="ellipse">
+            <a:avLst/>
+          </a:prstGeom>
+          <a:solidFill>
+            <a:srgbClr val="FFFFFF">
+              <a:alpha val="80000"/>
+            </a:srgbClr>
+          </a:solidFill>
+          <a:ln>
+            <a:noFill/>
+          </a:ln>
+        </p:spPr>
+        <p:style>
+          <a:lnRef idx="2">
+            <a:schemeClr val="accent1">
+              <a:shade val="50000"/>
+            </a:schemeClr>
+          </a:lnRef>
+          <a:fillRef idx="1">
+            <a:schemeClr val="accent1"/>
+          </a:fillRef>
+          <a:effectRef idx="0">
+            <a:schemeClr val="accent1"/>
+          </a:effectRef>
+          <a:fontRef idx="minor">
+            <a:schemeClr val="lt1"/>
+          </a:fontRef>
+        </p:style>
+        <p:txBody>
+          <a:bodyPr rtlCol="0" anchor="ctr"/>
+          <a:lstStyle/>
+          <a:p>
+            <a:pPr marL="0" marR="0" lvl="0" indent="0" algn="ctr" defTabSz="914400" rtl="0" eaLnBrk="1" fontAlgn="auto" latinLnBrk="0" hangingPunct="1">
+              <a:lnSpc>
+                <a:spcPct val="100000"/>
+              </a:lnSpc>
+              <a:spcBef>
+                <a:spcPts val="0"/>
+              </a:spcBef>
+              <a:spcAft>
+                <a:spcPts val="0"/>
+              </a:spcAft>
+              <a:buClrTx/>
+              <a:buSzTx/>
+              <a:buFontTx/>
+              <a:buNone/>
+              <a:tabLst/>
+              <a:defRPr/>
+            </a:pPr>
+            <a:endParaRPr kumimoji="0" lang="en-US" sz="1800" b="0" i="0" u="none" strike="noStrike" kern="1200" cap="none" spc="0" normalizeH="0" baseline="0" noProof="0">
+              <a:ln>
+                <a:noFill/>
+              </a:ln>
+              <a:solidFill>
+                <a:prstClr val="white"/>
+              </a:solidFill>
+              <a:effectLst/>
+              <a:uLnTx/>
+              <a:uFillTx/>
+              <a:latin typeface="Calibri" panose="020F0502020204030204"/>
+              <a:ea typeface="+mn-ea"/>
+              <a:cs typeface="+mn-cs"/>
+            </a:endParaRPr>
+          </a:p>
+        </p:txBody>
+      </p:sp>
+      <p:sp>
+        <p:nvSpPr>
+          <p:cNvPr id="34" name="Freeform: Shape 33">
+            <a:extLst>
+              <a:ext uri="{FF2B5EF4-FFF2-40B4-BE49-F238E27FC236}">
+                <a16:creationId xmlns:a16="http://schemas.microsoft.com/office/drawing/2014/main" id="{B23893E2-3349-46D7-A7AA-B9E447957FB1}"/>
+              </a:ext>
+              <a:ext uri="{C183D7F6-B498-43B3-948B-1728B52AA6E4}">
+                <adec:decorative xmlns:adec="http://schemas.microsoft.com/office/drawing/2017/decorative" val="1"/>
+              </a:ext>
+            </a:extLst>
+          </p:cNvPr>
+          <p:cNvSpPr>
+            <a:spLocks noGrp="1" noRot="1" noChangeAspect="1" noMove="1" noResize="1" noEditPoints="1" noAdjustHandles="1" noChangeArrowheads="1" noChangeShapeType="1" noTextEdit="1"/>
+          </p:cNvSpPr>
+          <p:nvPr>
+            <p:extLst>
+              <p:ext uri="{386F3935-93C4-4BCD-93E2-E3B085C9AB24}">
+                <p16:designElem xmlns:p16="http://schemas.microsoft.com/office/powerpoint/2015/main" val="1"/>
+              </p:ext>
+            </p:extLst>
+          </p:nvPr>
+        </p:nvSpPr>
+        <p:spPr>
+          <a:xfrm>
+            <a:off x="7996859" y="0"/>
+            <a:ext cx="4198060" cy="3650200"/>
+          </a:xfrm>
+          <a:custGeom>
+            <a:avLst/>
+            <a:gdLst>
+              <a:gd name="connsiteX0" fmla="*/ 262846 w 4198060"/>
+              <a:gd name="connsiteY0" fmla="*/ 0 h 3650200"/>
+              <a:gd name="connsiteX1" fmla="*/ 4198060 w 4198060"/>
+              <a:gd name="connsiteY1" fmla="*/ 0 h 3650200"/>
+              <a:gd name="connsiteX2" fmla="*/ 4198060 w 4198060"/>
+              <a:gd name="connsiteY2" fmla="*/ 3021648 h 3650200"/>
+              <a:gd name="connsiteX3" fmla="*/ 4142653 w 4198060"/>
+              <a:gd name="connsiteY3" fmla="*/ 3072005 h 3650200"/>
+              <a:gd name="connsiteX4" fmla="*/ 2532040 w 4198060"/>
+              <a:gd name="connsiteY4" fmla="*/ 3650200 h 3650200"/>
+              <a:gd name="connsiteX5" fmla="*/ 0 w 4198060"/>
+              <a:gd name="connsiteY5" fmla="*/ 1118160 h 3650200"/>
+              <a:gd name="connsiteX6" fmla="*/ 198981 w 4198060"/>
+              <a:gd name="connsiteY6" fmla="*/ 132576 h 3650200"/>
+            </a:gdLst>
+            <a:ahLst/>
+            <a:cxnLst>
+              <a:cxn ang="0">
+                <a:pos x="connsiteX0" y="connsiteY0"/>
+              </a:cxn>
+              <a:cxn ang="0">
+                <a:pos x="connsiteX1" y="connsiteY1"/>
+              </a:cxn>
+              <a:cxn ang="0">
+                <a:pos x="connsiteX2" y="connsiteY2"/>
+              </a:cxn>
+              <a:cxn ang="0">
+                <a:pos x="connsiteX3" y="connsiteY3"/>
+              </a:cxn>
+              <a:cxn ang="0">
+                <a:pos x="connsiteX4" y="connsiteY4"/>
+              </a:cxn>
+              <a:cxn ang="0">
+                <a:pos x="connsiteX5" y="connsiteY5"/>
+              </a:cxn>
+              <a:cxn ang="0">
+                <a:pos x="connsiteX6" y="connsiteY6"/>
+              </a:cxn>
+            </a:cxnLst>
+            <a:rect l="l" t="t" r="r" b="b"/>
+            <a:pathLst>
+              <a:path w="4198060" h="3650200">
+                <a:moveTo>
+                  <a:pt x="262846" y="0"/>
+                </a:moveTo>
+                <a:lnTo>
+                  <a:pt x="4198060" y="0"/>
+                </a:lnTo>
+                <a:lnTo>
+                  <a:pt x="4198060" y="3021648"/>
+                </a:lnTo>
+                <a:lnTo>
+                  <a:pt x="4142653" y="3072005"/>
+                </a:lnTo>
+                <a:cubicBezTo>
+                  <a:pt x="3704967" y="3433216"/>
+                  <a:pt x="3143843" y="3650200"/>
+                  <a:pt x="2532040" y="3650200"/>
+                </a:cubicBezTo>
+                <a:cubicBezTo>
+                  <a:pt x="1133633" y="3650200"/>
+                  <a:pt x="0" y="2516567"/>
+                  <a:pt x="0" y="1118160"/>
+                </a:cubicBezTo>
+                <a:cubicBezTo>
+                  <a:pt x="0" y="768558"/>
+                  <a:pt x="70852" y="435505"/>
+                  <a:pt x="198981" y="132576"/>
+                </a:cubicBezTo>
+                <a:close/>
+              </a:path>
+            </a:pathLst>
+          </a:custGeom>
+          <a:solidFill>
+            <a:srgbClr val="FFFFFF">
+              <a:alpha val="80000"/>
+            </a:srgbClr>
+          </a:solidFill>
+          <a:ln>
+            <a:noFill/>
+          </a:ln>
+        </p:spPr>
+        <p:style>
+          <a:lnRef idx="2">
+            <a:schemeClr val="accent1">
+              <a:shade val="50000"/>
+            </a:schemeClr>
+          </a:lnRef>
+          <a:fillRef idx="1">
+            <a:schemeClr val="accent1"/>
+          </a:fillRef>
+          <a:effectRef idx="0">
+            <a:schemeClr val="accent1"/>
+          </a:effectRef>
+          <a:fontRef idx="minor">
+            <a:schemeClr val="lt1"/>
+          </a:fontRef>
+        </p:style>
+        <p:txBody>
+          <a:bodyPr wrap="square" rtlCol="0" anchor="ctr">
+            <a:noAutofit/>
+          </a:bodyPr>
+          <a:lstStyle/>
+          <a:p>
+            <a:pPr marL="0" marR="0" lvl="0" indent="0" algn="ctr" defTabSz="914400" rtl="0" eaLnBrk="1" fontAlgn="auto" latinLnBrk="0" hangingPunct="1">
+              <a:lnSpc>
+                <a:spcPct val="100000"/>
+              </a:lnSpc>
+              <a:spcBef>
+                <a:spcPts val="0"/>
+              </a:spcBef>
+              <a:spcAft>
+                <a:spcPts val="0"/>
+              </a:spcAft>
+              <a:buClrTx/>
+              <a:buSzTx/>
+              <a:buFontTx/>
+              <a:buNone/>
+              <a:tabLst/>
+              <a:defRPr/>
+            </a:pPr>
+            <a:endParaRPr kumimoji="0" lang="en-US" sz="1800" b="0" i="0" u="none" strike="noStrike" kern="1200" cap="none" spc="0" normalizeH="0" baseline="0" noProof="0">
+              <a:ln>
+                <a:noFill/>
+              </a:ln>
+              <a:solidFill>
+                <a:prstClr val="white"/>
+              </a:solidFill>
+              <a:effectLst/>
+              <a:uLnTx/>
+              <a:uFillTx/>
+              <a:latin typeface="Calibri" panose="020F0502020204030204"/>
+              <a:ea typeface="+mn-ea"/>
+              <a:cs typeface="+mn-cs"/>
+            </a:endParaRPr>
+          </a:p>
+        </p:txBody>
+      </p:sp>
+      <p:pic>
+        <p:nvPicPr>
+          <p:cNvPr id="20" name="Content Placeholder 4">
+            <a:extLst>
+              <a:ext uri="{FF2B5EF4-FFF2-40B4-BE49-F238E27FC236}">
+                <a16:creationId xmlns:a16="http://schemas.microsoft.com/office/drawing/2014/main" id="{07712BF4-A3D4-47DA-B16B-31C965126F1A}"/>
+              </a:ext>
+            </a:extLst>
+          </p:cNvPr>
+          <p:cNvPicPr>
+            <a:picLocks noChangeAspect="1"/>
+          </p:cNvPicPr>
+          <p:nvPr/>
+        </p:nvPicPr>
+        <p:blipFill rotWithShape="1">
+          <a:blip r:embed="rId2"/>
+          <a:srcRect r="-2" b="-2"/>
+          <a:stretch/>
+        </p:blipFill>
+        <p:spPr>
+          <a:xfrm>
+            <a:off x="5969353" y="2815228"/>
+            <a:ext cx="2788920" cy="2788920"/>
+          </a:xfrm>
+          <a:custGeom>
+            <a:avLst/>
+            <a:gdLst>
+              <a:gd name="connsiteX0" fmla="*/ 1440180 w 2880360"/>
+              <a:gd name="connsiteY0" fmla="*/ 0 h 2880360"/>
+              <a:gd name="connsiteX1" fmla="*/ 2880360 w 2880360"/>
+              <a:gd name="connsiteY1" fmla="*/ 1440180 h 2880360"/>
+              <a:gd name="connsiteX2" fmla="*/ 1440180 w 2880360"/>
+              <a:gd name="connsiteY2" fmla="*/ 2880360 h 2880360"/>
+              <a:gd name="connsiteX3" fmla="*/ 0 w 2880360"/>
+              <a:gd name="connsiteY3" fmla="*/ 1440180 h 2880360"/>
+              <a:gd name="connsiteX4" fmla="*/ 1440180 w 2880360"/>
+              <a:gd name="connsiteY4" fmla="*/ 0 h 2880360"/>
+            </a:gdLst>
+            <a:ahLst/>
+            <a:cxnLst>
+              <a:cxn ang="0">
+                <a:pos x="connsiteX0" y="connsiteY0"/>
+              </a:cxn>
+              <a:cxn ang="0">
+                <a:pos x="connsiteX1" y="connsiteY1"/>
+              </a:cxn>
+              <a:cxn ang="0">
+                <a:pos x="connsiteX2" y="connsiteY2"/>
+              </a:cxn>
+              <a:cxn ang="0">
+                <a:pos x="connsiteX3" y="connsiteY3"/>
+              </a:cxn>
+              <a:cxn ang="0">
+                <a:pos x="connsiteX4" y="connsiteY4"/>
+              </a:cxn>
+            </a:cxnLst>
+            <a:rect l="l" t="t" r="r" b="b"/>
+            <a:pathLst>
+              <a:path w="2880360" h="2880360">
+                <a:moveTo>
+                  <a:pt x="1440180" y="0"/>
+                </a:moveTo>
+                <a:cubicBezTo>
+                  <a:pt x="2235569" y="0"/>
+                  <a:pt x="2880360" y="644791"/>
+                  <a:pt x="2880360" y="1440180"/>
+                </a:cubicBezTo>
+                <a:cubicBezTo>
+                  <a:pt x="2880360" y="2235569"/>
+                  <a:pt x="2235569" y="2880360"/>
+                  <a:pt x="1440180" y="2880360"/>
+                </a:cubicBezTo>
+                <a:cubicBezTo>
+                  <a:pt x="644791" y="2880360"/>
+                  <a:pt x="0" y="2235569"/>
+                  <a:pt x="0" y="1440180"/>
+                </a:cubicBezTo>
+                <a:cubicBezTo>
+                  <a:pt x="0" y="644791"/>
+                  <a:pt x="644791" y="0"/>
+                  <a:pt x="1440180" y="0"/>
+                </a:cubicBezTo>
+                <a:close/>
+              </a:path>
+            </a:pathLst>
+          </a:custGeom>
+        </p:spPr>
+      </p:pic>
+      <p:pic>
+        <p:nvPicPr>
+          <p:cNvPr id="22" name="Picture 21" descr="A close up of a logo&#10;&#10;Description automatically generated">
+            <a:extLst>
+              <a:ext uri="{FF2B5EF4-FFF2-40B4-BE49-F238E27FC236}">
+                <a16:creationId xmlns:a16="http://schemas.microsoft.com/office/drawing/2014/main" id="{8F6A6404-62B1-451D-A1F3-6527323FC05C}"/>
+              </a:ext>
+            </a:extLst>
+          </p:cNvPr>
+          <p:cNvPicPr>
+            <a:picLocks noChangeAspect="1"/>
+          </p:cNvPicPr>
+          <p:nvPr/>
+        </p:nvPicPr>
+        <p:blipFill rotWithShape="1">
+          <a:blip r:embed="rId3"/>
+          <a:srcRect l="18447" r="17622" b="1"/>
+          <a:stretch/>
+        </p:blipFill>
+        <p:spPr>
+          <a:xfrm>
+            <a:off x="8160603" y="2"/>
+            <a:ext cx="4034316" cy="3486455"/>
+          </a:xfrm>
+          <a:custGeom>
+            <a:avLst/>
+            <a:gdLst>
+              <a:gd name="connsiteX0" fmla="*/ 280681 w 4034316"/>
+              <a:gd name="connsiteY0" fmla="*/ 0 h 3486455"/>
+              <a:gd name="connsiteX1" fmla="*/ 4034316 w 4034316"/>
+              <a:gd name="connsiteY1" fmla="*/ 0 h 3486455"/>
+              <a:gd name="connsiteX2" fmla="*/ 4034316 w 4034316"/>
+              <a:gd name="connsiteY2" fmla="*/ 2800630 h 3486455"/>
+              <a:gd name="connsiteX3" fmla="*/ 3874752 w 4034316"/>
+              <a:gd name="connsiteY3" fmla="*/ 2945652 h 3486455"/>
+              <a:gd name="connsiteX4" fmla="*/ 2368296 w 4034316"/>
+              <a:gd name="connsiteY4" fmla="*/ 3486455 h 3486455"/>
+              <a:gd name="connsiteX5" fmla="*/ 0 w 4034316"/>
+              <a:gd name="connsiteY5" fmla="*/ 1118159 h 3486455"/>
+              <a:gd name="connsiteX6" fmla="*/ 186113 w 4034316"/>
+              <a:gd name="connsiteY6" fmla="*/ 196311 h 3486455"/>
+            </a:gdLst>
+            <a:ahLst/>
+            <a:cxnLst>
+              <a:cxn ang="0">
+                <a:pos x="connsiteX0" y="connsiteY0"/>
+              </a:cxn>
+              <a:cxn ang="0">
+                <a:pos x="connsiteX1" y="connsiteY1"/>
+              </a:cxn>
+              <a:cxn ang="0">
+                <a:pos x="connsiteX2" y="connsiteY2"/>
+              </a:cxn>
+              <a:cxn ang="0">
+                <a:pos x="connsiteX3" y="connsiteY3"/>
+              </a:cxn>
+              <a:cxn ang="0">
+                <a:pos x="connsiteX4" y="connsiteY4"/>
+              </a:cxn>
+              <a:cxn ang="0">
+                <a:pos x="connsiteX5" y="connsiteY5"/>
+              </a:cxn>
+              <a:cxn ang="0">
+                <a:pos x="connsiteX6" y="connsiteY6"/>
+              </a:cxn>
+            </a:cxnLst>
+            <a:rect l="l" t="t" r="r" b="b"/>
+            <a:pathLst>
+              <a:path w="4034316" h="3486455">
+                <a:moveTo>
+                  <a:pt x="280681" y="0"/>
+                </a:moveTo>
+                <a:lnTo>
+                  <a:pt x="4034316" y="0"/>
+                </a:lnTo>
+                <a:lnTo>
+                  <a:pt x="4034316" y="2800630"/>
+                </a:lnTo>
+                <a:lnTo>
+                  <a:pt x="3874752" y="2945652"/>
+                </a:lnTo>
+                <a:cubicBezTo>
+                  <a:pt x="3465371" y="3283503"/>
+                  <a:pt x="2940535" y="3486455"/>
+                  <a:pt x="2368296" y="3486455"/>
+                </a:cubicBezTo>
+                <a:cubicBezTo>
+                  <a:pt x="1060322" y="3486455"/>
+                  <a:pt x="0" y="2426133"/>
+                  <a:pt x="0" y="1118159"/>
+                </a:cubicBezTo>
+                <a:cubicBezTo>
+                  <a:pt x="0" y="791166"/>
+                  <a:pt x="66270" y="479650"/>
+                  <a:pt x="186113" y="196311"/>
+                </a:cubicBezTo>
+                <a:close/>
+              </a:path>
+            </a:pathLst>
+          </a:custGeom>
+        </p:spPr>
+      </p:pic>
+      <p:sp>
+        <p:nvSpPr>
+          <p:cNvPr id="36" name="Freeform: Shape 35">
+            <a:extLst>
+              <a:ext uri="{FF2B5EF4-FFF2-40B4-BE49-F238E27FC236}">
+                <a16:creationId xmlns:a16="http://schemas.microsoft.com/office/drawing/2014/main" id="{2B7592FE-10D1-4664-B623-353F47C8DF7F}"/>
+              </a:ext>
+              <a:ext uri="{C183D7F6-B498-43B3-948B-1728B52AA6E4}">
+                <adec:decorative xmlns:adec="http://schemas.microsoft.com/office/drawing/2017/decorative" val="1"/>
+              </a:ext>
+            </a:extLst>
+          </p:cNvPr>
+          <p:cNvSpPr>
+            <a:spLocks noGrp="1" noRot="1" noChangeAspect="1" noMove="1" noResize="1" noEditPoints="1" noAdjustHandles="1" noChangeArrowheads="1" noChangeShapeType="1" noTextEdit="1"/>
+          </p:cNvSpPr>
+          <p:nvPr>
+            <p:extLst>
+              <p:ext uri="{386F3935-93C4-4BCD-93E2-E3B085C9AB24}">
+                <p16:designElem xmlns:p16="http://schemas.microsoft.com/office/powerpoint/2015/main" val="1"/>
+              </p:ext>
+            </p:extLst>
+          </p:nvPr>
+        </p:nvSpPr>
+        <p:spPr>
+          <a:xfrm>
+            <a:off x="8888132" y="4032250"/>
+            <a:ext cx="3303868" cy="2825750"/>
+          </a:xfrm>
+          <a:custGeom>
+            <a:avLst/>
+            <a:gdLst>
+              <a:gd name="connsiteX0" fmla="*/ 1888600 w 3303868"/>
+              <a:gd name="connsiteY0" fmla="*/ 0 h 2825750"/>
+              <a:gd name="connsiteX1" fmla="*/ 3224042 w 3303868"/>
+              <a:gd name="connsiteY1" fmla="*/ 553158 h 2825750"/>
+              <a:gd name="connsiteX2" fmla="*/ 3303868 w 3303868"/>
+              <a:gd name="connsiteY2" fmla="*/ 640989 h 2825750"/>
+              <a:gd name="connsiteX3" fmla="*/ 3303868 w 3303868"/>
+              <a:gd name="connsiteY3" fmla="*/ 2825750 h 2825750"/>
+              <a:gd name="connsiteX4" fmla="*/ 250380 w 3303868"/>
+              <a:gd name="connsiteY4" fmla="*/ 2825750 h 2825750"/>
+              <a:gd name="connsiteX5" fmla="*/ 227944 w 3303868"/>
+              <a:gd name="connsiteY5" fmla="*/ 2788819 h 2825750"/>
+              <a:gd name="connsiteX6" fmla="*/ 0 w 3303868"/>
+              <a:gd name="connsiteY6" fmla="*/ 1888600 h 2825750"/>
+              <a:gd name="connsiteX7" fmla="*/ 1888600 w 3303868"/>
+              <a:gd name="connsiteY7" fmla="*/ 0 h 2825750"/>
+            </a:gdLst>
+            <a:ahLst/>
+            <a:cxnLst>
+              <a:cxn ang="0">
+                <a:pos x="connsiteX0" y="connsiteY0"/>
+              </a:cxn>
+              <a:cxn ang="0">
+                <a:pos x="connsiteX1" y="connsiteY1"/>
+              </a:cxn>
+              <a:cxn ang="0">
+                <a:pos x="connsiteX2" y="connsiteY2"/>
+              </a:cxn>
+              <a:cxn ang="0">
+                <a:pos x="connsiteX3" y="connsiteY3"/>
+              </a:cxn>
+              <a:cxn ang="0">
+                <a:pos x="connsiteX4" y="connsiteY4"/>
+              </a:cxn>
+              <a:cxn ang="0">
+                <a:pos x="connsiteX5" y="connsiteY5"/>
+              </a:cxn>
+              <a:cxn ang="0">
+                <a:pos x="connsiteX6" y="connsiteY6"/>
+              </a:cxn>
+              <a:cxn ang="0">
+                <a:pos x="connsiteX7" y="connsiteY7"/>
+              </a:cxn>
+            </a:cxnLst>
+            <a:rect l="l" t="t" r="r" b="b"/>
+            <a:pathLst>
+              <a:path w="3303868" h="2825750">
+                <a:moveTo>
+                  <a:pt x="1888600" y="0"/>
+                </a:moveTo>
+                <a:cubicBezTo>
+                  <a:pt x="2410123" y="0"/>
+                  <a:pt x="2882273" y="211389"/>
+                  <a:pt x="3224042" y="553158"/>
+                </a:cubicBezTo>
+                <a:lnTo>
+                  <a:pt x="3303868" y="640989"/>
+                </a:lnTo>
+                <a:lnTo>
+                  <a:pt x="3303868" y="2825750"/>
+                </a:lnTo>
+                <a:lnTo>
+                  <a:pt x="250380" y="2825750"/>
+                </a:lnTo>
+                <a:lnTo>
+                  <a:pt x="227944" y="2788819"/>
+                </a:lnTo>
+                <a:cubicBezTo>
+                  <a:pt x="82574" y="2521217"/>
+                  <a:pt x="0" y="2214552"/>
+                  <a:pt x="0" y="1888600"/>
+                </a:cubicBezTo>
+                <a:cubicBezTo>
+                  <a:pt x="0" y="845555"/>
+                  <a:pt x="845555" y="0"/>
+                  <a:pt x="1888600" y="0"/>
+                </a:cubicBezTo>
+                <a:close/>
+              </a:path>
+            </a:pathLst>
+          </a:custGeom>
+          <a:solidFill>
+            <a:srgbClr val="FFFFFF">
+              <a:alpha val="80000"/>
+            </a:srgbClr>
+          </a:solidFill>
+          <a:ln>
+            <a:noFill/>
+          </a:ln>
+        </p:spPr>
+        <p:style>
+          <a:lnRef idx="2">
+            <a:schemeClr val="accent1">
+              <a:shade val="50000"/>
+            </a:schemeClr>
+          </a:lnRef>
+          <a:fillRef idx="1">
+            <a:schemeClr val="accent1"/>
+          </a:fillRef>
+          <a:effectRef idx="0">
+            <a:schemeClr val="accent1"/>
+          </a:effectRef>
+          <a:fontRef idx="minor">
+            <a:schemeClr val="lt1"/>
+          </a:fontRef>
+        </p:style>
+        <p:txBody>
+          <a:bodyPr wrap="square" rtlCol="0" anchor="ctr">
+            <a:noAutofit/>
+          </a:bodyPr>
+          <a:lstStyle/>
+          <a:p>
+            <a:pPr marL="0" marR="0" lvl="0" indent="0" algn="ctr" defTabSz="914400" rtl="0" eaLnBrk="1" fontAlgn="auto" latinLnBrk="0" hangingPunct="1">
+              <a:lnSpc>
+                <a:spcPct val="100000"/>
+              </a:lnSpc>
+              <a:spcBef>
+                <a:spcPts val="0"/>
+              </a:spcBef>
+              <a:spcAft>
+                <a:spcPts val="0"/>
+              </a:spcAft>
+              <a:buClrTx/>
+              <a:buSzTx/>
+              <a:buFontTx/>
+              <a:buNone/>
+              <a:tabLst/>
+              <a:defRPr/>
+            </a:pPr>
+            <a:endParaRPr kumimoji="0" lang="en-US" sz="1800" b="0" i="0" u="none" strike="noStrike" kern="1200" cap="none" spc="0" normalizeH="0" baseline="0" noProof="0">
+              <a:ln>
+                <a:noFill/>
+              </a:ln>
+              <a:solidFill>
+                <a:prstClr val="white"/>
+              </a:solidFill>
+              <a:effectLst/>
+              <a:uLnTx/>
+              <a:uFillTx/>
+              <a:latin typeface="Calibri" panose="020F0502020204030204"/>
+              <a:ea typeface="+mn-ea"/>
+              <a:cs typeface="+mn-cs"/>
+            </a:endParaRPr>
+          </a:p>
+        </p:txBody>
+      </p:sp>
+      <p:pic>
+        <p:nvPicPr>
+          <p:cNvPr id="24" name="Picture 23">
+            <a:extLst>
+              <a:ext uri="{FF2B5EF4-FFF2-40B4-BE49-F238E27FC236}">
+                <a16:creationId xmlns:a16="http://schemas.microsoft.com/office/drawing/2014/main" id="{404D5251-ABEF-4AAD-BF0B-5B1EBE2DF0B0}"/>
+              </a:ext>
+            </a:extLst>
+          </p:cNvPr>
+          <p:cNvPicPr>
+            <a:picLocks noChangeAspect="1"/>
+          </p:cNvPicPr>
+          <p:nvPr/>
+        </p:nvPicPr>
+        <p:blipFill rotWithShape="1">
+          <a:blip r:embed="rId4"/>
+          <a:srcRect l="5846" r="5674" b="-4"/>
+          <a:stretch/>
+        </p:blipFill>
+        <p:spPr>
+          <a:xfrm>
+            <a:off x="9053088" y="4197217"/>
+            <a:ext cx="3138912" cy="2660795"/>
+          </a:xfrm>
+          <a:custGeom>
+            <a:avLst/>
+            <a:gdLst>
+              <a:gd name="connsiteX0" fmla="*/ 1723644 w 3138912"/>
+              <a:gd name="connsiteY0" fmla="*/ 0 h 2660795"/>
+              <a:gd name="connsiteX1" fmla="*/ 3053691 w 3138912"/>
+              <a:gd name="connsiteY1" fmla="*/ 627247 h 2660795"/>
+              <a:gd name="connsiteX2" fmla="*/ 3138912 w 3138912"/>
+              <a:gd name="connsiteY2" fmla="*/ 741211 h 2660795"/>
+              <a:gd name="connsiteX3" fmla="*/ 3138912 w 3138912"/>
+              <a:gd name="connsiteY3" fmla="*/ 2660795 h 2660795"/>
+              <a:gd name="connsiteX4" fmla="*/ 278239 w 3138912"/>
+              <a:gd name="connsiteY4" fmla="*/ 2660795 h 2660795"/>
+              <a:gd name="connsiteX5" fmla="*/ 208035 w 3138912"/>
+              <a:gd name="connsiteY5" fmla="*/ 2545235 h 2660795"/>
+              <a:gd name="connsiteX6" fmla="*/ 0 w 3138912"/>
+              <a:gd name="connsiteY6" fmla="*/ 1723644 h 2660795"/>
+              <a:gd name="connsiteX7" fmla="*/ 1723644 w 3138912"/>
+              <a:gd name="connsiteY7" fmla="*/ 0 h 2660795"/>
+            </a:gdLst>
+            <a:ahLst/>
+            <a:cxnLst>
+              <a:cxn ang="0">
+                <a:pos x="connsiteX0" y="connsiteY0"/>
+              </a:cxn>
+              <a:cxn ang="0">
+                <a:pos x="connsiteX1" y="connsiteY1"/>
+              </a:cxn>
+              <a:cxn ang="0">
+                <a:pos x="connsiteX2" y="connsiteY2"/>
+              </a:cxn>
+              <a:cxn ang="0">
+                <a:pos x="connsiteX3" y="connsiteY3"/>
+              </a:cxn>
+              <a:cxn ang="0">
+                <a:pos x="connsiteX4" y="connsiteY4"/>
+              </a:cxn>
+              <a:cxn ang="0">
+                <a:pos x="connsiteX5" y="connsiteY5"/>
+              </a:cxn>
+              <a:cxn ang="0">
+                <a:pos x="connsiteX6" y="connsiteY6"/>
+              </a:cxn>
+              <a:cxn ang="0">
+                <a:pos x="connsiteX7" y="connsiteY7"/>
+              </a:cxn>
+            </a:cxnLst>
+            <a:rect l="l" t="t" r="r" b="b"/>
+            <a:pathLst>
+              <a:path w="3138912" h="2660795">
+                <a:moveTo>
+                  <a:pt x="1723644" y="0"/>
+                </a:moveTo>
+                <a:cubicBezTo>
+                  <a:pt x="2259111" y="0"/>
+                  <a:pt x="2737550" y="244172"/>
+                  <a:pt x="3053691" y="627247"/>
+                </a:cubicBezTo>
+                <a:lnTo>
+                  <a:pt x="3138912" y="741211"/>
+                </a:lnTo>
+                <a:lnTo>
+                  <a:pt x="3138912" y="2660795"/>
+                </a:lnTo>
+                <a:lnTo>
+                  <a:pt x="278239" y="2660795"/>
+                </a:lnTo>
+                <a:lnTo>
+                  <a:pt x="208035" y="2545235"/>
+                </a:lnTo>
+                <a:cubicBezTo>
+                  <a:pt x="75362" y="2301006"/>
+                  <a:pt x="0" y="2021126"/>
+                  <a:pt x="0" y="1723644"/>
+                </a:cubicBezTo>
+                <a:cubicBezTo>
+                  <a:pt x="0" y="771702"/>
+                  <a:pt x="771702" y="0"/>
+                  <a:pt x="1723644" y="0"/>
+                </a:cubicBezTo>
+                <a:close/>
+              </a:path>
+            </a:pathLst>
+          </a:custGeom>
+        </p:spPr>
+      </p:pic>
+    </p:spTree>
+    <p:extLst>
+      <p:ext uri="{BB962C8B-B14F-4D97-AF65-F5344CB8AC3E}">
+        <p14:creationId xmlns:p14="http://schemas.microsoft.com/office/powerpoint/2010/main" val="3825649672"/>
+      </p:ext>
+    </p:extLst>
+  </p:cSld>
+  <p:clrMapOvr>
+    <a:overrideClrMapping bg1="dk1" tx1="lt1" bg2="dk2" tx2="lt2" accent1="accent1" accent2="accent2" accent3="accent3" accent4="accent4" accent5="accent5" accent6="accent6" hlink="hlink" folHlink="folHlink"/>
+  </p:clrMapOvr>
+</p:sld>
+</file>
+
+<file path=ppt/slides/slide5.xml><?xml version="1.0" encoding="utf-8"?>
+<p:sld xmlns:a="http://schemas.openxmlformats.org/drawingml/2006/main" xmlns:r="http://schemas.openxmlformats.org/officeDocument/2006/relationships" xmlns:p="http://schemas.openxmlformats.org/presentationml/2006/main">
+  <p:cSld>
+    <p:bg>
+      <p:bgPr>
+        <a:solidFill>
+          <a:schemeClr val="bg1">
+            <a:tint val="95000"/>
+            <a:satMod val="170000"/>
+          </a:schemeClr>
+        </a:solidFill>
+        <a:effectLst/>
+      </p:bgPr>
+    </p:bg>
+    <p:spTree>
+      <p:nvGrpSpPr>
+        <p:cNvPr id="1" name=""/>
+        <p:cNvGrpSpPr/>
+        <p:nvPr/>
+      </p:nvGrpSpPr>
+      <p:grpSpPr>
+        <a:xfrm>
+          <a:off x="0" y="0"/>
+          <a:ext cx="0" cy="0"/>
+          <a:chOff x="0" y="0"/>
+          <a:chExt cx="0" cy="0"/>
+        </a:xfrm>
+      </p:grpSpPr>
+      <p:sp>
+        <p:nvSpPr>
+          <p:cNvPr id="2" name="Title 1">
+            <a:extLst>
+              <a:ext uri="{FF2B5EF4-FFF2-40B4-BE49-F238E27FC236}">
+                <a16:creationId xmlns:a16="http://schemas.microsoft.com/office/drawing/2014/main" id="{449F8F1D-FF97-4676-828A-A405DB2BC3AF}"/>
+              </a:ext>
+            </a:extLst>
+          </p:cNvPr>
+          <p:cNvSpPr>
+            <a:spLocks noGrp="1"/>
+          </p:cNvSpPr>
+          <p:nvPr>
+            <p:ph type="title"/>
+          </p:nvPr>
+        </p:nvSpPr>
+        <p:spPr>
+          <a:xfrm>
+            <a:off x="704209" y="635069"/>
+            <a:ext cx="4509236" cy="1139139"/>
+          </a:xfrm>
+        </p:spPr>
+        <p:txBody>
+          <a:bodyPr>
+            <a:normAutofit/>
+          </a:bodyPr>
+          <a:lstStyle/>
+          <a:p>
+            <a:r>
+              <a:rPr lang="en-US" sz="3600"/>
+              <a:t>Other public clouds</a:t>
+            </a:r>
+            <a:endParaRPr lang="en-ZA" sz="3600"/>
+          </a:p>
+        </p:txBody>
+      </p:sp>
+      <p:sp>
+        <p:nvSpPr>
+          <p:cNvPr id="25" name="Content Placeholder 24">
+            <a:extLst>
+              <a:ext uri="{FF2B5EF4-FFF2-40B4-BE49-F238E27FC236}">
+                <a16:creationId xmlns:a16="http://schemas.microsoft.com/office/drawing/2014/main" id="{DEF2FD14-ECF5-4409-B12A-9D8E68778C62}"/>
+              </a:ext>
+            </a:extLst>
+          </p:cNvPr>
+          <p:cNvSpPr>
+            <a:spLocks noGrp="1"/>
+          </p:cNvSpPr>
+          <p:nvPr>
+            <p:ph idx="1"/>
+          </p:nvPr>
+        </p:nvSpPr>
+        <p:spPr>
+          <a:xfrm>
+            <a:off x="720992" y="1941362"/>
+            <a:ext cx="4492454" cy="2419097"/>
+          </a:xfrm>
+        </p:spPr>
+        <p:txBody>
+          <a:bodyPr anchor="t">
+            <a:normAutofit/>
+          </a:bodyPr>
+          <a:lstStyle/>
+          <a:p>
+            <a:endParaRPr lang="en-US" sz="1800"/>
+          </a:p>
+        </p:txBody>
+      </p:sp>
+      <p:sp>
+        <p:nvSpPr>
+          <p:cNvPr id="37" name="Oval 27">
+            <a:extLst>
+              <a:ext uri="{FF2B5EF4-FFF2-40B4-BE49-F238E27FC236}">
+                <a16:creationId xmlns:a16="http://schemas.microsoft.com/office/drawing/2014/main" id="{07977D39-626F-40D7-B00F-16E02602DD5A}"/>
+              </a:ext>
+              <a:ext uri="{C183D7F6-B498-43B3-948B-1728B52AA6E4}">
+                <adec:decorative xmlns:adec="http://schemas.microsoft.com/office/drawing/2017/decorative" val="1"/>
+              </a:ext>
+            </a:extLst>
+          </p:cNvPr>
+          <p:cNvSpPr>
+            <a:spLocks noGrp="1" noRot="1" noChangeAspect="1" noMove="1" noResize="1" noEditPoints="1" noAdjustHandles="1" noChangeArrowheads="1" noChangeShapeType="1" noTextEdit="1"/>
+          </p:cNvSpPr>
+          <p:nvPr>
+            <p:extLst>
+              <p:ext uri="{386F3935-93C4-4BCD-93E2-E3B085C9AB24}">
+                <p16:designElem xmlns:p16="http://schemas.microsoft.com/office/powerpoint/2015/main" val="1"/>
+              </p:ext>
+            </p:extLst>
+          </p:nvPr>
+        </p:nvSpPr>
+        <p:spPr>
+          <a:xfrm>
+            <a:off x="5549615" y="197110"/>
+            <a:ext cx="2020824" cy="2020824"/>
+          </a:xfrm>
+          <a:prstGeom prst="ellipse">
+            <a:avLst/>
+          </a:prstGeom>
+          <a:solidFill>
+            <a:srgbClr val="FFFFFF">
+              <a:alpha val="80000"/>
+            </a:srgbClr>
+          </a:solidFill>
+          <a:ln>
+            <a:noFill/>
+          </a:ln>
+        </p:spPr>
+        <p:style>
+          <a:lnRef idx="2">
+            <a:schemeClr val="accent1">
+              <a:shade val="50000"/>
+            </a:schemeClr>
+          </a:lnRef>
+          <a:fillRef idx="1">
+            <a:schemeClr val="accent1"/>
+          </a:fillRef>
+          <a:effectRef idx="0">
+            <a:schemeClr val="accent1"/>
+          </a:effectRef>
+          <a:fontRef idx="minor">
+            <a:schemeClr val="lt1"/>
+          </a:fontRef>
+        </p:style>
+        <p:txBody>
+          <a:bodyPr rtlCol="0" anchor="ctr"/>
+          <a:lstStyle/>
+          <a:p>
+            <a:pPr marL="0" marR="0" lvl="0" indent="0" algn="ctr" defTabSz="914400" rtl="0" eaLnBrk="1" fontAlgn="auto" latinLnBrk="0" hangingPunct="1">
+              <a:lnSpc>
+                <a:spcPct val="100000"/>
+              </a:lnSpc>
+              <a:spcBef>
+                <a:spcPts val="0"/>
+              </a:spcBef>
+              <a:spcAft>
+                <a:spcPts val="0"/>
+              </a:spcAft>
+              <a:buClrTx/>
+              <a:buSzTx/>
+              <a:buFontTx/>
+              <a:buNone/>
+              <a:tabLst/>
+              <a:defRPr/>
+            </a:pPr>
+            <a:endParaRPr kumimoji="0" lang="en-US" sz="1800" b="0" i="0" u="none" strike="noStrike" kern="1200" cap="none" spc="0" normalizeH="0" baseline="0" noProof="0">
+              <a:ln>
+                <a:noFill/>
+              </a:ln>
+              <a:solidFill>
+                <a:prstClr val="white"/>
+              </a:solidFill>
+              <a:effectLst/>
+              <a:uLnTx/>
+              <a:uFillTx/>
+              <a:latin typeface="Calibri" panose="020F0502020204030204"/>
+              <a:ea typeface="+mn-ea"/>
+              <a:cs typeface="+mn-cs"/>
+            </a:endParaRPr>
+          </a:p>
+        </p:txBody>
+      </p:sp>
+      <p:pic>
+        <p:nvPicPr>
+          <p:cNvPr id="10" name="Picture 9" descr="A close up of a logo&#10;&#10;Description automatically generated">
+            <a:extLst>
+              <a:ext uri="{FF2B5EF4-FFF2-40B4-BE49-F238E27FC236}">
+                <a16:creationId xmlns:a16="http://schemas.microsoft.com/office/drawing/2014/main" id="{30E4BD91-EB4A-415F-AF91-B3C6F6CD7154}"/>
+              </a:ext>
+            </a:extLst>
+          </p:cNvPr>
+          <p:cNvPicPr>
+            <a:picLocks noChangeAspect="1"/>
+          </p:cNvPicPr>
+          <p:nvPr/>
+        </p:nvPicPr>
+        <p:blipFill rotWithShape="1">
+          <a:blip r:embed="rId3"/>
+          <a:srcRect l="23385" r="22116" b="2"/>
+          <a:stretch/>
+        </p:blipFill>
+        <p:spPr>
+          <a:xfrm>
+            <a:off x="5714207" y="361702"/>
+            <a:ext cx="1691640" cy="1691640"/>
+          </a:xfrm>
+          <a:custGeom>
+            <a:avLst/>
+            <a:gdLst>
+              <a:gd name="connsiteX0" fmla="*/ 978408 w 1956816"/>
+              <a:gd name="connsiteY0" fmla="*/ 0 h 1956816"/>
+              <a:gd name="connsiteX1" fmla="*/ 1956816 w 1956816"/>
+              <a:gd name="connsiteY1" fmla="*/ 978408 h 1956816"/>
+              <a:gd name="connsiteX2" fmla="*/ 978408 w 1956816"/>
+              <a:gd name="connsiteY2" fmla="*/ 1956816 h 1956816"/>
+              <a:gd name="connsiteX3" fmla="*/ 0 w 1956816"/>
+              <a:gd name="connsiteY3" fmla="*/ 978408 h 1956816"/>
+              <a:gd name="connsiteX4" fmla="*/ 978408 w 1956816"/>
+              <a:gd name="connsiteY4" fmla="*/ 0 h 1956816"/>
+            </a:gdLst>
+            <a:ahLst/>
+            <a:cxnLst>
+              <a:cxn ang="0">
+                <a:pos x="connsiteX0" y="connsiteY0"/>
+              </a:cxn>
+              <a:cxn ang="0">
+                <a:pos x="connsiteX1" y="connsiteY1"/>
+              </a:cxn>
+              <a:cxn ang="0">
+                <a:pos x="connsiteX2" y="connsiteY2"/>
+              </a:cxn>
+              <a:cxn ang="0">
+                <a:pos x="connsiteX3" y="connsiteY3"/>
+              </a:cxn>
+              <a:cxn ang="0">
+                <a:pos x="connsiteX4" y="connsiteY4"/>
+              </a:cxn>
+            </a:cxnLst>
+            <a:rect l="l" t="t" r="r" b="b"/>
+            <a:pathLst>
+              <a:path w="1956816" h="1956816">
+                <a:moveTo>
+                  <a:pt x="978408" y="0"/>
+                </a:moveTo>
+                <a:cubicBezTo>
+                  <a:pt x="1518768" y="0"/>
+                  <a:pt x="1956816" y="438048"/>
+                  <a:pt x="1956816" y="978408"/>
+                </a:cubicBezTo>
+                <a:cubicBezTo>
+                  <a:pt x="1956816" y="1518768"/>
+                  <a:pt x="1518768" y="1956816"/>
+                  <a:pt x="978408" y="1956816"/>
+                </a:cubicBezTo>
+                <a:cubicBezTo>
+                  <a:pt x="438048" y="1956816"/>
+                  <a:pt x="0" y="1518768"/>
+                  <a:pt x="0" y="978408"/>
+                </a:cubicBezTo>
+                <a:cubicBezTo>
+                  <a:pt x="0" y="438048"/>
+                  <a:pt x="438048" y="0"/>
+                  <a:pt x="978408" y="0"/>
+                </a:cubicBezTo>
+                <a:close/>
+              </a:path>
+            </a:pathLst>
+          </a:custGeom>
+        </p:spPr>
+      </p:pic>
+      <p:sp>
+        <p:nvSpPr>
+          <p:cNvPr id="38" name="Freeform: Shape 29">
+            <a:extLst>
+              <a:ext uri="{FF2B5EF4-FFF2-40B4-BE49-F238E27FC236}">
+                <a16:creationId xmlns:a16="http://schemas.microsoft.com/office/drawing/2014/main" id="{B905CDE4-B751-4B3E-B625-6E59F8903414}"/>
+              </a:ext>
+              <a:ext uri="{C183D7F6-B498-43B3-948B-1728B52AA6E4}">
+                <adec:decorative xmlns:adec="http://schemas.microsoft.com/office/drawing/2017/decorative" val="1"/>
+              </a:ext>
+            </a:extLst>
+          </p:cNvPr>
+          <p:cNvSpPr>
+            <a:spLocks noGrp="1" noRot="1" noChangeAspect="1" noMove="1" noResize="1" noEditPoints="1" noAdjustHandles="1" noChangeArrowheads="1" noChangeShapeType="1" noTextEdit="1"/>
+          </p:cNvSpPr>
+          <p:nvPr>
+            <p:extLst>
+              <p:ext uri="{386F3935-93C4-4BCD-93E2-E3B085C9AB24}">
+                <p16:designElem xmlns:p16="http://schemas.microsoft.com/office/powerpoint/2015/main" val="1"/>
+              </p:ext>
+            </p:extLst>
+          </p:nvPr>
+        </p:nvSpPr>
+        <p:spPr>
+          <a:xfrm>
+            <a:off x="8114932" y="1"/>
+            <a:ext cx="4077068" cy="3445261"/>
+          </a:xfrm>
+          <a:custGeom>
+            <a:avLst/>
+            <a:gdLst>
+              <a:gd name="connsiteX0" fmla="*/ 250035 w 4077068"/>
+              <a:gd name="connsiteY0" fmla="*/ 0 h 3445261"/>
+              <a:gd name="connsiteX1" fmla="*/ 4077068 w 4077068"/>
+              <a:gd name="connsiteY1" fmla="*/ 0 h 3445261"/>
+              <a:gd name="connsiteX2" fmla="*/ 4077068 w 4077068"/>
+              <a:gd name="connsiteY2" fmla="*/ 2743040 h 3445261"/>
+              <a:gd name="connsiteX3" fmla="*/ 4074154 w 4077068"/>
+              <a:gd name="connsiteY3" fmla="*/ 2746247 h 3445261"/>
+              <a:gd name="connsiteX4" fmla="*/ 2386584 w 4077068"/>
+              <a:gd name="connsiteY4" fmla="*/ 3445261 h 3445261"/>
+              <a:gd name="connsiteX5" fmla="*/ 0 w 4077068"/>
+              <a:gd name="connsiteY5" fmla="*/ 1058677 h 3445261"/>
+              <a:gd name="connsiteX6" fmla="*/ 187550 w 4077068"/>
+              <a:gd name="connsiteY6" fmla="*/ 129711 h 3445261"/>
+            </a:gdLst>
+            <a:ahLst/>
+            <a:cxnLst>
+              <a:cxn ang="0">
+                <a:pos x="connsiteX0" y="connsiteY0"/>
+              </a:cxn>
+              <a:cxn ang="0">
+                <a:pos x="connsiteX1" y="connsiteY1"/>
+              </a:cxn>
+              <a:cxn ang="0">
+                <a:pos x="connsiteX2" y="connsiteY2"/>
+              </a:cxn>
+              <a:cxn ang="0">
+                <a:pos x="connsiteX3" y="connsiteY3"/>
+              </a:cxn>
+              <a:cxn ang="0">
+                <a:pos x="connsiteX4" y="connsiteY4"/>
+              </a:cxn>
+              <a:cxn ang="0">
+                <a:pos x="connsiteX5" y="connsiteY5"/>
+              </a:cxn>
+              <a:cxn ang="0">
+                <a:pos x="connsiteX6" y="connsiteY6"/>
+              </a:cxn>
+            </a:cxnLst>
+            <a:rect l="l" t="t" r="r" b="b"/>
+            <a:pathLst>
+              <a:path w="4077068" h="3445261">
+                <a:moveTo>
+                  <a:pt x="250035" y="0"/>
+                </a:moveTo>
+                <a:lnTo>
+                  <a:pt x="4077068" y="0"/>
+                </a:lnTo>
+                <a:lnTo>
+                  <a:pt x="4077068" y="2743040"/>
+                </a:lnTo>
+                <a:lnTo>
+                  <a:pt x="4074154" y="2746247"/>
+                </a:lnTo>
+                <a:cubicBezTo>
+                  <a:pt x="3642267" y="3178134"/>
+                  <a:pt x="3045621" y="3445261"/>
+                  <a:pt x="2386584" y="3445261"/>
+                </a:cubicBezTo>
+                <a:cubicBezTo>
+                  <a:pt x="1068510" y="3445261"/>
+                  <a:pt x="0" y="2376751"/>
+                  <a:pt x="0" y="1058677"/>
+                </a:cubicBezTo>
+                <a:cubicBezTo>
+                  <a:pt x="0" y="729159"/>
+                  <a:pt x="66782" y="415238"/>
+                  <a:pt x="187550" y="129711"/>
+                </a:cubicBezTo>
+                <a:close/>
+              </a:path>
+            </a:pathLst>
+          </a:custGeom>
+          <a:solidFill>
+            <a:srgbClr val="FFFFFF">
+              <a:alpha val="80000"/>
+            </a:srgbClr>
+          </a:solidFill>
+          <a:ln>
+            <a:noFill/>
+          </a:ln>
+        </p:spPr>
+        <p:style>
+          <a:lnRef idx="2">
+            <a:schemeClr val="accent1">
+              <a:shade val="50000"/>
+            </a:schemeClr>
+          </a:lnRef>
+          <a:fillRef idx="1">
+            <a:schemeClr val="accent1"/>
+          </a:fillRef>
+          <a:effectRef idx="0">
+            <a:schemeClr val="accent1"/>
+          </a:effectRef>
+          <a:fontRef idx="minor">
+            <a:schemeClr val="lt1"/>
+          </a:fontRef>
+        </p:style>
+        <p:txBody>
+          <a:bodyPr wrap="square" rtlCol="0" anchor="ctr">
+            <a:noAutofit/>
+          </a:bodyPr>
+          <a:lstStyle/>
+          <a:p>
+            <a:pPr marL="0" marR="0" lvl="0" indent="0" algn="ctr" defTabSz="914400" rtl="0" eaLnBrk="1" fontAlgn="auto" latinLnBrk="0" hangingPunct="1">
+              <a:lnSpc>
+                <a:spcPct val="100000"/>
+              </a:lnSpc>
+              <a:spcBef>
+                <a:spcPts val="0"/>
+              </a:spcBef>
+              <a:spcAft>
+                <a:spcPts val="0"/>
+              </a:spcAft>
+              <a:buClrTx/>
+              <a:buSzTx/>
+              <a:buFontTx/>
+              <a:buNone/>
+              <a:tabLst/>
+              <a:defRPr/>
+            </a:pPr>
+            <a:endParaRPr kumimoji="0" lang="en-US" sz="1800" b="0" i="0" u="none" strike="noStrike" kern="1200" cap="none" spc="0" normalizeH="0" baseline="0" noProof="0">
+              <a:ln>
+                <a:noFill/>
+              </a:ln>
+              <a:solidFill>
+                <a:prstClr val="white"/>
+              </a:solidFill>
+              <a:effectLst/>
+              <a:uLnTx/>
+              <a:uFillTx/>
+              <a:latin typeface="Calibri" panose="020F0502020204030204"/>
+              <a:ea typeface="+mn-ea"/>
+              <a:cs typeface="+mn-cs"/>
+            </a:endParaRPr>
+          </a:p>
+        </p:txBody>
+      </p:sp>
+      <p:sp>
+        <p:nvSpPr>
+          <p:cNvPr id="39" name="Oval 31">
+            <a:extLst>
+              <a:ext uri="{FF2B5EF4-FFF2-40B4-BE49-F238E27FC236}">
+                <a16:creationId xmlns:a16="http://schemas.microsoft.com/office/drawing/2014/main" id="{08108C16-F4C0-44AA-999D-17BD39219B24}"/>
+              </a:ext>
+              <a:ext uri="{C183D7F6-B498-43B3-948B-1728B52AA6E4}">
+                <adec:decorative xmlns:adec="http://schemas.microsoft.com/office/drawing/2017/decorative" val="1"/>
+              </a:ext>
+            </a:extLst>
+          </p:cNvPr>
+          <p:cNvSpPr>
+            <a:spLocks noGrp="1" noRot="1" noChangeAspect="1" noMove="1" noResize="1" noEditPoints="1" noAdjustHandles="1" noChangeArrowheads="1" noChangeShapeType="1" noTextEdit="1"/>
+          </p:cNvSpPr>
+          <p:nvPr>
+            <p:extLst>
+              <p:ext uri="{386F3935-93C4-4BCD-93E2-E3B085C9AB24}">
+                <p16:designElem xmlns:p16="http://schemas.microsoft.com/office/powerpoint/2015/main" val="1"/>
+              </p:ext>
+            </p:extLst>
+          </p:nvPr>
+        </p:nvSpPr>
+        <p:spPr>
+          <a:xfrm>
+            <a:off x="5721428" y="2550745"/>
+            <a:ext cx="3072384" cy="3072384"/>
+          </a:xfrm>
+          <a:prstGeom prst="ellipse">
+            <a:avLst/>
+          </a:prstGeom>
+          <a:solidFill>
+            <a:srgbClr val="FFFFFF">
+              <a:alpha val="80000"/>
+            </a:srgbClr>
+          </a:solidFill>
+          <a:ln>
+            <a:noFill/>
+          </a:ln>
+        </p:spPr>
+        <p:style>
+          <a:lnRef idx="2">
+            <a:schemeClr val="accent1">
+              <a:shade val="50000"/>
+            </a:schemeClr>
+          </a:lnRef>
+          <a:fillRef idx="1">
+            <a:schemeClr val="accent1"/>
+          </a:fillRef>
+          <a:effectRef idx="0">
+            <a:schemeClr val="accent1"/>
+          </a:effectRef>
+          <a:fontRef idx="minor">
+            <a:schemeClr val="lt1"/>
+          </a:fontRef>
+        </p:style>
+        <p:txBody>
+          <a:bodyPr rtlCol="0" anchor="ctr"/>
+          <a:lstStyle/>
+          <a:p>
+            <a:pPr marL="0" marR="0" lvl="0" indent="0" algn="ctr" defTabSz="914400" rtl="0" eaLnBrk="1" fontAlgn="auto" latinLnBrk="0" hangingPunct="1">
+              <a:lnSpc>
+                <a:spcPct val="100000"/>
+              </a:lnSpc>
+              <a:spcBef>
+                <a:spcPts val="0"/>
+              </a:spcBef>
+              <a:spcAft>
+                <a:spcPts val="0"/>
+              </a:spcAft>
+              <a:buClrTx/>
+              <a:buSzTx/>
+              <a:buFontTx/>
+              <a:buNone/>
+              <a:tabLst/>
+              <a:defRPr/>
+            </a:pPr>
+            <a:endParaRPr kumimoji="0" lang="en-US" sz="1800" b="0" i="0" u="none" strike="noStrike" kern="1200" cap="none" spc="0" normalizeH="0" baseline="0" noProof="0">
+              <a:ln>
+                <a:noFill/>
+              </a:ln>
+              <a:solidFill>
+                <a:prstClr val="white"/>
+              </a:solidFill>
+              <a:effectLst/>
+              <a:uLnTx/>
+              <a:uFillTx/>
+              <a:latin typeface="Calibri" panose="020F0502020204030204"/>
+              <a:ea typeface="+mn-ea"/>
+              <a:cs typeface="+mn-cs"/>
+            </a:endParaRPr>
+          </a:p>
+        </p:txBody>
+      </p:sp>
+      <p:pic>
+        <p:nvPicPr>
+          <p:cNvPr id="13" name="Content Placeholder 12" descr="A close up of a logo&#10;&#10;Description automatically generated">
+            <a:extLst>
+              <a:ext uri="{FF2B5EF4-FFF2-40B4-BE49-F238E27FC236}">
+                <a16:creationId xmlns:a16="http://schemas.microsoft.com/office/drawing/2014/main" id="{A83F6C43-AE7F-4698-9C90-0CF23B6E6FF1}"/>
+              </a:ext>
+            </a:extLst>
+          </p:cNvPr>
+          <p:cNvPicPr>
+            <a:picLocks noChangeAspect="1"/>
+          </p:cNvPicPr>
+          <p:nvPr/>
+        </p:nvPicPr>
+        <p:blipFill rotWithShape="1">
+          <a:blip r:embed="rId4"/>
+          <a:srcRect l="9642" r="19861" b="3"/>
+          <a:stretch/>
+        </p:blipFill>
+        <p:spPr>
+          <a:xfrm>
+            <a:off x="5886020" y="2715337"/>
+            <a:ext cx="2743200" cy="2743200"/>
+          </a:xfrm>
+          <a:custGeom>
+            <a:avLst/>
+            <a:gdLst>
+              <a:gd name="connsiteX0" fmla="*/ 1417320 w 2834640"/>
+              <a:gd name="connsiteY0" fmla="*/ 0 h 2834640"/>
+              <a:gd name="connsiteX1" fmla="*/ 2834640 w 2834640"/>
+              <a:gd name="connsiteY1" fmla="*/ 1417320 h 2834640"/>
+              <a:gd name="connsiteX2" fmla="*/ 1417320 w 2834640"/>
+              <a:gd name="connsiteY2" fmla="*/ 2834640 h 2834640"/>
+              <a:gd name="connsiteX3" fmla="*/ 0 w 2834640"/>
+              <a:gd name="connsiteY3" fmla="*/ 1417320 h 2834640"/>
+              <a:gd name="connsiteX4" fmla="*/ 1417320 w 2834640"/>
+              <a:gd name="connsiteY4" fmla="*/ 0 h 2834640"/>
+            </a:gdLst>
+            <a:ahLst/>
+            <a:cxnLst>
+              <a:cxn ang="0">
+                <a:pos x="connsiteX0" y="connsiteY0"/>
+              </a:cxn>
+              <a:cxn ang="0">
+                <a:pos x="connsiteX1" y="connsiteY1"/>
+              </a:cxn>
+              <a:cxn ang="0">
+                <a:pos x="connsiteX2" y="connsiteY2"/>
+              </a:cxn>
+              <a:cxn ang="0">
+                <a:pos x="connsiteX3" y="connsiteY3"/>
+              </a:cxn>
+              <a:cxn ang="0">
+                <a:pos x="connsiteX4" y="connsiteY4"/>
+              </a:cxn>
+            </a:cxnLst>
+            <a:rect l="l" t="t" r="r" b="b"/>
+            <a:pathLst>
+              <a:path w="2834640" h="2834640">
+                <a:moveTo>
+                  <a:pt x="1417320" y="0"/>
+                </a:moveTo>
+                <a:cubicBezTo>
+                  <a:pt x="2200084" y="0"/>
+                  <a:pt x="2834640" y="634556"/>
+                  <a:pt x="2834640" y="1417320"/>
+                </a:cubicBezTo>
+                <a:cubicBezTo>
+                  <a:pt x="2834640" y="2200084"/>
+                  <a:pt x="2200084" y="2834640"/>
+                  <a:pt x="1417320" y="2834640"/>
+                </a:cubicBezTo>
+                <a:cubicBezTo>
+                  <a:pt x="634556" y="2834640"/>
+                  <a:pt x="0" y="2200084"/>
+                  <a:pt x="0" y="1417320"/>
+                </a:cubicBezTo>
+                <a:cubicBezTo>
+                  <a:pt x="0" y="634556"/>
+                  <a:pt x="634556" y="0"/>
+                  <a:pt x="1417320" y="0"/>
+                </a:cubicBezTo>
+                <a:close/>
+              </a:path>
+            </a:pathLst>
+          </a:custGeom>
+        </p:spPr>
+      </p:pic>
+      <p:pic>
+        <p:nvPicPr>
+          <p:cNvPr id="9" name="Picture 8" descr="A picture containing object&#10;&#10;Description automatically generated">
+            <a:extLst>
+              <a:ext uri="{FF2B5EF4-FFF2-40B4-BE49-F238E27FC236}">
+                <a16:creationId xmlns:a16="http://schemas.microsoft.com/office/drawing/2014/main" id="{E55D448B-1006-4AE5-BBFC-D4228F1B4C22}"/>
+              </a:ext>
+            </a:extLst>
+          </p:cNvPr>
+          <p:cNvPicPr>
+            <a:picLocks noChangeAspect="1"/>
+          </p:cNvPicPr>
+          <p:nvPr/>
+        </p:nvPicPr>
+        <p:blipFill rotWithShape="1">
+          <a:blip r:embed="rId5"/>
+          <a:srcRect l="4700" r="4670" b="3"/>
+          <a:stretch/>
+        </p:blipFill>
+        <p:spPr>
+          <a:xfrm>
+            <a:off x="8278624" y="2"/>
+            <a:ext cx="3913376" cy="3281569"/>
+          </a:xfrm>
+          <a:custGeom>
+            <a:avLst/>
+            <a:gdLst>
+              <a:gd name="connsiteX0" fmla="*/ 267865 w 3913376"/>
+              <a:gd name="connsiteY0" fmla="*/ 0 h 3281569"/>
+              <a:gd name="connsiteX1" fmla="*/ 3913376 w 3913376"/>
+              <a:gd name="connsiteY1" fmla="*/ 0 h 3281569"/>
+              <a:gd name="connsiteX2" fmla="*/ 3913376 w 3913376"/>
+              <a:gd name="connsiteY2" fmla="*/ 2499938 h 3281569"/>
+              <a:gd name="connsiteX3" fmla="*/ 3794714 w 3913376"/>
+              <a:gd name="connsiteY3" fmla="*/ 2630499 h 3281569"/>
+              <a:gd name="connsiteX4" fmla="*/ 2222892 w 3913376"/>
+              <a:gd name="connsiteY4" fmla="*/ 3281569 h 3281569"/>
+              <a:gd name="connsiteX5" fmla="*/ 0 w 3913376"/>
+              <a:gd name="connsiteY5" fmla="*/ 1058677 h 3281569"/>
+              <a:gd name="connsiteX6" fmla="*/ 174686 w 3913376"/>
+              <a:gd name="connsiteY6" fmla="*/ 193427 h 3281569"/>
+            </a:gdLst>
+            <a:ahLst/>
+            <a:cxnLst>
+              <a:cxn ang="0">
+                <a:pos x="connsiteX0" y="connsiteY0"/>
+              </a:cxn>
+              <a:cxn ang="0">
+                <a:pos x="connsiteX1" y="connsiteY1"/>
+              </a:cxn>
+              <a:cxn ang="0">
+                <a:pos x="connsiteX2" y="connsiteY2"/>
+              </a:cxn>
+              <a:cxn ang="0">
+                <a:pos x="connsiteX3" y="connsiteY3"/>
+              </a:cxn>
+              <a:cxn ang="0">
+                <a:pos x="connsiteX4" y="connsiteY4"/>
+              </a:cxn>
+              <a:cxn ang="0">
+                <a:pos x="connsiteX5" y="connsiteY5"/>
+              </a:cxn>
+              <a:cxn ang="0">
+                <a:pos x="connsiteX6" y="connsiteY6"/>
+              </a:cxn>
+            </a:cxnLst>
+            <a:rect l="l" t="t" r="r" b="b"/>
+            <a:pathLst>
+              <a:path w="3913376" h="3281569">
+                <a:moveTo>
+                  <a:pt x="267865" y="0"/>
+                </a:moveTo>
+                <a:lnTo>
+                  <a:pt x="3913376" y="0"/>
+                </a:lnTo>
+                <a:lnTo>
+                  <a:pt x="3913376" y="2499938"/>
+                </a:lnTo>
+                <a:lnTo>
+                  <a:pt x="3794714" y="2630499"/>
+                </a:lnTo>
+                <a:cubicBezTo>
+                  <a:pt x="3392450" y="3032763"/>
+                  <a:pt x="2836727" y="3281569"/>
+                  <a:pt x="2222892" y="3281569"/>
+                </a:cubicBezTo>
+                <a:cubicBezTo>
+                  <a:pt x="995223" y="3281569"/>
+                  <a:pt x="0" y="2286346"/>
+                  <a:pt x="0" y="1058677"/>
+                </a:cubicBezTo>
+                <a:cubicBezTo>
+                  <a:pt x="0" y="751760"/>
+                  <a:pt x="62202" y="459370"/>
+                  <a:pt x="174686" y="193427"/>
+                </a:cubicBezTo>
+                <a:close/>
+              </a:path>
+            </a:pathLst>
+          </a:custGeom>
+        </p:spPr>
+      </p:pic>
+      <p:sp>
+        <p:nvSpPr>
+          <p:cNvPr id="40" name="Freeform: Shape 33">
+            <a:extLst>
+              <a:ext uri="{FF2B5EF4-FFF2-40B4-BE49-F238E27FC236}">
+                <a16:creationId xmlns:a16="http://schemas.microsoft.com/office/drawing/2014/main" id="{CDC29AC1-2821-4FCC-B597-88DAF39C36FE}"/>
+              </a:ext>
+              <a:ext uri="{C183D7F6-B498-43B3-948B-1728B52AA6E4}">
+                <adec:decorative xmlns:adec="http://schemas.microsoft.com/office/drawing/2017/decorative" val="1"/>
+              </a:ext>
+            </a:extLst>
+          </p:cNvPr>
+          <p:cNvSpPr>
+            <a:spLocks noGrp="1" noRot="1" noChangeAspect="1" noMove="1" noResize="1" noEditPoints="1" noAdjustHandles="1" noChangeArrowheads="1" noChangeShapeType="1" noTextEdit="1"/>
+          </p:cNvSpPr>
+          <p:nvPr>
+            <p:extLst>
+              <p:ext uri="{386F3935-93C4-4BCD-93E2-E3B085C9AB24}">
+                <p16:designElem xmlns:p16="http://schemas.microsoft.com/office/powerpoint/2015/main" val="1"/>
+              </p:ext>
+            </p:extLst>
+          </p:nvPr>
+        </p:nvSpPr>
+        <p:spPr>
+          <a:xfrm>
+            <a:off x="1653162" y="4604085"/>
+            <a:ext cx="4281112" cy="2253913"/>
+          </a:xfrm>
+          <a:custGeom>
+            <a:avLst/>
+            <a:gdLst>
+              <a:gd name="connsiteX0" fmla="*/ 2140556 w 4281112"/>
+              <a:gd name="connsiteY0" fmla="*/ 0 h 2253913"/>
+              <a:gd name="connsiteX1" fmla="*/ 4281112 w 4281112"/>
+              <a:gd name="connsiteY1" fmla="*/ 2140556 h 2253913"/>
+              <a:gd name="connsiteX2" fmla="*/ 4275388 w 4281112"/>
+              <a:gd name="connsiteY2" fmla="*/ 2253913 h 2253913"/>
+              <a:gd name="connsiteX3" fmla="*/ 5724 w 4281112"/>
+              <a:gd name="connsiteY3" fmla="*/ 2253913 h 2253913"/>
+              <a:gd name="connsiteX4" fmla="*/ 0 w 4281112"/>
+              <a:gd name="connsiteY4" fmla="*/ 2140556 h 2253913"/>
+              <a:gd name="connsiteX5" fmla="*/ 2140556 w 4281112"/>
+              <a:gd name="connsiteY5" fmla="*/ 0 h 2253913"/>
+            </a:gdLst>
+            <a:ahLst/>
+            <a:cxnLst>
+              <a:cxn ang="0">
+                <a:pos x="connsiteX0" y="connsiteY0"/>
+              </a:cxn>
+              <a:cxn ang="0">
+                <a:pos x="connsiteX1" y="connsiteY1"/>
+              </a:cxn>
+              <a:cxn ang="0">
+                <a:pos x="connsiteX2" y="connsiteY2"/>
+              </a:cxn>
+              <a:cxn ang="0">
+                <a:pos x="connsiteX3" y="connsiteY3"/>
+              </a:cxn>
+              <a:cxn ang="0">
+                <a:pos x="connsiteX4" y="connsiteY4"/>
+              </a:cxn>
+              <a:cxn ang="0">
+                <a:pos x="connsiteX5" y="connsiteY5"/>
+              </a:cxn>
+            </a:cxnLst>
+            <a:rect l="l" t="t" r="r" b="b"/>
+            <a:pathLst>
+              <a:path w="4281112" h="2253913">
+                <a:moveTo>
+                  <a:pt x="2140556" y="0"/>
+                </a:moveTo>
+                <a:cubicBezTo>
+                  <a:pt x="3322752" y="0"/>
+                  <a:pt x="4281112" y="958360"/>
+                  <a:pt x="4281112" y="2140556"/>
+                </a:cubicBezTo>
+                <a:lnTo>
+                  <a:pt x="4275388" y="2253913"/>
+                </a:lnTo>
+                <a:lnTo>
+                  <a:pt x="5724" y="2253913"/>
+                </a:lnTo>
+                <a:lnTo>
+                  <a:pt x="0" y="2140556"/>
+                </a:lnTo>
+                <a:cubicBezTo>
+                  <a:pt x="0" y="958360"/>
+                  <a:pt x="958360" y="0"/>
+                  <a:pt x="2140556" y="0"/>
+                </a:cubicBezTo>
+                <a:close/>
+              </a:path>
+            </a:pathLst>
+          </a:custGeom>
+          <a:solidFill>
+            <a:srgbClr val="FFFFFF">
+              <a:alpha val="80000"/>
+            </a:srgbClr>
+          </a:solidFill>
+          <a:ln>
+            <a:noFill/>
+          </a:ln>
+        </p:spPr>
+        <p:style>
+          <a:lnRef idx="2">
+            <a:schemeClr val="accent1">
+              <a:shade val="50000"/>
+            </a:schemeClr>
+          </a:lnRef>
+          <a:fillRef idx="1">
+            <a:schemeClr val="accent1"/>
+          </a:fillRef>
+          <a:effectRef idx="0">
+            <a:schemeClr val="accent1"/>
+          </a:effectRef>
+          <a:fontRef idx="minor">
+            <a:schemeClr val="lt1"/>
+          </a:fontRef>
+        </p:style>
+        <p:txBody>
+          <a:bodyPr wrap="square" rtlCol="0" anchor="ctr">
+            <a:noAutofit/>
+          </a:bodyPr>
+          <a:lstStyle/>
+          <a:p>
+            <a:pPr marL="0" marR="0" lvl="0" indent="0" algn="ctr" defTabSz="914400" rtl="0" eaLnBrk="1" fontAlgn="auto" latinLnBrk="0" hangingPunct="1">
+              <a:lnSpc>
+                <a:spcPct val="100000"/>
+              </a:lnSpc>
+              <a:spcBef>
+                <a:spcPts val="0"/>
+              </a:spcBef>
+              <a:spcAft>
+                <a:spcPts val="0"/>
+              </a:spcAft>
+              <a:buClrTx/>
+              <a:buSzTx/>
+              <a:buFontTx/>
+              <a:buNone/>
+              <a:tabLst/>
+              <a:defRPr/>
+            </a:pPr>
+            <a:endParaRPr kumimoji="0" lang="en-US" sz="1800" b="0" i="0" u="none" strike="noStrike" kern="1200" cap="none" spc="0" normalizeH="0" baseline="0" noProof="0">
+              <a:ln>
+                <a:noFill/>
+              </a:ln>
+              <a:solidFill>
+                <a:prstClr val="white"/>
+              </a:solidFill>
+              <a:effectLst/>
+              <a:uLnTx/>
+              <a:uFillTx/>
+              <a:latin typeface="Calibri" panose="020F0502020204030204"/>
+              <a:ea typeface="+mn-ea"/>
+              <a:cs typeface="+mn-cs"/>
+            </a:endParaRPr>
+          </a:p>
+        </p:txBody>
+      </p:sp>
+      <p:pic>
+        <p:nvPicPr>
+          <p:cNvPr id="7" name="Picture 6" descr="A close up of a sign&#10;&#10;Description automatically generated">
+            <a:extLst>
+              <a:ext uri="{FF2B5EF4-FFF2-40B4-BE49-F238E27FC236}">
+                <a16:creationId xmlns:a16="http://schemas.microsoft.com/office/drawing/2014/main" id="{3CD854BD-761B-496E-9269-D36486D333E2}"/>
+              </a:ext>
+            </a:extLst>
+          </p:cNvPr>
+          <p:cNvPicPr>
+            <a:picLocks noChangeAspect="1"/>
+          </p:cNvPicPr>
+          <p:nvPr/>
+        </p:nvPicPr>
+        <p:blipFill rotWithShape="1">
+          <a:blip r:embed="rId6"/>
+          <a:srcRect t="20250" r="5" b="26883"/>
+          <a:stretch/>
+        </p:blipFill>
+        <p:spPr>
+          <a:xfrm>
+            <a:off x="1818614" y="4769536"/>
+            <a:ext cx="3950208" cy="2088462"/>
+          </a:xfrm>
+          <a:custGeom>
+            <a:avLst/>
+            <a:gdLst>
+              <a:gd name="connsiteX0" fmla="*/ 1975104 w 3950208"/>
+              <a:gd name="connsiteY0" fmla="*/ 0 h 2088462"/>
+              <a:gd name="connsiteX1" fmla="*/ 3950208 w 3950208"/>
+              <a:gd name="connsiteY1" fmla="*/ 1975104 h 2088462"/>
+              <a:gd name="connsiteX2" fmla="*/ 3944484 w 3950208"/>
+              <a:gd name="connsiteY2" fmla="*/ 2088462 h 2088462"/>
+              <a:gd name="connsiteX3" fmla="*/ 5724 w 3950208"/>
+              <a:gd name="connsiteY3" fmla="*/ 2088462 h 2088462"/>
+              <a:gd name="connsiteX4" fmla="*/ 0 w 3950208"/>
+              <a:gd name="connsiteY4" fmla="*/ 1975104 h 2088462"/>
+              <a:gd name="connsiteX5" fmla="*/ 1975104 w 3950208"/>
+              <a:gd name="connsiteY5" fmla="*/ 0 h 2088462"/>
+            </a:gdLst>
+            <a:ahLst/>
+            <a:cxnLst>
+              <a:cxn ang="0">
+                <a:pos x="connsiteX0" y="connsiteY0"/>
+              </a:cxn>
+              <a:cxn ang="0">
+                <a:pos x="connsiteX1" y="connsiteY1"/>
+              </a:cxn>
+              <a:cxn ang="0">
+                <a:pos x="connsiteX2" y="connsiteY2"/>
+              </a:cxn>
+              <a:cxn ang="0">
+                <a:pos x="connsiteX3" y="connsiteY3"/>
+              </a:cxn>
+              <a:cxn ang="0">
+                <a:pos x="connsiteX4" y="connsiteY4"/>
+              </a:cxn>
+              <a:cxn ang="0">
+                <a:pos x="connsiteX5" y="connsiteY5"/>
+              </a:cxn>
+            </a:cxnLst>
+            <a:rect l="l" t="t" r="r" b="b"/>
+            <a:pathLst>
+              <a:path w="3950208" h="2088462">
+                <a:moveTo>
+                  <a:pt x="1975104" y="0"/>
+                </a:moveTo>
+                <a:cubicBezTo>
+                  <a:pt x="3065924" y="0"/>
+                  <a:pt x="3950208" y="884284"/>
+                  <a:pt x="3950208" y="1975104"/>
+                </a:cubicBezTo>
+                <a:lnTo>
+                  <a:pt x="3944484" y="2088462"/>
+                </a:lnTo>
+                <a:lnTo>
+                  <a:pt x="5724" y="2088462"/>
+                </a:lnTo>
+                <a:lnTo>
+                  <a:pt x="0" y="1975104"/>
+                </a:lnTo>
+                <a:cubicBezTo>
+                  <a:pt x="0" y="884284"/>
+                  <a:pt x="884284" y="0"/>
+                  <a:pt x="1975104" y="0"/>
+                </a:cubicBezTo>
+                <a:close/>
+              </a:path>
+            </a:pathLst>
+          </a:custGeom>
+        </p:spPr>
+      </p:pic>
+      <p:sp>
+        <p:nvSpPr>
+          <p:cNvPr id="36" name="Freeform: Shape 35">
+            <a:extLst>
+              <a:ext uri="{FF2B5EF4-FFF2-40B4-BE49-F238E27FC236}">
+                <a16:creationId xmlns:a16="http://schemas.microsoft.com/office/drawing/2014/main" id="{C8F10CB3-3B5E-4C7A-98CF-B87454DDFA39}"/>
+              </a:ext>
+              <a:ext uri="{C183D7F6-B498-43B3-948B-1728B52AA6E4}">
+                <adec:decorative xmlns:adec="http://schemas.microsoft.com/office/drawing/2017/decorative" val="1"/>
+              </a:ext>
+            </a:extLst>
+          </p:cNvPr>
+          <p:cNvSpPr>
+            <a:spLocks noGrp="1" noRot="1" noChangeAspect="1" noMove="1" noResize="1" noEditPoints="1" noAdjustHandles="1" noChangeArrowheads="1" noChangeShapeType="1" noTextEdit="1"/>
+          </p:cNvSpPr>
+          <p:nvPr>
+            <p:extLst>
+              <p:ext uri="{386F3935-93C4-4BCD-93E2-E3B085C9AB24}">
+                <p16:designElem xmlns:p16="http://schemas.microsoft.com/office/powerpoint/2015/main" val="1"/>
+              </p:ext>
+            </p:extLst>
+          </p:nvPr>
+        </p:nvSpPr>
+        <p:spPr>
+          <a:xfrm>
+            <a:off x="8848370" y="3966828"/>
+            <a:ext cx="3339958" cy="2891173"/>
+          </a:xfrm>
+          <a:custGeom>
+            <a:avLst/>
+            <a:gdLst>
+              <a:gd name="connsiteX0" fmla="*/ 2002536 w 3339958"/>
+              <a:gd name="connsiteY0" fmla="*/ 0 h 2891173"/>
+              <a:gd name="connsiteX1" fmla="*/ 3276335 w 3339958"/>
+              <a:gd name="connsiteY1" fmla="*/ 457282 h 2891173"/>
+              <a:gd name="connsiteX2" fmla="*/ 3339958 w 3339958"/>
+              <a:gd name="connsiteY2" fmla="*/ 515107 h 2891173"/>
+              <a:gd name="connsiteX3" fmla="*/ 3339958 w 3339958"/>
+              <a:gd name="connsiteY3" fmla="*/ 2891173 h 2891173"/>
+              <a:gd name="connsiteX4" fmla="*/ 209954 w 3339958"/>
+              <a:gd name="connsiteY4" fmla="*/ 2891173 h 2891173"/>
+              <a:gd name="connsiteX5" fmla="*/ 157369 w 3339958"/>
+              <a:gd name="connsiteY5" fmla="*/ 2782014 h 2891173"/>
+              <a:gd name="connsiteX6" fmla="*/ 0 w 3339958"/>
+              <a:gd name="connsiteY6" fmla="*/ 2002536 h 2891173"/>
+              <a:gd name="connsiteX7" fmla="*/ 2002536 w 3339958"/>
+              <a:gd name="connsiteY7" fmla="*/ 0 h 2891173"/>
+            </a:gdLst>
+            <a:ahLst/>
+            <a:cxnLst>
+              <a:cxn ang="0">
+                <a:pos x="connsiteX0" y="connsiteY0"/>
+              </a:cxn>
+              <a:cxn ang="0">
+                <a:pos x="connsiteX1" y="connsiteY1"/>
+              </a:cxn>
+              <a:cxn ang="0">
+                <a:pos x="connsiteX2" y="connsiteY2"/>
+              </a:cxn>
+              <a:cxn ang="0">
+                <a:pos x="connsiteX3" y="connsiteY3"/>
+              </a:cxn>
+              <a:cxn ang="0">
+                <a:pos x="connsiteX4" y="connsiteY4"/>
+              </a:cxn>
+              <a:cxn ang="0">
+                <a:pos x="connsiteX5" y="connsiteY5"/>
+              </a:cxn>
+              <a:cxn ang="0">
+                <a:pos x="connsiteX6" y="connsiteY6"/>
+              </a:cxn>
+              <a:cxn ang="0">
+                <a:pos x="connsiteX7" y="connsiteY7"/>
+              </a:cxn>
+            </a:cxnLst>
+            <a:rect l="l" t="t" r="r" b="b"/>
+            <a:pathLst>
+              <a:path w="3339958" h="2891173">
+                <a:moveTo>
+                  <a:pt x="2002536" y="0"/>
+                </a:moveTo>
+                <a:cubicBezTo>
+                  <a:pt x="2486398" y="0"/>
+                  <a:pt x="2930179" y="171609"/>
+                  <a:pt x="3276335" y="457282"/>
+                </a:cubicBezTo>
+                <a:lnTo>
+                  <a:pt x="3339958" y="515107"/>
+                </a:lnTo>
+                <a:lnTo>
+                  <a:pt x="3339958" y="2891173"/>
+                </a:lnTo>
+                <a:lnTo>
+                  <a:pt x="209954" y="2891173"/>
+                </a:lnTo>
+                <a:lnTo>
+                  <a:pt x="157369" y="2782014"/>
+                </a:lnTo>
+                <a:cubicBezTo>
+                  <a:pt x="56036" y="2542434"/>
+                  <a:pt x="0" y="2279029"/>
+                  <a:pt x="0" y="2002536"/>
+                </a:cubicBezTo>
+                <a:cubicBezTo>
+                  <a:pt x="0" y="896566"/>
+                  <a:pt x="896566" y="0"/>
+                  <a:pt x="2002536" y="0"/>
+                </a:cubicBezTo>
+                <a:close/>
+              </a:path>
+            </a:pathLst>
+          </a:custGeom>
+          <a:solidFill>
+            <a:srgbClr val="FFFFFF">
+              <a:alpha val="80000"/>
+            </a:srgbClr>
+          </a:solidFill>
+          <a:ln>
+            <a:noFill/>
+          </a:ln>
+        </p:spPr>
+        <p:style>
+          <a:lnRef idx="2">
+            <a:schemeClr val="accent1">
+              <a:shade val="50000"/>
+            </a:schemeClr>
+          </a:lnRef>
+          <a:fillRef idx="1">
+            <a:schemeClr val="accent1"/>
+          </a:fillRef>
+          <a:effectRef idx="0">
+            <a:schemeClr val="accent1"/>
+          </a:effectRef>
+          <a:fontRef idx="minor">
+            <a:schemeClr val="lt1"/>
+          </a:fontRef>
+        </p:style>
+        <p:txBody>
+          <a:bodyPr wrap="square" rtlCol="0" anchor="ctr">
+            <a:noAutofit/>
+          </a:bodyPr>
+          <a:lstStyle/>
+          <a:p>
+            <a:pPr marL="0" marR="0" lvl="0" indent="0" algn="ctr" defTabSz="914400" rtl="0" eaLnBrk="1" fontAlgn="auto" latinLnBrk="0" hangingPunct="1">
+              <a:lnSpc>
+                <a:spcPct val="100000"/>
+              </a:lnSpc>
+              <a:spcBef>
+                <a:spcPts val="0"/>
+              </a:spcBef>
+              <a:spcAft>
+                <a:spcPts val="0"/>
+              </a:spcAft>
+              <a:buClrTx/>
+              <a:buSzTx/>
+              <a:buFontTx/>
+              <a:buNone/>
+              <a:tabLst/>
+              <a:defRPr/>
+            </a:pPr>
+            <a:endParaRPr kumimoji="0" lang="en-US" sz="1800" b="0" i="0" u="none" strike="noStrike" kern="1200" cap="none" spc="0" normalizeH="0" baseline="0" noProof="0" dirty="0">
+              <a:ln>
+                <a:noFill/>
+              </a:ln>
+              <a:solidFill>
+                <a:prstClr val="white"/>
+              </a:solidFill>
+              <a:effectLst/>
+              <a:uLnTx/>
+              <a:uFillTx/>
+              <a:latin typeface="Calibri" panose="020F0502020204030204"/>
+              <a:ea typeface="+mn-ea"/>
+              <a:cs typeface="+mn-cs"/>
+            </a:endParaRPr>
+          </a:p>
+        </p:txBody>
+      </p:sp>
+      <p:pic>
+        <p:nvPicPr>
+          <p:cNvPr id="6" name="Picture 5" descr="A close up of a logo&#10;&#10;Description automatically generated">
+            <a:extLst>
+              <a:ext uri="{FF2B5EF4-FFF2-40B4-BE49-F238E27FC236}">
+                <a16:creationId xmlns:a16="http://schemas.microsoft.com/office/drawing/2014/main" id="{27E12290-80C9-460E-B69A-8005D9D76BD4}"/>
+              </a:ext>
+            </a:extLst>
+          </p:cNvPr>
+          <p:cNvPicPr>
+            <a:picLocks noChangeAspect="1"/>
+          </p:cNvPicPr>
+          <p:nvPr/>
+        </p:nvPicPr>
+        <p:blipFill rotWithShape="1">
+          <a:blip r:embed="rId7"/>
+          <a:srcRect t="14234" r="-4" b="-4"/>
+          <a:stretch/>
+        </p:blipFill>
+        <p:spPr>
+          <a:xfrm>
+            <a:off x="9009416" y="4131546"/>
+            <a:ext cx="3178912" cy="2726454"/>
+          </a:xfrm>
+          <a:custGeom>
+            <a:avLst/>
+            <a:gdLst>
+              <a:gd name="connsiteX0" fmla="*/ 1837818 w 3178912"/>
+              <a:gd name="connsiteY0" fmla="*/ 0 h 2726454"/>
+              <a:gd name="connsiteX1" fmla="*/ 3137352 w 3178912"/>
+              <a:gd name="connsiteY1" fmla="*/ 538285 h 2726454"/>
+              <a:gd name="connsiteX2" fmla="*/ 3178912 w 3178912"/>
+              <a:gd name="connsiteY2" fmla="*/ 584013 h 2726454"/>
+              <a:gd name="connsiteX3" fmla="*/ 3178912 w 3178912"/>
+              <a:gd name="connsiteY3" fmla="*/ 2726454 h 2726454"/>
+              <a:gd name="connsiteX4" fmla="*/ 229483 w 3178912"/>
+              <a:gd name="connsiteY4" fmla="*/ 2726454 h 2726454"/>
+              <a:gd name="connsiteX5" fmla="*/ 221815 w 3178912"/>
+              <a:gd name="connsiteY5" fmla="*/ 2713832 h 2726454"/>
+              <a:gd name="connsiteX6" fmla="*/ 0 w 3178912"/>
+              <a:gd name="connsiteY6" fmla="*/ 1837818 h 2726454"/>
+              <a:gd name="connsiteX7" fmla="*/ 1837818 w 3178912"/>
+              <a:gd name="connsiteY7" fmla="*/ 0 h 2726454"/>
+            </a:gdLst>
+            <a:ahLst/>
+            <a:cxnLst>
+              <a:cxn ang="0">
+                <a:pos x="connsiteX0" y="connsiteY0"/>
+              </a:cxn>
+              <a:cxn ang="0">
+                <a:pos x="connsiteX1" y="connsiteY1"/>
+              </a:cxn>
+              <a:cxn ang="0">
+                <a:pos x="connsiteX2" y="connsiteY2"/>
+              </a:cxn>
+              <a:cxn ang="0">
+                <a:pos x="connsiteX3" y="connsiteY3"/>
+              </a:cxn>
+              <a:cxn ang="0">
+                <a:pos x="connsiteX4" y="connsiteY4"/>
+              </a:cxn>
+              <a:cxn ang="0">
+                <a:pos x="connsiteX5" y="connsiteY5"/>
+              </a:cxn>
+              <a:cxn ang="0">
+                <a:pos x="connsiteX6" y="connsiteY6"/>
+              </a:cxn>
+              <a:cxn ang="0">
+                <a:pos x="connsiteX7" y="connsiteY7"/>
+              </a:cxn>
+            </a:cxnLst>
+            <a:rect l="l" t="t" r="r" b="b"/>
+            <a:pathLst>
+              <a:path w="3178912" h="2726454">
+                <a:moveTo>
+                  <a:pt x="1837818" y="0"/>
+                </a:moveTo>
+                <a:cubicBezTo>
+                  <a:pt x="2345318" y="0"/>
+                  <a:pt x="2804772" y="205705"/>
+                  <a:pt x="3137352" y="538285"/>
+                </a:cubicBezTo>
+                <a:lnTo>
+                  <a:pt x="3178912" y="584013"/>
+                </a:lnTo>
+                <a:lnTo>
+                  <a:pt x="3178912" y="2726454"/>
+                </a:lnTo>
+                <a:lnTo>
+                  <a:pt x="229483" y="2726454"/>
+                </a:lnTo>
+                <a:lnTo>
+                  <a:pt x="221815" y="2713832"/>
+                </a:lnTo>
+                <a:cubicBezTo>
+                  <a:pt x="80353" y="2453425"/>
+                  <a:pt x="0" y="2155005"/>
+                  <a:pt x="0" y="1837818"/>
+                </a:cubicBezTo>
+                <a:cubicBezTo>
+                  <a:pt x="0" y="822819"/>
+                  <a:pt x="822819" y="0"/>
+                  <a:pt x="1837818" y="0"/>
+                </a:cubicBezTo>
+                <a:close/>
+              </a:path>
+            </a:pathLst>
+          </a:custGeom>
+        </p:spPr>
+      </p:pic>
+      <p:sp>
+        <p:nvSpPr>
+          <p:cNvPr id="4" name="Title 1">
+            <a:extLst>
+              <a:ext uri="{FF2B5EF4-FFF2-40B4-BE49-F238E27FC236}">
+                <a16:creationId xmlns:a16="http://schemas.microsoft.com/office/drawing/2014/main" id="{8EFF5C31-D8F3-400F-ADC6-62EEB00D2FF8}"/>
+              </a:ext>
+            </a:extLst>
+          </p:cNvPr>
+          <p:cNvSpPr txBox="1">
+            <a:spLocks/>
+          </p:cNvSpPr>
+          <p:nvPr/>
+        </p:nvSpPr>
+        <p:spPr>
+          <a:xfrm>
+            <a:off x="838200" y="365125"/>
+            <a:ext cx="10515600" cy="1325563"/>
+          </a:xfrm>
+          <a:prstGeom prst="rect">
+            <a:avLst/>
+          </a:prstGeom>
+        </p:spPr>
+        <p:txBody>
+          <a:bodyPr vert="horz" lIns="91440" tIns="45720" rIns="91440" bIns="45720" rtlCol="0" anchor="ctr">
+            <a:normAutofit/>
+          </a:bodyPr>
+          <a:lstStyle>
+            <a:lvl1pPr algn="l" defTabSz="914400" rtl="0" eaLnBrk="1" latinLnBrk="0" hangingPunct="1">
+              <a:lnSpc>
+                <a:spcPct val="90000"/>
+              </a:lnSpc>
+              <a:spcBef>
+                <a:spcPct val="0"/>
+              </a:spcBef>
+              <a:buNone/>
+              <a:defRPr sz="4400" kern="1200">
+                <a:solidFill>
+                  <a:schemeClr val="tx1"/>
+                </a:solidFill>
+                <a:latin typeface="+mj-lt"/>
+                <a:ea typeface="+mj-ea"/>
+                <a:cs typeface="+mj-cs"/>
+              </a:defRPr>
+            </a:lvl1pPr>
+          </a:lstStyle>
+          <a:p>
+            <a:endParaRPr lang="en-ZA" dirty="0"/>
           </a:p>
         </p:txBody>
       </p:sp>
     </p:spTree>
     <p:extLst>
       <p:ext uri="{BB962C8B-B14F-4D97-AF65-F5344CB8AC3E}">
-        <p14:creationId xmlns:p14="http://schemas.microsoft.com/office/powerpoint/2010/main" val="3737736050"/>
+        <p14:creationId xmlns:p14="http://schemas.microsoft.com/office/powerpoint/2010/main" val="75851653"/>
+      </p:ext>
+    </p:extLst>
+  </p:cSld>
+  <p:clrMapOvr>
+    <a:overrideClrMapping bg1="dk1" tx1="lt1" bg2="dk2" tx2="lt2" accent1="accent1" accent2="accent2" accent3="accent3" accent4="accent4" accent5="accent5" accent6="accent6" hlink="hlink" folHlink="folHlink"/>
+  </p:clrMapOvr>
+  <mc:AlternateContent xmlns:mc="http://schemas.openxmlformats.org/markup-compatibility/2006">
+    <mc:Choice xmlns:p159="http://schemas.microsoft.com/office/powerpoint/2015/09/main" Requires="p159">
+      <p:transition xmlns:p14="http://schemas.microsoft.com/office/powerpoint/2010/main" spd="slow" p14:dur="2000">
+        <p159:morph option="byChar"/>
+      </p:transition>
+    </mc:Choice>
+    <mc:Fallback>
+      <p:transition spd="slow">
+        <p:fade/>
+      </p:transition>
+    </mc:Fallback>
+  </mc:AlternateContent>
+</p:sld>
+</file>
+
+<file path=ppt/slides/slide6.xml><?xml version="1.0" encoding="utf-8"?>
+<p:sld xmlns:a="http://schemas.openxmlformats.org/drawingml/2006/main" xmlns:r="http://schemas.openxmlformats.org/officeDocument/2006/relationships" xmlns:p="http://schemas.openxmlformats.org/presentationml/2006/main">
+  <p:cSld>
+    <p:bg>
+      <p:bgPr>
+        <a:solidFill>
+          <a:schemeClr val="bg1"/>
+        </a:solidFill>
+        <a:effectLst/>
+      </p:bgPr>
+    </p:bg>
+    <p:spTree>
+      <p:nvGrpSpPr>
+        <p:cNvPr id="1" name=""/>
+        <p:cNvGrpSpPr/>
+        <p:nvPr/>
+      </p:nvGrpSpPr>
+      <p:grpSpPr>
+        <a:xfrm>
+          <a:off x="0" y="0"/>
+          <a:ext cx="0" cy="0"/>
+          <a:chOff x="0" y="0"/>
+          <a:chExt cx="0" cy="0"/>
+        </a:xfrm>
+      </p:grpSpPr>
+      <p:sp>
+        <p:nvSpPr>
+          <p:cNvPr id="2" name="Title 1">
+            <a:extLst>
+              <a:ext uri="{FF2B5EF4-FFF2-40B4-BE49-F238E27FC236}">
+                <a16:creationId xmlns:a16="http://schemas.microsoft.com/office/drawing/2014/main" id="{1557551C-8F7C-4D42-8E31-298158B2C324}"/>
+              </a:ext>
+            </a:extLst>
+          </p:cNvPr>
+          <p:cNvSpPr>
+            <a:spLocks noGrp="1"/>
+          </p:cNvSpPr>
+          <p:nvPr>
+            <p:ph type="title"/>
+          </p:nvPr>
+        </p:nvSpPr>
+        <p:spPr>
+          <a:xfrm>
+            <a:off x="870204" y="606564"/>
+            <a:ext cx="10451592" cy="1325563"/>
+          </a:xfrm>
+        </p:spPr>
+        <p:txBody>
+          <a:bodyPr anchor="ctr">
+            <a:normAutofit/>
+          </a:bodyPr>
+          <a:lstStyle/>
+          <a:p>
+            <a:r>
+              <a:rPr lang="en-US"/>
+              <a:t>Private Cloud</a:t>
+            </a:r>
+            <a:endParaRPr lang="en-ZA"/>
+          </a:p>
+        </p:txBody>
+      </p:sp>
+      <p:sp>
+        <p:nvSpPr>
+          <p:cNvPr id="31" name="Rectangle 24">
+            <a:extLst>
+              <a:ext uri="{FF2B5EF4-FFF2-40B4-BE49-F238E27FC236}">
+                <a16:creationId xmlns:a16="http://schemas.microsoft.com/office/drawing/2014/main" id="{A5711A0E-A428-4ED1-96CB-33D69FD842E4}"/>
+              </a:ext>
+              <a:ext uri="{C183D7F6-B498-43B3-948B-1728B52AA6E4}">
+                <adec:decorative xmlns:adec="http://schemas.microsoft.com/office/drawing/2017/decorative" val="1"/>
+              </a:ext>
+            </a:extLst>
+          </p:cNvPr>
+          <p:cNvSpPr>
+            <a:spLocks noGrp="1" noRot="1" noChangeAspect="1" noMove="1" noResize="1" noEditPoints="1" noAdjustHandles="1" noChangeArrowheads="1" noChangeShapeType="1" noTextEdit="1"/>
+          </p:cNvSpPr>
+          <p:nvPr>
+            <p:extLst>
+              <p:ext uri="{386F3935-93C4-4BCD-93E2-E3B085C9AB24}">
+                <p16:designElem xmlns:p16="http://schemas.microsoft.com/office/powerpoint/2015/main" val="1"/>
+              </p:ext>
+            </p:extLst>
+          </p:nvPr>
+        </p:nvSpPr>
+        <p:spPr>
+          <a:xfrm>
+            <a:off x="1000874" y="2043803"/>
+            <a:ext cx="10190252" cy="80683"/>
+          </a:xfrm>
+          <a:prstGeom prst="rect">
+            <a:avLst/>
+          </a:prstGeom>
+          <a:solidFill>
+            <a:schemeClr val="tx1">
+              <a:lumMod val="50000"/>
+              <a:lumOff val="50000"/>
+              <a:alpha val="65000"/>
+            </a:schemeClr>
+          </a:solidFill>
+          <a:ln>
+            <a:noFill/>
+          </a:ln>
+        </p:spPr>
+        <p:style>
+          <a:lnRef idx="2">
+            <a:schemeClr val="accent1">
+              <a:shade val="50000"/>
+            </a:schemeClr>
+          </a:lnRef>
+          <a:fillRef idx="1">
+            <a:schemeClr val="accent1"/>
+          </a:fillRef>
+          <a:effectRef idx="0">
+            <a:schemeClr val="accent1"/>
+          </a:effectRef>
+          <a:fontRef idx="minor">
+            <a:schemeClr val="lt1"/>
+          </a:fontRef>
+        </p:style>
+        <p:txBody>
+          <a:bodyPr rtlCol="0" anchor="ctr"/>
+          <a:lstStyle/>
+          <a:p>
+            <a:pPr marL="0" marR="0" lvl="0" indent="0" algn="ctr" defTabSz="457200" rtl="0" eaLnBrk="1" fontAlgn="auto" latinLnBrk="0" hangingPunct="1">
+              <a:lnSpc>
+                <a:spcPct val="100000"/>
+              </a:lnSpc>
+              <a:spcBef>
+                <a:spcPts val="0"/>
+              </a:spcBef>
+              <a:spcAft>
+                <a:spcPts val="0"/>
+              </a:spcAft>
+              <a:buClrTx/>
+              <a:buSzTx/>
+              <a:buFontTx/>
+              <a:buNone/>
+              <a:tabLst/>
+              <a:defRPr/>
+            </a:pPr>
+            <a:endParaRPr kumimoji="0" lang="en-US" sz="1800" b="0" i="0" u="none" strike="noStrike" kern="1200" cap="none" spc="0" normalizeH="0" baseline="0" noProof="0">
+              <a:ln>
+                <a:noFill/>
+              </a:ln>
+              <a:solidFill>
+                <a:prstClr val="white"/>
+              </a:solidFill>
+              <a:effectLst/>
+              <a:uLnTx/>
+              <a:uFillTx/>
+              <a:latin typeface="Calibri" panose="020F0502020204030204"/>
+              <a:ea typeface="+mn-ea"/>
+              <a:cs typeface="+mn-cs"/>
+            </a:endParaRPr>
+          </a:p>
+        </p:txBody>
+      </p:sp>
+      <p:pic>
+        <p:nvPicPr>
+          <p:cNvPr id="5" name="Content Placeholder 4" descr="A close up of a logo&#10;&#10;Description automatically generated">
+            <a:extLst>
+              <a:ext uri="{FF2B5EF4-FFF2-40B4-BE49-F238E27FC236}">
+                <a16:creationId xmlns:a16="http://schemas.microsoft.com/office/drawing/2014/main" id="{8DFDC881-D87A-4C3D-BC00-1DE1404A736F}"/>
+              </a:ext>
+            </a:extLst>
+          </p:cNvPr>
+          <p:cNvPicPr>
+            <a:picLocks noChangeAspect="1"/>
+          </p:cNvPicPr>
+          <p:nvPr/>
+        </p:nvPicPr>
+        <p:blipFill rotWithShape="1">
+          <a:blip r:embed="rId2"/>
+          <a:srcRect l="22501" t="9091" r="-2" b="-2"/>
+          <a:stretch/>
+        </p:blipFill>
+        <p:spPr>
+          <a:xfrm>
+            <a:off x="1111250" y="2425700"/>
+            <a:ext cx="6348413" cy="3535363"/>
+          </a:xfrm>
+          <a:prstGeom prst="rect">
+            <a:avLst/>
+          </a:prstGeom>
+        </p:spPr>
+      </p:pic>
+      <p:pic>
+        <p:nvPicPr>
+          <p:cNvPr id="10" name="Picture 9">
+            <a:extLst>
+              <a:ext uri="{FF2B5EF4-FFF2-40B4-BE49-F238E27FC236}">
+                <a16:creationId xmlns:a16="http://schemas.microsoft.com/office/drawing/2014/main" id="{0B1CCBC6-10FC-4552-81AF-FC6C26AC4803}"/>
+              </a:ext>
+            </a:extLst>
+          </p:cNvPr>
+          <p:cNvPicPr>
+            <a:picLocks noChangeAspect="1"/>
+          </p:cNvPicPr>
+          <p:nvPr/>
+        </p:nvPicPr>
+        <p:blipFill>
+          <a:blip r:embed="rId3"/>
+          <a:stretch>
+            <a:fillRect/>
+          </a:stretch>
+        </p:blipFill>
+        <p:spPr>
+          <a:xfrm>
+            <a:off x="7877968" y="2425700"/>
+            <a:ext cx="2867025" cy="3105150"/>
+          </a:xfrm>
+          <a:prstGeom prst="rect">
+            <a:avLst/>
+          </a:prstGeom>
+        </p:spPr>
+      </p:pic>
+      <p:pic>
+        <p:nvPicPr>
+          <p:cNvPr id="7" name="Content Placeholder 6" descr="A close up of a logo&#10;&#10;Description automatically generated">
+            <a:extLst>
+              <a:ext uri="{FF2B5EF4-FFF2-40B4-BE49-F238E27FC236}">
+                <a16:creationId xmlns:a16="http://schemas.microsoft.com/office/drawing/2014/main" id="{81AED671-1778-46DC-A8A2-BF68D18F04D0}"/>
+              </a:ext>
+            </a:extLst>
+          </p:cNvPr>
+          <p:cNvPicPr>
+            <a:picLocks noGrp="1" noChangeAspect="1"/>
+          </p:cNvPicPr>
+          <p:nvPr>
+            <p:ph idx="1"/>
+          </p:nvPr>
+        </p:nvPicPr>
+        <p:blipFill>
+          <a:blip r:embed="rId4"/>
+          <a:stretch>
+            <a:fillRect/>
+          </a:stretch>
+        </p:blipFill>
+        <p:spPr>
+          <a:xfrm>
+            <a:off x="7543798" y="4193381"/>
+            <a:ext cx="3535363" cy="3535363"/>
+          </a:xfrm>
+        </p:spPr>
+      </p:pic>
+    </p:spTree>
+    <p:extLst>
+      <p:ext uri="{BB962C8B-B14F-4D97-AF65-F5344CB8AC3E}">
+        <p14:creationId xmlns:p14="http://schemas.microsoft.com/office/powerpoint/2010/main" val="2783925421"/>
       </p:ext>
     </p:extLst>
   </p:cSld>
@@ -3868,4 +10763,299 @@
     </a:ext>
   </a:extLst>
 </a:theme>
+</file>
+
+<file path=ppt/theme/theme2.xml><?xml version="1.0" encoding="utf-8"?>
+<a:theme xmlns:a="http://schemas.openxmlformats.org/drawingml/2006/main" name="Office Theme">
+  <a:themeElements>
+    <a:clrScheme name="Office">
+      <a:dk1>
+        <a:sysClr val="windowText" lastClr="000000"/>
+      </a:dk1>
+      <a:lt1>
+        <a:sysClr val="window" lastClr="FFFFFF"/>
+      </a:lt1>
+      <a:dk2>
+        <a:srgbClr val="44546A"/>
+      </a:dk2>
+      <a:lt2>
+        <a:srgbClr val="E7E6E6"/>
+      </a:lt2>
+      <a:accent1>
+        <a:srgbClr val="4472C4"/>
+      </a:accent1>
+      <a:accent2>
+        <a:srgbClr val="ED7D31"/>
+      </a:accent2>
+      <a:accent3>
+        <a:srgbClr val="A5A5A5"/>
+      </a:accent3>
+      <a:accent4>
+        <a:srgbClr val="FFC000"/>
+      </a:accent4>
+      <a:accent5>
+        <a:srgbClr val="5B9BD5"/>
+      </a:accent5>
+      <a:accent6>
+        <a:srgbClr val="70AD47"/>
+      </a:accent6>
+      <a:hlink>
+        <a:srgbClr val="0563C1"/>
+      </a:hlink>
+      <a:folHlink>
+        <a:srgbClr val="954F72"/>
+      </a:folHlink>
+    </a:clrScheme>
+    <a:fontScheme name="Office">
+      <a:majorFont>
+        <a:latin typeface="Calibri Light" panose="020F0302020204030204"/>
+        <a:ea typeface=""/>
+        <a:cs typeface=""/>
+        <a:font script="Jpan" typeface="游ゴシック Light"/>
+        <a:font script="Hang" typeface="맑은 고딕"/>
+        <a:font script="Hans" typeface="等线 Light"/>
+        <a:font script="Hant" typeface="新細明體"/>
+        <a:font script="Arab" typeface="Times New Roman"/>
+        <a:font script="Hebr" typeface="Times New Roman"/>
+        <a:font script="Thai" typeface="Angsana New"/>
+        <a:font script="Ethi" typeface="Nyala"/>
+        <a:font script="Beng" typeface="Vrinda"/>
+        <a:font script="Gujr" typeface="Shruti"/>
+        <a:font script="Khmr" typeface="MoolBoran"/>
+        <a:font script="Knda" typeface="Tunga"/>
+        <a:font script="Guru" typeface="Raavi"/>
+        <a:font script="Cans" typeface="Euphemia"/>
+        <a:font script="Cher" typeface="Plantagenet Cherokee"/>
+        <a:font script="Yiii" typeface="Microsoft Yi Baiti"/>
+        <a:font script="Tibt" typeface="Microsoft Himalaya"/>
+        <a:font script="Thaa" typeface="MV Boli"/>
+        <a:font script="Deva" typeface="Mangal"/>
+        <a:font script="Telu" typeface="Gautami"/>
+        <a:font script="Taml" typeface="Latha"/>
+        <a:font script="Syrc" typeface="Estrangelo Edessa"/>
+        <a:font script="Orya" typeface="Kalinga"/>
+        <a:font script="Mlym" typeface="Kartika"/>
+        <a:font script="Laoo" typeface="DokChampa"/>
+        <a:font script="Sinh" typeface="Iskoola Pota"/>
+        <a:font script="Mong" typeface="Mongolian Baiti"/>
+        <a:font script="Viet" typeface="Times New Roman"/>
+        <a:font script="Uigh" typeface="Microsoft Uighur"/>
+        <a:font script="Geor" typeface="Sylfaen"/>
+        <a:font script="Armn" typeface="Arial"/>
+        <a:font script="Bugi" typeface="Leelawadee UI"/>
+        <a:font script="Bopo" typeface="Microsoft JhengHei"/>
+        <a:font script="Java" typeface="Javanese Text"/>
+        <a:font script="Lisu" typeface="Segoe UI"/>
+        <a:font script="Mymr" typeface="Myanmar Text"/>
+        <a:font script="Nkoo" typeface="Ebrima"/>
+        <a:font script="Olck" typeface="Nirmala UI"/>
+        <a:font script="Osma" typeface="Ebrima"/>
+        <a:font script="Phag" typeface="Phagspa"/>
+        <a:font script="Syrn" typeface="Estrangelo Edessa"/>
+        <a:font script="Syrj" typeface="Estrangelo Edessa"/>
+        <a:font script="Syre" typeface="Estrangelo Edessa"/>
+        <a:font script="Sora" typeface="Nirmala UI"/>
+        <a:font script="Tale" typeface="Microsoft Tai Le"/>
+        <a:font script="Talu" typeface="Microsoft New Tai Lue"/>
+        <a:font script="Tfng" typeface="Ebrima"/>
+      </a:majorFont>
+      <a:minorFont>
+        <a:latin typeface="Calibri" panose="020F0502020204030204"/>
+        <a:ea typeface=""/>
+        <a:cs typeface=""/>
+        <a:font script="Jpan" typeface="游ゴシック"/>
+        <a:font script="Hang" typeface="맑은 고딕"/>
+        <a:font script="Hans" typeface="等线"/>
+        <a:font script="Hant" typeface="新細明體"/>
+        <a:font script="Arab" typeface="Arial"/>
+        <a:font script="Hebr" typeface="Arial"/>
+        <a:font script="Thai" typeface="Cordia New"/>
+        <a:font script="Ethi" typeface="Nyala"/>
+        <a:font script="Beng" typeface="Vrinda"/>
+        <a:font script="Gujr" typeface="Shruti"/>
+        <a:font script="Khmr" typeface="DaunPenh"/>
+        <a:font script="Knda" typeface="Tunga"/>
+        <a:font script="Guru" typeface="Raavi"/>
+        <a:font script="Cans" typeface="Euphemia"/>
+        <a:font script="Cher" typeface="Plantagenet Cherokee"/>
+        <a:font script="Yiii" typeface="Microsoft Yi Baiti"/>
+        <a:font script="Tibt" typeface="Microsoft Himalaya"/>
+        <a:font script="Thaa" typeface="MV Boli"/>
+        <a:font script="Deva" typeface="Mangal"/>
+        <a:font script="Telu" typeface="Gautami"/>
+        <a:font script="Taml" typeface="Latha"/>
+        <a:font script="Syrc" typeface="Estrangelo Edessa"/>
+        <a:font script="Orya" typeface="Kalinga"/>
+        <a:font script="Mlym" typeface="Kartika"/>
+        <a:font script="Laoo" typeface="DokChampa"/>
+        <a:font script="Sinh" typeface="Iskoola Pota"/>
+        <a:font script="Mong" typeface="Mongolian Baiti"/>
+        <a:font script="Viet" typeface="Arial"/>
+        <a:font script="Uigh" typeface="Microsoft Uighur"/>
+        <a:font script="Geor" typeface="Sylfaen"/>
+        <a:font script="Armn" typeface="Arial"/>
+        <a:font script="Bugi" typeface="Leelawadee UI"/>
+        <a:font script="Bopo" typeface="Microsoft JhengHei"/>
+        <a:font script="Java" typeface="Javanese Text"/>
+        <a:font script="Lisu" typeface="Segoe UI"/>
+        <a:font script="Mymr" typeface="Myanmar Text"/>
+        <a:font script="Nkoo" typeface="Ebrima"/>
+        <a:font script="Olck" typeface="Nirmala UI"/>
+        <a:font script="Osma" typeface="Ebrima"/>
+        <a:font script="Phag" typeface="Phagspa"/>
+        <a:font script="Syrn" typeface="Estrangelo Edessa"/>
+        <a:font script="Syrj" typeface="Estrangelo Edessa"/>
+        <a:font script="Syre" typeface="Estrangelo Edessa"/>
+        <a:font script="Sora" typeface="Nirmala UI"/>
+        <a:font script="Tale" typeface="Microsoft Tai Le"/>
+        <a:font script="Talu" typeface="Microsoft New Tai Lue"/>
+        <a:font script="Tfng" typeface="Ebrima"/>
+      </a:minorFont>
+    </a:fontScheme>
+    <a:fmtScheme name="Office">
+      <a:fillStyleLst>
+        <a:solidFill>
+          <a:schemeClr val="phClr"/>
+        </a:solidFill>
+        <a:gradFill rotWithShape="1">
+          <a:gsLst>
+            <a:gs pos="0">
+              <a:schemeClr val="phClr">
+                <a:lumMod val="110000"/>
+                <a:satMod val="105000"/>
+                <a:tint val="67000"/>
+              </a:schemeClr>
+            </a:gs>
+            <a:gs pos="50000">
+              <a:schemeClr val="phClr">
+                <a:lumMod val="105000"/>
+                <a:satMod val="103000"/>
+                <a:tint val="73000"/>
+              </a:schemeClr>
+            </a:gs>
+            <a:gs pos="100000">
+              <a:schemeClr val="phClr">
+                <a:lumMod val="105000"/>
+                <a:satMod val="109000"/>
+                <a:tint val="81000"/>
+              </a:schemeClr>
+            </a:gs>
+          </a:gsLst>
+          <a:lin ang="5400000" scaled="0"/>
+        </a:gradFill>
+        <a:gradFill rotWithShape="1">
+          <a:gsLst>
+            <a:gs pos="0">
+              <a:schemeClr val="phClr">
+                <a:satMod val="103000"/>
+                <a:lumMod val="102000"/>
+                <a:tint val="94000"/>
+              </a:schemeClr>
+            </a:gs>
+            <a:gs pos="50000">
+              <a:schemeClr val="phClr">
+                <a:satMod val="110000"/>
+                <a:lumMod val="100000"/>
+                <a:shade val="100000"/>
+              </a:schemeClr>
+            </a:gs>
+            <a:gs pos="100000">
+              <a:schemeClr val="phClr">
+                <a:lumMod val="99000"/>
+                <a:satMod val="120000"/>
+                <a:shade val="78000"/>
+              </a:schemeClr>
+            </a:gs>
+          </a:gsLst>
+          <a:lin ang="5400000" scaled="0"/>
+        </a:gradFill>
+      </a:fillStyleLst>
+      <a:lnStyleLst>
+        <a:ln w="6350" cap="flat" cmpd="sng" algn="ctr">
+          <a:solidFill>
+            <a:schemeClr val="phClr"/>
+          </a:solidFill>
+          <a:prstDash val="solid"/>
+          <a:miter lim="800000"/>
+        </a:ln>
+        <a:ln w="12700" cap="flat" cmpd="sng" algn="ctr">
+          <a:solidFill>
+            <a:schemeClr val="phClr"/>
+          </a:solidFill>
+          <a:prstDash val="solid"/>
+          <a:miter lim="800000"/>
+        </a:ln>
+        <a:ln w="19050" cap="flat" cmpd="sng" algn="ctr">
+          <a:solidFill>
+            <a:schemeClr val="phClr"/>
+          </a:solidFill>
+          <a:prstDash val="solid"/>
+          <a:miter lim="800000"/>
+        </a:ln>
+      </a:lnStyleLst>
+      <a:effectStyleLst>
+        <a:effectStyle>
+          <a:effectLst/>
+        </a:effectStyle>
+        <a:effectStyle>
+          <a:effectLst/>
+        </a:effectStyle>
+        <a:effectStyle>
+          <a:effectLst>
+            <a:outerShdw blurRad="57150" dist="19050" dir="5400000" algn="ctr" rotWithShape="0">
+              <a:srgbClr val="000000">
+                <a:alpha val="63000"/>
+              </a:srgbClr>
+            </a:outerShdw>
+          </a:effectLst>
+        </a:effectStyle>
+      </a:effectStyleLst>
+      <a:bgFillStyleLst>
+        <a:solidFill>
+          <a:schemeClr val="phClr"/>
+        </a:solidFill>
+        <a:solidFill>
+          <a:schemeClr val="phClr">
+            <a:tint val="95000"/>
+            <a:satMod val="170000"/>
+          </a:schemeClr>
+        </a:solidFill>
+        <a:gradFill rotWithShape="1">
+          <a:gsLst>
+            <a:gs pos="0">
+              <a:schemeClr val="phClr">
+                <a:tint val="93000"/>
+                <a:satMod val="150000"/>
+                <a:shade val="98000"/>
+                <a:lumMod val="102000"/>
+              </a:schemeClr>
+            </a:gs>
+            <a:gs pos="50000">
+              <a:schemeClr val="phClr">
+                <a:tint val="98000"/>
+                <a:satMod val="130000"/>
+                <a:shade val="90000"/>
+                <a:lumMod val="103000"/>
+              </a:schemeClr>
+            </a:gs>
+            <a:gs pos="100000">
+              <a:schemeClr val="phClr">
+                <a:shade val="63000"/>
+                <a:satMod val="120000"/>
+              </a:schemeClr>
+            </a:gs>
+          </a:gsLst>
+          <a:lin ang="5400000" scaled="0"/>
+        </a:gradFill>
+      </a:bgFillStyleLst>
+    </a:fmtScheme>
+  </a:themeElements>
+  <a:objectDefaults/>
+  <a:extraClrSchemeLst/>
+  <a:extLst>
+    <a:ext uri="{05A4C25C-085E-4340-85A3-A5531E510DB2}">
+      <thm15:themeFamily xmlns:thm15="http://schemas.microsoft.com/office/thememl/2012/main" name="Office Theme" id="{62F939B6-93AF-4DB8-9C6B-D6C7DFDC589F}" vid="{4A3C46E8-61CC-4603-A589-7422A47A8E4A}"/>
+    </a:ext>
+  </a:extLst>
+</a:theme>
 </file>
--- a/content/Azure Fundamentals/1. Understand cloud concepts/3. The differences between Public, Private and Hybrid cloud models.pptx
+++ b/content/Azure Fundamentals/1. Understand cloud concepts/3. The differences between Public, Private and Hybrid cloud models.pptx
@@ -17338,13 +17338,56 @@
             <a:off x="1524000" y="3428999"/>
             <a:ext cx="9144000" cy="926663"/>
           </a:xfrm>
+          <a:gradFill flip="none" rotWithShape="1">
+            <a:gsLst>
+              <a:gs pos="0">
+                <a:schemeClr val="accent5">
+                  <a:lumMod val="67000"/>
+                </a:schemeClr>
+              </a:gs>
+              <a:gs pos="48000">
+                <a:schemeClr val="accent5">
+                  <a:lumMod val="97000"/>
+                  <a:lumOff val="3000"/>
+                </a:schemeClr>
+              </a:gs>
+              <a:gs pos="100000">
+                <a:schemeClr val="accent5">
+                  <a:lumMod val="60000"/>
+                  <a:lumOff val="40000"/>
+                </a:schemeClr>
+              </a:gs>
+            </a:gsLst>
+            <a:lin ang="16200000" scaled="1"/>
+            <a:tileRect/>
+          </a:gradFill>
+          <a:ln>
+            <a:noFill/>
+          </a:ln>
         </p:spPr>
+        <p:style>
+          <a:lnRef idx="0">
+            <a:scrgbClr r="0" g="0" b="0"/>
+          </a:lnRef>
+          <a:fillRef idx="0">
+            <a:scrgbClr r="0" g="0" b="0"/>
+          </a:fillRef>
+          <a:effectRef idx="0">
+            <a:scrgbClr r="0" g="0" b="0"/>
+          </a:effectRef>
+          <a:fontRef idx="minor">
+            <a:schemeClr val="lt1"/>
+          </a:fontRef>
+        </p:style>
         <p:txBody>
           <a:bodyPr/>
           <a:lstStyle/>
           <a:p>
             <a:r>
-              <a:rPr lang="en-US" dirty="0"/>
+              <a:rPr lang="en-US" dirty="0">
+                <a:latin typeface="Segoe UI" panose="020B0502040204020203" pitchFamily="34" charset="0"/>
+                <a:cs typeface="Segoe UI" panose="020B0502040204020203" pitchFamily="34" charset="0"/>
+              </a:rPr>
               <a:t>Public, Private and Hybrid</a:t>
             </a:r>
           </a:p>
@@ -17372,24 +17415,47 @@
             <a:ext cx="9144000" cy="1655762"/>
           </a:xfrm>
         </p:spPr>
+        <p:style>
+          <a:lnRef idx="0">
+            <a:schemeClr val="accent5"/>
+          </a:lnRef>
+          <a:fillRef idx="3">
+            <a:schemeClr val="accent5"/>
+          </a:fillRef>
+          <a:effectRef idx="3">
+            <a:schemeClr val="accent5"/>
+          </a:effectRef>
+          <a:fontRef idx="minor">
+            <a:schemeClr val="lt1"/>
+          </a:fontRef>
+        </p:style>
         <p:txBody>
           <a:bodyPr/>
           <a:lstStyle/>
           <a:p>
             <a:r>
-              <a:rPr lang="en-US" dirty="0"/>
+              <a:rPr lang="en-US" dirty="0">
+                <a:latin typeface="Segoe UI" panose="020B0502040204020203" pitchFamily="34" charset="0"/>
+                <a:cs typeface="Segoe UI" panose="020B0502040204020203" pitchFamily="34" charset="0"/>
+              </a:rPr>
               <a:t>The differences between Public, Private and Hybrid cloud models</a:t>
             </a:r>
           </a:p>
           <a:p>
             <a:r>
-              <a:rPr lang="en-US" dirty="0"/>
+              <a:rPr lang="en-US" dirty="0">
+                <a:latin typeface="Segoe UI" panose="020B0502040204020203" pitchFamily="34" charset="0"/>
+                <a:cs typeface="Segoe UI" panose="020B0502040204020203" pitchFamily="34" charset="0"/>
+              </a:rPr>
               <a:t>Warren du Toit &amp; Matthew Levy</a:t>
             </a:r>
           </a:p>
           <a:p>
             <a:r>
-              <a:rPr lang="en-US" dirty="0"/>
+              <a:rPr lang="en-US" dirty="0">
+                <a:latin typeface="Segoe UI" panose="020B0502040204020203" pitchFamily="34" charset="0"/>
+                <a:cs typeface="Segoe UI" panose="020B0502040204020203" pitchFamily="34" charset="0"/>
+              </a:rPr>
               <a:t>Azure MVP &amp; Enterprise Mobility MVP</a:t>
             </a:r>
           </a:p>
